--- a/presentations/06_Tasks_In_SCDF.pptx
+++ b/presentations/06_Tasks_In_SCDF.pptx
@@ -2,28 +2,28 @@
 <file path=ppt/presentation.xml><?xml version="1.0" encoding="utf-8"?>
 <p:presentation xmlns:a="http://schemas.openxmlformats.org/drawingml/2006/main" xmlns:r="http://schemas.openxmlformats.org/officeDocument/2006/relationships" xmlns:p="http://schemas.openxmlformats.org/presentationml/2006/main">
   <p:sldMasterIdLst>
-    <p:sldMasterId id="2147483648" r:id="rId5"/>
+    <p:sldMasterId id="2147483648" r:id="rId1"/>
   </p:sldMasterIdLst>
   <p:notesMasterIdLst>
-    <p:notesMasterId r:id="rId7"/>
+    <p:notesMasterId r:id="rId18"/>
   </p:notesMasterIdLst>
   <p:sldIdLst>
-    <p:sldId id="256" r:id="rId8"/>
-    <p:sldId id="257" r:id="rId9"/>
-    <p:sldId id="258" r:id="rId10"/>
-    <p:sldId id="259" r:id="rId11"/>
-    <p:sldId id="260" r:id="rId12"/>
-    <p:sldId id="261" r:id="rId13"/>
-    <p:sldId id="262" r:id="rId14"/>
-    <p:sldId id="263" r:id="rId15"/>
-    <p:sldId id="264" r:id="rId16"/>
-    <p:sldId id="265" r:id="rId17"/>
-    <p:sldId id="266" r:id="rId18"/>
-    <p:sldId id="267" r:id="rId19"/>
-    <p:sldId id="268" r:id="rId20"/>
-    <p:sldId id="269" r:id="rId21"/>
-    <p:sldId id="270" r:id="rId22"/>
-    <p:sldId id="271" r:id="rId23"/>
+    <p:sldId id="256" r:id="rId2"/>
+    <p:sldId id="257" r:id="rId3"/>
+    <p:sldId id="258" r:id="rId4"/>
+    <p:sldId id="259" r:id="rId5"/>
+    <p:sldId id="260" r:id="rId6"/>
+    <p:sldId id="261" r:id="rId7"/>
+    <p:sldId id="262" r:id="rId8"/>
+    <p:sldId id="263" r:id="rId9"/>
+    <p:sldId id="264" r:id="rId10"/>
+    <p:sldId id="265" r:id="rId11"/>
+    <p:sldId id="266" r:id="rId12"/>
+    <p:sldId id="267" r:id="rId13"/>
+    <p:sldId id="268" r:id="rId14"/>
+    <p:sldId id="269" r:id="rId15"/>
+    <p:sldId id="270" r:id="rId16"/>
+    <p:sldId id="271" r:id="rId17"/>
   </p:sldIdLst>
   <p:sldSz cx="13004800" cy="9753600"/>
   <p:notesSz cx="6858000" cy="9144000"/>
@@ -43,7 +43,7 @@
       <a:buFontTx/>
       <a:buNone/>
       <a:tabLst/>
-      <a:defRPr b="0" baseline="0" cap="none" i="0" spc="0" strike="noStrike" sz="1800" u="none" kumimoji="0" normalizeH="0">
+      <a:defRPr kumimoji="0" sz="1800" b="0" i="0" u="none" strike="noStrike" cap="none" spc="0" normalizeH="0" baseline="0">
         <a:ln>
           <a:noFill/>
         </a:ln>
@@ -69,7 +69,7 @@
       <a:buFontTx/>
       <a:buNone/>
       <a:tabLst/>
-      <a:defRPr b="0" baseline="0" cap="none" i="0" spc="0" strike="noStrike" sz="3600" u="none" kumimoji="0" normalizeH="0">
+      <a:defRPr kumimoji="0" sz="3600" b="0" i="0" u="none" strike="noStrike" cap="none" spc="0" normalizeH="0" baseline="0">
         <a:ln>
           <a:noFill/>
         </a:ln>
@@ -99,7 +99,7 @@
       <a:buFontTx/>
       <a:buNone/>
       <a:tabLst/>
-      <a:defRPr b="0" baseline="0" cap="none" i="0" spc="0" strike="noStrike" sz="3600" u="none" kumimoji="0" normalizeH="0">
+      <a:defRPr kumimoji="0" sz="3600" b="0" i="0" u="none" strike="noStrike" cap="none" spc="0" normalizeH="0" baseline="0">
         <a:ln>
           <a:noFill/>
         </a:ln>
@@ -129,7 +129,7 @@
       <a:buFontTx/>
       <a:buNone/>
       <a:tabLst/>
-      <a:defRPr b="0" baseline="0" cap="none" i="0" spc="0" strike="noStrike" sz="3600" u="none" kumimoji="0" normalizeH="0">
+      <a:defRPr kumimoji="0" sz="3600" b="0" i="0" u="none" strike="noStrike" cap="none" spc="0" normalizeH="0" baseline="0">
         <a:ln>
           <a:noFill/>
         </a:ln>
@@ -159,7 +159,7 @@
       <a:buFontTx/>
       <a:buNone/>
       <a:tabLst/>
-      <a:defRPr b="0" baseline="0" cap="none" i="0" spc="0" strike="noStrike" sz="3600" u="none" kumimoji="0" normalizeH="0">
+      <a:defRPr kumimoji="0" sz="3600" b="0" i="0" u="none" strike="noStrike" cap="none" spc="0" normalizeH="0" baseline="0">
         <a:ln>
           <a:noFill/>
         </a:ln>
@@ -189,7 +189,7 @@
       <a:buFontTx/>
       <a:buNone/>
       <a:tabLst/>
-      <a:defRPr b="0" baseline="0" cap="none" i="0" spc="0" strike="noStrike" sz="3600" u="none" kumimoji="0" normalizeH="0">
+      <a:defRPr kumimoji="0" sz="3600" b="0" i="0" u="none" strike="noStrike" cap="none" spc="0" normalizeH="0" baseline="0">
         <a:ln>
           <a:noFill/>
         </a:ln>
@@ -219,7 +219,7 @@
       <a:buFontTx/>
       <a:buNone/>
       <a:tabLst/>
-      <a:defRPr b="0" baseline="0" cap="none" i="0" spc="0" strike="noStrike" sz="3600" u="none" kumimoji="0" normalizeH="0">
+      <a:defRPr kumimoji="0" sz="3600" b="0" i="0" u="none" strike="noStrike" cap="none" spc="0" normalizeH="0" baseline="0">
         <a:ln>
           <a:noFill/>
         </a:ln>
@@ -249,7 +249,7 @@
       <a:buFontTx/>
       <a:buNone/>
       <a:tabLst/>
-      <a:defRPr b="0" baseline="0" cap="none" i="0" spc="0" strike="noStrike" sz="3600" u="none" kumimoji="0" normalizeH="0">
+      <a:defRPr kumimoji="0" sz="3600" b="0" i="0" u="none" strike="noStrike" cap="none" spc="0" normalizeH="0" baseline="0">
         <a:ln>
           <a:noFill/>
         </a:ln>
@@ -279,7 +279,7 @@
       <a:buFontTx/>
       <a:buNone/>
       <a:tabLst/>
-      <a:defRPr b="0" baseline="0" cap="none" i="0" spc="0" strike="noStrike" sz="3600" u="none" kumimoji="0" normalizeH="0">
+      <a:defRPr kumimoji="0" sz="3600" b="0" i="0" u="none" strike="noStrike" cap="none" spc="0" normalizeH="0" baseline="0">
         <a:ln>
           <a:noFill/>
         </a:ln>
@@ -309,7 +309,7 @@
       <a:buFontTx/>
       <a:buNone/>
       <a:tabLst/>
-      <a:defRPr b="0" baseline="0" cap="none" i="0" spc="0" strike="noStrike" sz="3600" u="none" kumimoji="0" normalizeH="0">
+      <a:defRPr kumimoji="0" sz="3600" b="0" i="0" u="none" strike="noStrike" cap="none" spc="0" normalizeH="0" baseline="0">
         <a:ln>
           <a:noFill/>
         </a:ln>
@@ -328,13 +328,14 @@
 </p:presentation>
 </file>
 
-<file path=ppt/commentAuthors.xml><?xml version="1.0" encoding="utf-8"?>
-<p:cmAuthorLst xmlns:a="http://schemas.openxmlformats.org/drawingml/2006/main" xmlns:r="http://schemas.openxmlformats.org/officeDocument/2006/relationships" xmlns:p="http://schemas.openxmlformats.org/presentationml/2006/main"/>
-</file>
-
 <file path=ppt/notesMasters/notesMaster1.xml><?xml version="1.0" encoding="utf-8"?>
 <p:notesMaster xmlns:a="http://schemas.openxmlformats.org/drawingml/2006/main" xmlns:r="http://schemas.openxmlformats.org/officeDocument/2006/relationships" xmlns:p="http://schemas.openxmlformats.org/presentationml/2006/main">
   <p:cSld>
+    <p:bg>
+      <p:bgRef idx="1001">
+        <a:schemeClr val="bg1"/>
+      </p:bgRef>
+    </p:bg>
     <p:spTree>
       <p:nvGrpSpPr>
         <p:cNvPr id="1" name=""/>
@@ -352,7 +353,9 @@
       <p:sp>
         <p:nvSpPr>
           <p:cNvPr id="145" name="Shape 145"/>
-          <p:cNvSpPr/>
+          <p:cNvSpPr>
+            <a:spLocks noGrp="1" noRot="1" noChangeAspect="1"/>
+          </p:cNvSpPr>
           <p:nvPr>
             <p:ph type="sldImg"/>
           </p:nvPr>
@@ -370,14 +373,16 @@
           <a:bodyPr/>
           <a:lstStyle/>
           <a:p>
-            <a:pPr/>
+            <a:endParaRPr/>
           </a:p>
         </p:txBody>
       </p:sp>
       <p:sp>
         <p:nvSpPr>
           <p:cNvPr id="146" name="Shape 146"/>
-          <p:cNvSpPr/>
+          <p:cNvSpPr>
+            <a:spLocks noGrp="1"/>
+          </p:cNvSpPr>
           <p:nvPr>
             <p:ph type="body" sz="quarter" idx="1"/>
           </p:nvPr>
@@ -395,11 +400,16 @@
           <a:bodyPr/>
           <a:lstStyle/>
           <a:p>
-            <a:pPr/>
+            <a:endParaRPr/>
           </a:p>
         </p:txBody>
       </p:sp>
     </p:spTree>
+    <p:extLst>
+      <p:ext uri="{BB962C8B-B14F-4D97-AF65-F5344CB8AC3E}">
+        <p14:creationId xmlns:p14="http://schemas.microsoft.com/office/powerpoint/2010/main" val="334248939"/>
+      </p:ext>
+    </p:extLst>
   </p:cSld>
   <p:clrMap bg1="lt1" tx1="dk1" bg2="lt2" tx2="dk2" accent1="accent1" accent2="accent2" accent3="accent3" accent4="accent4" accent5="accent5" accent6="accent6" hlink="hlink" folHlink="folHlink"/>
   <p:notesStyle>
@@ -507,7 +517,7 @@
 </file>
 
 <file path=ppt/notesSlides/notesSlide1.xml><?xml version="1.0" encoding="utf-8"?>
-<p:notes xmlns:a="http://schemas.openxmlformats.org/drawingml/2006/main" xmlns:r="http://schemas.openxmlformats.org/officeDocument/2006/relationships" xmlns:p="http://schemas.openxmlformats.org/presentationml/2006/main" showMasterSp="1" showMasterPhAnim="1">
+<p:notes xmlns:a="http://schemas.openxmlformats.org/drawingml/2006/main" xmlns:r="http://schemas.openxmlformats.org/officeDocument/2006/relationships" xmlns:p="http://schemas.openxmlformats.org/presentationml/2006/main">
   <p:cSld>
     <p:spTree>
       <p:nvGrpSpPr>
@@ -526,7 +536,9 @@
       <p:sp>
         <p:nvSpPr>
           <p:cNvPr id="165" name="Shape 165"/>
-          <p:cNvSpPr/>
+          <p:cNvSpPr>
+            <a:spLocks noGrp="1" noRot="1" noChangeAspect="1"/>
+          </p:cNvSpPr>
           <p:nvPr>
             <p:ph type="sldImg"/>
           </p:nvPr>
@@ -540,14 +552,16 @@
           <a:bodyPr/>
           <a:lstStyle/>
           <a:p>
-            <a:pPr/>
+            <a:endParaRPr/>
           </a:p>
         </p:txBody>
       </p:sp>
       <p:sp>
         <p:nvSpPr>
           <p:cNvPr id="166" name="Shape 166"/>
-          <p:cNvSpPr/>
+          <p:cNvSpPr>
+            <a:spLocks noGrp="1"/>
+          </p:cNvSpPr>
           <p:nvPr>
             <p:ph type="body" sz="quarter" idx="1"/>
           </p:nvPr>
@@ -561,7 +575,6 @@
           <a:bodyPr/>
           <a:lstStyle/>
           <a:p>
-            <a:pPr/>
             <a:r>
               <a:t>Before we get to far into what SCDF can do with tasks, let’s review some Batch basics</a:t>
             </a:r>
@@ -612,7 +625,7 @@
             </a:r>
           </a:p>
           <a:p>
-            <a:pPr lvl="1" marL="701842" indent="-257342">
+            <a:pPr marL="701842" lvl="1" indent="-257342">
               <a:buSzPct val="75000"/>
               <a:buChar char="•"/>
             </a:pPr>
@@ -621,7 +634,7 @@
             </a:r>
           </a:p>
           <a:p>
-            <a:pPr lvl="1" marL="701842" indent="-257342">
+            <a:pPr marL="701842" lvl="1" indent="-257342">
               <a:buSzPct val="75000"/>
               <a:buChar char="•"/>
             </a:pPr>
@@ -640,7 +653,7 @@
 </file>
 
 <file path=ppt/notesSlides/notesSlide2.xml><?xml version="1.0" encoding="utf-8"?>
-<p:notes xmlns:a="http://schemas.openxmlformats.org/drawingml/2006/main" xmlns:r="http://schemas.openxmlformats.org/officeDocument/2006/relationships" xmlns:p="http://schemas.openxmlformats.org/presentationml/2006/main" showMasterSp="1" showMasterPhAnim="1">
+<p:notes xmlns:a="http://schemas.openxmlformats.org/drawingml/2006/main" xmlns:r="http://schemas.openxmlformats.org/officeDocument/2006/relationships" xmlns:p="http://schemas.openxmlformats.org/presentationml/2006/main">
   <p:cSld>
     <p:spTree>
       <p:nvGrpSpPr>
@@ -659,7 +672,9 @@
       <p:sp>
         <p:nvSpPr>
           <p:cNvPr id="184" name="Shape 184"/>
-          <p:cNvSpPr/>
+          <p:cNvSpPr>
+            <a:spLocks noGrp="1" noRot="1" noChangeAspect="1"/>
+          </p:cNvSpPr>
           <p:nvPr>
             <p:ph type="sldImg"/>
           </p:nvPr>
@@ -673,14 +688,16 @@
           <a:bodyPr/>
           <a:lstStyle/>
           <a:p>
-            <a:pPr/>
+            <a:endParaRPr/>
           </a:p>
         </p:txBody>
       </p:sp>
       <p:sp>
         <p:nvSpPr>
           <p:cNvPr id="185" name="Shape 185"/>
-          <p:cNvSpPr/>
+          <p:cNvSpPr>
+            <a:spLocks noGrp="1"/>
+          </p:cNvSpPr>
           <p:nvPr>
             <p:ph type="body" sz="quarter" idx="1"/>
           </p:nvPr>
@@ -694,13 +711,11 @@
           <a:bodyPr/>
           <a:lstStyle/>
           <a:p>
-            <a:pPr/>
             <a:r>
               <a:t>First thing you want to do is register your application </a:t>
             </a:r>
           </a:p>
           <a:p>
-            <a:pPr/>
             <a:r>
               <a:t>This notifies Spring Cloud DataFlow that this is an application is a task and can be used in task definitions.</a:t>
             </a:r>
@@ -716,7 +731,7 @@
 </file>
 
 <file path=ppt/notesSlides/notesSlide3.xml><?xml version="1.0" encoding="utf-8"?>
-<p:notes xmlns:a="http://schemas.openxmlformats.org/drawingml/2006/main" xmlns:r="http://schemas.openxmlformats.org/officeDocument/2006/relationships" xmlns:p="http://schemas.openxmlformats.org/presentationml/2006/main" showMasterSp="1" showMasterPhAnim="1">
+<p:notes xmlns:a="http://schemas.openxmlformats.org/drawingml/2006/main" xmlns:r="http://schemas.openxmlformats.org/officeDocument/2006/relationships" xmlns:p="http://schemas.openxmlformats.org/presentationml/2006/main">
   <p:cSld>
     <p:spTree>
       <p:nvGrpSpPr>
@@ -735,7 +750,9 @@
       <p:sp>
         <p:nvSpPr>
           <p:cNvPr id="195" name="Shape 195"/>
-          <p:cNvSpPr/>
+          <p:cNvSpPr>
+            <a:spLocks noGrp="1" noRot="1" noChangeAspect="1"/>
+          </p:cNvSpPr>
           <p:nvPr>
             <p:ph type="sldImg"/>
           </p:nvPr>
@@ -749,14 +766,16 @@
           <a:bodyPr/>
           <a:lstStyle/>
           <a:p>
-            <a:pPr/>
+            <a:endParaRPr/>
           </a:p>
         </p:txBody>
       </p:sp>
       <p:sp>
         <p:nvSpPr>
           <p:cNvPr id="196" name="Shape 196"/>
-          <p:cNvSpPr/>
+          <p:cNvSpPr>
+            <a:spLocks noGrp="1"/>
+          </p:cNvSpPr>
           <p:nvPr>
             <p:ph type="body" sz="quarter" idx="1"/>
           </p:nvPr>
@@ -797,7 +816,7 @@
             </a:r>
           </a:p>
           <a:p>
-            <a:pPr lvl="1" marL="701842" indent="-257342">
+            <a:pPr marL="701842" lvl="1" indent="-257342">
               <a:buSzPct val="75000"/>
               <a:buChar char="•"/>
             </a:pPr>
@@ -806,7 +825,7 @@
             </a:r>
           </a:p>
           <a:p>
-            <a:pPr lvl="1" marL="701842" indent="-257342">
+            <a:pPr marL="701842" lvl="1" indent="-257342">
               <a:buSzPct val="75000"/>
               <a:buChar char="•"/>
             </a:pPr>
@@ -824,7 +843,7 @@
             </a:r>
           </a:p>
           <a:p>
-            <a:pPr lvl="1" marL="701842" indent="-257342">
+            <a:pPr marL="701842" lvl="1" indent="-257342">
               <a:buSzPct val="75000"/>
               <a:buChar char="•"/>
             </a:pPr>
@@ -843,7 +862,7 @@
 </file>
 
 <file path=ppt/notesSlides/notesSlide4.xml><?xml version="1.0" encoding="utf-8"?>
-<p:notes xmlns:a="http://schemas.openxmlformats.org/drawingml/2006/main" xmlns:r="http://schemas.openxmlformats.org/officeDocument/2006/relationships" xmlns:p="http://schemas.openxmlformats.org/presentationml/2006/main" showMasterSp="1" showMasterPhAnim="1">
+<p:notes xmlns:a="http://schemas.openxmlformats.org/drawingml/2006/main" xmlns:r="http://schemas.openxmlformats.org/officeDocument/2006/relationships" xmlns:p="http://schemas.openxmlformats.org/presentationml/2006/main">
   <p:cSld>
     <p:spTree>
       <p:nvGrpSpPr>
@@ -862,7 +881,9 @@
       <p:sp>
         <p:nvSpPr>
           <p:cNvPr id="206" name="Shape 206"/>
-          <p:cNvSpPr/>
+          <p:cNvSpPr>
+            <a:spLocks noGrp="1" noRot="1" noChangeAspect="1"/>
+          </p:cNvSpPr>
           <p:nvPr>
             <p:ph type="sldImg"/>
           </p:nvPr>
@@ -876,14 +897,16 @@
           <a:bodyPr/>
           <a:lstStyle/>
           <a:p>
-            <a:pPr/>
+            <a:endParaRPr/>
           </a:p>
         </p:txBody>
       </p:sp>
       <p:sp>
         <p:nvSpPr>
           <p:cNvPr id="207" name="Shape 207"/>
-          <p:cNvSpPr/>
+          <p:cNvSpPr>
+            <a:spLocks noGrp="1"/>
+          </p:cNvSpPr>
           <p:nvPr>
             <p:ph type="body" sz="quarter" idx="1"/>
           </p:nvPr>
@@ -897,7 +920,6 @@
           <a:bodyPr/>
           <a:lstStyle/>
           <a:p>
-            <a:pPr/>
             <a:r>
               <a:t>You can set properties via:</a:t>
             </a:r>
@@ -940,7 +962,7 @@
 </file>
 
 <file path=ppt/notesSlides/notesSlide5.xml><?xml version="1.0" encoding="utf-8"?>
-<p:notes xmlns:a="http://schemas.openxmlformats.org/drawingml/2006/main" xmlns:r="http://schemas.openxmlformats.org/officeDocument/2006/relationships" xmlns:p="http://schemas.openxmlformats.org/presentationml/2006/main" showMasterSp="1" showMasterPhAnim="1">
+<p:notes xmlns:a="http://schemas.openxmlformats.org/drawingml/2006/main" xmlns:r="http://schemas.openxmlformats.org/officeDocument/2006/relationships" xmlns:p="http://schemas.openxmlformats.org/presentationml/2006/main">
   <p:cSld>
     <p:spTree>
       <p:nvGrpSpPr>
@@ -959,7 +981,9 @@
       <p:sp>
         <p:nvSpPr>
           <p:cNvPr id="224" name="Shape 224"/>
-          <p:cNvSpPr/>
+          <p:cNvSpPr>
+            <a:spLocks noGrp="1" noRot="1" noChangeAspect="1"/>
+          </p:cNvSpPr>
           <p:nvPr>
             <p:ph type="sldImg"/>
           </p:nvPr>
@@ -973,14 +997,16 @@
           <a:bodyPr/>
           <a:lstStyle/>
           <a:p>
-            <a:pPr/>
+            <a:endParaRPr/>
           </a:p>
         </p:txBody>
       </p:sp>
       <p:sp>
         <p:nvSpPr>
           <p:cNvPr id="225" name="Shape 225"/>
-          <p:cNvSpPr/>
+          <p:cNvSpPr>
+            <a:spLocks noGrp="1"/>
+          </p:cNvSpPr>
           <p:nvPr>
             <p:ph type="body" sz="quarter" idx="1"/>
           </p:nvPr>
@@ -994,7 +1020,6 @@
           <a:bodyPr/>
           <a:lstStyle/>
           <a:p>
-            <a:pPr/>
             <a:r>
               <a:t>When a user adds spring-cloud-stream-app-starters:</a:t>
             </a:r>
@@ -1009,7 +1034,7 @@
             </a:r>
           </a:p>
           <a:p>
-            <a:pPr lvl="1" marL="701842" indent="-257342">
+            <a:pPr marL="701842" lvl="1" indent="-257342">
               <a:buSzPct val="75000"/>
               <a:buChar char="•"/>
             </a:pPr>
@@ -1027,7 +1052,7 @@
             </a:r>
           </a:p>
           <a:p>
-            <a:pPr lvl="1" marL="701842" indent="-257342">
+            <a:pPr marL="701842" lvl="1" indent="-257342">
               <a:buSzPct val="75000"/>
               <a:buChar char="•"/>
             </a:pPr>
@@ -1036,7 +1061,7 @@
             </a:r>
           </a:p>
           <a:p>
-            <a:pPr lvl="1" marL="701842" indent="-257342">
+            <a:pPr marL="701842" lvl="1" indent="-257342">
               <a:buSzPct val="75000"/>
               <a:buChar char="•"/>
             </a:pPr>
@@ -1045,7 +1070,7 @@
             </a:r>
           </a:p>
           <a:p>
-            <a:pPr lvl="1" marL="701842" indent="-257342">
+            <a:pPr marL="701842" lvl="1" indent="-257342">
               <a:buSzPct val="75000"/>
               <a:buChar char="•"/>
             </a:pPr>
@@ -1054,7 +1079,7 @@
             </a:r>
           </a:p>
           <a:p>
-            <a:pPr lvl="1" marL="701842" indent="-257342">
+            <a:pPr marL="701842" lvl="1" indent="-257342">
               <a:buSzPct val="75000"/>
               <a:buChar char="•"/>
             </a:pPr>
@@ -1063,7 +1088,7 @@
             </a:r>
           </a:p>
           <a:p>
-            <a:pPr lvl="1" marL="701842" indent="-257342">
+            <a:pPr marL="701842" lvl="1" indent="-257342">
               <a:buSzPct val="75000"/>
               <a:buChar char="•"/>
             </a:pPr>
@@ -1072,7 +1097,7 @@
             </a:r>
           </a:p>
           <a:p>
-            <a:pPr lvl="1" marL="701842" indent="-257342">
+            <a:pPr marL="701842" lvl="1" indent="-257342">
               <a:buSzPct val="75000"/>
               <a:buChar char="•"/>
             </a:pPr>
@@ -1091,7 +1116,7 @@
 </file>
 
 <file path=ppt/notesSlides/notesSlide6.xml><?xml version="1.0" encoding="utf-8"?>
-<p:notes xmlns:a="http://schemas.openxmlformats.org/drawingml/2006/main" xmlns:r="http://schemas.openxmlformats.org/officeDocument/2006/relationships" xmlns:p="http://schemas.openxmlformats.org/presentationml/2006/main" showMasterSp="1" showMasterPhAnim="1">
+<p:notes xmlns:a="http://schemas.openxmlformats.org/drawingml/2006/main" xmlns:r="http://schemas.openxmlformats.org/officeDocument/2006/relationships" xmlns:p="http://schemas.openxmlformats.org/presentationml/2006/main">
   <p:cSld>
     <p:spTree>
       <p:nvGrpSpPr>
@@ -1110,7 +1135,9 @@
       <p:sp>
         <p:nvSpPr>
           <p:cNvPr id="235" name="Shape 235"/>
-          <p:cNvSpPr/>
+          <p:cNvSpPr>
+            <a:spLocks noGrp="1" noRot="1" noChangeAspect="1"/>
+          </p:cNvSpPr>
           <p:nvPr>
             <p:ph type="sldImg"/>
           </p:nvPr>
@@ -1124,14 +1151,16 @@
           <a:bodyPr/>
           <a:lstStyle/>
           <a:p>
-            <a:pPr/>
+            <a:endParaRPr/>
           </a:p>
         </p:txBody>
       </p:sp>
       <p:sp>
         <p:nvSpPr>
           <p:cNvPr id="236" name="Shape 236"/>
-          <p:cNvSpPr/>
+          <p:cNvSpPr>
+            <a:spLocks noGrp="1"/>
+          </p:cNvSpPr>
           <p:nvPr>
             <p:ph type="body" sz="quarter" idx="1"/>
           </p:nvPr>
@@ -1145,22 +1174,19 @@
           <a:bodyPr/>
           <a:lstStyle/>
           <a:p>
-            <a:pPr/>
             <a:r>
               <a:t>In the example above we see that we have registered the batch-event example from Spring Cloud Task</a:t>
             </a:r>
           </a:p>
           <a:p>
-            <a:pPr/>
             <a:r>
               <a:t>https://github.com/spring-cloud/spring-cloud-task/tree/master/spring-cloud-task-samples/batch-events </a:t>
             </a:r>
           </a:p>
           <a:p>
-            <a:pPr/>
-          </a:p>
-          <a:p>
-            <a:pPr/>
+            <a:endParaRPr/>
+          </a:p>
+          <a:p>
             <a:r>
               <a:t>From this we can receive just the task events as show above by creating stream that receives messages from a task-events destination.</a:t>
             </a:r>
@@ -1176,7 +1202,7 @@
 </file>
 
 <file path=ppt/notesSlides/notesSlide7.xml><?xml version="1.0" encoding="utf-8"?>
-<p:notes xmlns:a="http://schemas.openxmlformats.org/drawingml/2006/main" xmlns:r="http://schemas.openxmlformats.org/officeDocument/2006/relationships" xmlns:p="http://schemas.openxmlformats.org/presentationml/2006/main" showMasterSp="1" showMasterPhAnim="1">
+<p:notes xmlns:a="http://schemas.openxmlformats.org/drawingml/2006/main" xmlns:r="http://schemas.openxmlformats.org/officeDocument/2006/relationships" xmlns:p="http://schemas.openxmlformats.org/presentationml/2006/main">
   <p:cSld>
     <p:spTree>
       <p:nvGrpSpPr>
@@ -1195,7 +1221,9 @@
       <p:sp>
         <p:nvSpPr>
           <p:cNvPr id="246" name="Shape 246"/>
-          <p:cNvSpPr/>
+          <p:cNvSpPr>
+            <a:spLocks noGrp="1" noRot="1" noChangeAspect="1"/>
+          </p:cNvSpPr>
           <p:nvPr>
             <p:ph type="sldImg"/>
           </p:nvPr>
@@ -1209,14 +1237,16 @@
           <a:bodyPr/>
           <a:lstStyle/>
           <a:p>
-            <a:pPr/>
+            <a:endParaRPr/>
           </a:p>
         </p:txBody>
       </p:sp>
       <p:sp>
         <p:nvSpPr>
           <p:cNvPr id="247" name="Shape 247"/>
-          <p:cNvSpPr/>
+          <p:cNvSpPr>
+            <a:spLocks noGrp="1"/>
+          </p:cNvSpPr>
           <p:nvPr>
             <p:ph type="body" sz="quarter" idx="1"/>
           </p:nvPr>
@@ -1230,7 +1260,6 @@
           <a:bodyPr/>
           <a:lstStyle/>
           <a:p>
-            <a:pPr/>
             <a:r>
               <a:t>The example above is the same except we can direct the events to a specific destination  by using the task-events.destination property.</a:t>
             </a:r>
@@ -1246,7 +1275,7 @@
 </file>
 
 <file path=ppt/notesSlides/notesSlide8.xml><?xml version="1.0" encoding="utf-8"?>
-<p:notes xmlns:a="http://schemas.openxmlformats.org/drawingml/2006/main" xmlns:r="http://schemas.openxmlformats.org/officeDocument/2006/relationships" xmlns:p="http://schemas.openxmlformats.org/presentationml/2006/main" showMasterSp="1" showMasterPhAnim="1">
+<p:notes xmlns:a="http://schemas.openxmlformats.org/drawingml/2006/main" xmlns:r="http://schemas.openxmlformats.org/officeDocument/2006/relationships" xmlns:p="http://schemas.openxmlformats.org/presentationml/2006/main">
   <p:cSld>
     <p:spTree>
       <p:nvGrpSpPr>
@@ -1265,7 +1294,9 @@
       <p:sp>
         <p:nvSpPr>
           <p:cNvPr id="258" name="Shape 258"/>
-          <p:cNvSpPr/>
+          <p:cNvSpPr>
+            <a:spLocks noGrp="1" noRot="1" noChangeAspect="1"/>
+          </p:cNvSpPr>
           <p:nvPr>
             <p:ph type="sldImg"/>
           </p:nvPr>
@@ -1279,14 +1310,16 @@
           <a:bodyPr/>
           <a:lstStyle/>
           <a:p>
-            <a:pPr/>
+            <a:endParaRPr/>
           </a:p>
         </p:txBody>
       </p:sp>
       <p:sp>
         <p:nvSpPr>
           <p:cNvPr id="259" name="Shape 259"/>
-          <p:cNvSpPr/>
+          <p:cNvSpPr>
+            <a:spLocks noGrp="1"/>
+          </p:cNvSpPr>
           <p:nvPr>
             <p:ph type="body" sz="quarter" idx="1"/>
           </p:nvPr>
@@ -1300,19 +1333,17 @@
           <a:bodyPr/>
           <a:lstStyle/>
           <a:p>
-            <a:pPr/>
             <a:r>
               <a:t>In the example above we will launch the timestamp task once every 5 seconds using the trigger task.</a:t>
             </a:r>
           </a:p>
           <a:p>
-            <a:pPr/>
             <a:r>
               <a:t>Or create a my-task-processor that will transform a message to TaskLaunchRequest message and launch a specific .  This is shown using the Spring Cloud Task sample found here: </a:t>
             </a:r>
             <a:r>
               <a:rPr u="sng">
-                <a:hlinkClick r:id="rId3" invalidUrl="" action="" tgtFrame="" tooltip="" history="1" highlightClick="0" endSnd="0"/>
+                <a:hlinkClick r:id="rId3"/>
               </a:rPr>
               <a:t>https://github.com/spring-cloud/spring-cloud-task/tree/master/spring-cloud-task-samples/taskprocessor</a:t>
             </a:r>
@@ -1328,7 +1359,7 @@
 </file>
 
 <file path=ppt/slideLayouts/slideLayout1.xml><?xml version="1.0" encoding="utf-8"?>
-<p:sldLayout xmlns:a="http://schemas.openxmlformats.org/drawingml/2006/main" xmlns:r="http://schemas.openxmlformats.org/officeDocument/2006/relationships" xmlns:p="http://schemas.openxmlformats.org/presentationml/2006/main" type="title" showMasterSp="1" showMasterPhAnim="1">
+<p:sldLayout xmlns:a="http://schemas.openxmlformats.org/drawingml/2006/main" xmlns:r="http://schemas.openxmlformats.org/officeDocument/2006/relationships" xmlns:p="http://schemas.openxmlformats.org/presentationml/2006/main" type="title">
   <p:cSld name="Title &amp; Subtitle">
     <p:spTree>
       <p:nvGrpSpPr>
@@ -1347,7 +1378,9 @@
       <p:sp>
         <p:nvSpPr>
           <p:cNvPr id="11" name="Title Text"/>
-          <p:cNvSpPr/>
+          <p:cNvSpPr>
+            <a:spLocks noGrp="1"/>
+          </p:cNvSpPr>
           <p:nvPr>
             <p:ph type="title"/>
           </p:nvPr>
@@ -1365,7 +1398,6 @@
           <a:bodyPr anchor="b"/>
           <a:lstStyle/>
           <a:p>
-            <a:pPr/>
             <a:r>
               <a:t>Title Text</a:t>
             </a:r>
@@ -1375,7 +1407,9 @@
       <p:sp>
         <p:nvSpPr>
           <p:cNvPr id="12" name="Body Level One…"/>
-          <p:cNvSpPr/>
+          <p:cNvSpPr>
+            <a:spLocks noGrp="1"/>
+          </p:cNvSpPr>
           <p:nvPr>
             <p:ph type="body" sz="quarter" idx="1"/>
           </p:nvPr>
@@ -1434,7 +1468,6 @@
             </a:lvl5pPr>
           </a:lstStyle>
           <a:p>
-            <a:pPr/>
             <a:r>
               <a:t>Body Level One</a:t>
             </a:r>
@@ -1468,7 +1501,9 @@
       <p:sp>
         <p:nvSpPr>
           <p:cNvPr id="13" name="Slide Number"/>
-          <p:cNvSpPr/>
+          <p:cNvSpPr>
+            <a:spLocks noGrp="1"/>
+          </p:cNvSpPr>
           <p:nvPr>
             <p:ph type="sldNum" sz="quarter" idx="2"/>
           </p:nvPr>
@@ -1482,8 +1517,10 @@
           <a:bodyPr/>
           <a:lstStyle/>
           <a:p>
-            <a:pPr/>
-            <a:fld id="{86CB4B4D-7CA3-9044-876B-883B54F8677D}" type="slidenum"/>
+            <a:fld id="{86CB4B4D-7CA3-9044-876B-883B54F8677D}" type="slidenum">
+              <a:t>‹#›</a:t>
+            </a:fld>
+            <a:endParaRPr/>
           </a:p>
         </p:txBody>
       </p:sp>
@@ -1492,12 +1529,12 @@
   <p:clrMapOvr>
     <a:masterClrMapping/>
   </p:clrMapOvr>
-  <p:transition xmlns:p14="http://schemas.microsoft.com/office/powerpoint/2010/main" spd="med" advClick="1"/>
+  <p:transition xmlns:p14="http://schemas.microsoft.com/office/powerpoint/2010/main" spd="med"/>
 </p:sldLayout>
 </file>
 
 <file path=ppt/slideLayouts/slideLayout10.xml><?xml version="1.0" encoding="utf-8"?>
-<p:sldLayout xmlns:a="http://schemas.openxmlformats.org/drawingml/2006/main" xmlns:r="http://schemas.openxmlformats.org/officeDocument/2006/relationships" xmlns:p="http://schemas.openxmlformats.org/presentationml/2006/main" type="tx" showMasterSp="1" showMasterPhAnim="1">
+<p:sldLayout xmlns:a="http://schemas.openxmlformats.org/drawingml/2006/main" xmlns:r="http://schemas.openxmlformats.org/officeDocument/2006/relationships" xmlns:p="http://schemas.openxmlformats.org/presentationml/2006/main" type="tx">
   <p:cSld name="Quote">
     <p:spTree>
       <p:nvGrpSpPr>
@@ -1516,7 +1553,9 @@
       <p:sp>
         <p:nvSpPr>
           <p:cNvPr id="93" name="–Johnny Appleseed"/>
-          <p:cNvSpPr/>
+          <p:cNvSpPr>
+            <a:spLocks noGrp="1"/>
+          </p:cNvSpPr>
           <p:nvPr>
             <p:ph type="body" sz="quarter" idx="13"/>
           </p:nvPr>
@@ -1541,11 +1580,10 @@
               </a:spcBef>
               <a:buSzTx/>
               <a:buNone/>
-              <a:defRPr i="1" sz="2400"/>
+              <a:defRPr sz="2400" i="1"/>
             </a:lvl1pPr>
           </a:lstStyle>
           <a:p>
-            <a:pPr/>
             <a:r>
               <a:t>–Johnny Appleseed</a:t>
             </a:r>
@@ -1555,7 +1593,9 @@
       <p:sp>
         <p:nvSpPr>
           <p:cNvPr id="94" name="“Type a quote here.”"/>
-          <p:cNvSpPr/>
+          <p:cNvSpPr>
+            <a:spLocks noGrp="1"/>
+          </p:cNvSpPr>
           <p:nvPr>
             <p:ph type="body" sz="quarter" idx="14"/>
           </p:nvPr>
@@ -1583,7 +1623,6 @@
             </a:lvl1pPr>
           </a:lstStyle>
           <a:p>
-            <a:pPr/>
             <a:r>
               <a:t>“Type a quote here.” </a:t>
             </a:r>
@@ -1593,7 +1632,9 @@
       <p:sp>
         <p:nvSpPr>
           <p:cNvPr id="95" name="Slide Number"/>
-          <p:cNvSpPr/>
+          <p:cNvSpPr>
+            <a:spLocks noGrp="1"/>
+          </p:cNvSpPr>
           <p:nvPr>
             <p:ph type="sldNum" sz="quarter" idx="2"/>
           </p:nvPr>
@@ -1607,8 +1648,10 @@
           <a:bodyPr/>
           <a:lstStyle/>
           <a:p>
-            <a:pPr/>
-            <a:fld id="{86CB4B4D-7CA3-9044-876B-883B54F8677D}" type="slidenum"/>
+            <a:fld id="{86CB4B4D-7CA3-9044-876B-883B54F8677D}" type="slidenum">
+              <a:t>‹#›</a:t>
+            </a:fld>
+            <a:endParaRPr/>
           </a:p>
         </p:txBody>
       </p:sp>
@@ -1617,12 +1660,12 @@
   <p:clrMapOvr>
     <a:masterClrMapping/>
   </p:clrMapOvr>
-  <p:transition xmlns:p14="http://schemas.microsoft.com/office/powerpoint/2010/main" spd="med" advClick="1"/>
+  <p:transition xmlns:p14="http://schemas.microsoft.com/office/powerpoint/2010/main" spd="med"/>
 </p:sldLayout>
 </file>
 
 <file path=ppt/slideLayouts/slideLayout11.xml><?xml version="1.0" encoding="utf-8"?>
-<p:sldLayout xmlns:a="http://schemas.openxmlformats.org/drawingml/2006/main" xmlns:r="http://schemas.openxmlformats.org/officeDocument/2006/relationships" xmlns:p="http://schemas.openxmlformats.org/presentationml/2006/main" type="tx" showMasterSp="1" showMasterPhAnim="1">
+<p:sldLayout xmlns:a="http://schemas.openxmlformats.org/drawingml/2006/main" xmlns:r="http://schemas.openxmlformats.org/officeDocument/2006/relationships" xmlns:p="http://schemas.openxmlformats.org/presentationml/2006/main" type="tx">
   <p:cSld name="Photo">
     <p:spTree>
       <p:nvGrpSpPr>
@@ -1641,7 +1684,9 @@
       <p:sp>
         <p:nvSpPr>
           <p:cNvPr id="102" name="Image"/>
-          <p:cNvSpPr/>
+          <p:cNvSpPr>
+            <a:spLocks noGrp="1"/>
+          </p:cNvSpPr>
           <p:nvPr>
             <p:ph type="pic" idx="13"/>
           </p:nvPr>
@@ -1661,14 +1706,16 @@
           </a:bodyPr>
           <a:lstStyle/>
           <a:p>
-            <a:pPr/>
+            <a:endParaRPr/>
           </a:p>
         </p:txBody>
       </p:sp>
       <p:sp>
         <p:nvSpPr>
           <p:cNvPr id="103" name="Slide Number"/>
-          <p:cNvSpPr/>
+          <p:cNvSpPr>
+            <a:spLocks noGrp="1"/>
+          </p:cNvSpPr>
           <p:nvPr>
             <p:ph type="sldNum" sz="quarter" idx="2"/>
           </p:nvPr>
@@ -1682,8 +1729,10 @@
           <a:bodyPr/>
           <a:lstStyle/>
           <a:p>
-            <a:pPr/>
-            <a:fld id="{86CB4B4D-7CA3-9044-876B-883B54F8677D}" type="slidenum"/>
+            <a:fld id="{86CB4B4D-7CA3-9044-876B-883B54F8677D}" type="slidenum">
+              <a:t>‹#›</a:t>
+            </a:fld>
+            <a:endParaRPr/>
           </a:p>
         </p:txBody>
       </p:sp>
@@ -1692,12 +1741,12 @@
   <p:clrMapOvr>
     <a:masterClrMapping/>
   </p:clrMapOvr>
-  <p:transition xmlns:p14="http://schemas.microsoft.com/office/powerpoint/2010/main" spd="med" advClick="1"/>
+  <p:transition xmlns:p14="http://schemas.microsoft.com/office/powerpoint/2010/main" spd="med"/>
 </p:sldLayout>
 </file>
 
 <file path=ppt/slideLayouts/slideLayout12.xml><?xml version="1.0" encoding="utf-8"?>
-<p:sldLayout xmlns:a="http://schemas.openxmlformats.org/drawingml/2006/main" xmlns:r="http://schemas.openxmlformats.org/officeDocument/2006/relationships" xmlns:p="http://schemas.openxmlformats.org/presentationml/2006/main" type="tx" showMasterSp="1" showMasterPhAnim="1">
+<p:sldLayout xmlns:a="http://schemas.openxmlformats.org/drawingml/2006/main" xmlns:r="http://schemas.openxmlformats.org/officeDocument/2006/relationships" xmlns:p="http://schemas.openxmlformats.org/presentationml/2006/main" type="tx">
   <p:cSld name="Blank">
     <p:spTree>
       <p:nvGrpSpPr>
@@ -1743,7 +1792,9 @@
       <p:sp>
         <p:nvSpPr>
           <p:cNvPr id="111" name="Slide Number"/>
-          <p:cNvSpPr/>
+          <p:cNvSpPr>
+            <a:spLocks noGrp="1"/>
+          </p:cNvSpPr>
           <p:nvPr>
             <p:ph type="sldNum" sz="quarter" idx="2"/>
           </p:nvPr>
@@ -1757,8 +1808,10 @@
           <a:bodyPr/>
           <a:lstStyle/>
           <a:p>
-            <a:pPr/>
-            <a:fld id="{86CB4B4D-7CA3-9044-876B-883B54F8677D}" type="slidenum"/>
+            <a:fld id="{86CB4B4D-7CA3-9044-876B-883B54F8677D}" type="slidenum">
+              <a:t>‹#›</a:t>
+            </a:fld>
+            <a:endParaRPr/>
           </a:p>
         </p:txBody>
       </p:sp>
@@ -1767,18 +1820,19 @@
   <p:clrMapOvr>
     <a:masterClrMapping/>
   </p:clrMapOvr>
-  <p:transition xmlns:p14="http://schemas.microsoft.com/office/powerpoint/2010/main" spd="med" advClick="1"/>
+  <p:transition xmlns:p14="http://schemas.microsoft.com/office/powerpoint/2010/main" spd="med"/>
 </p:sldLayout>
 </file>
 
 <file path=ppt/slideLayouts/slideLayout13.xml><?xml version="1.0" encoding="utf-8"?>
-<p:sldLayout xmlns:a="http://schemas.openxmlformats.org/drawingml/2006/main" xmlns:r="http://schemas.openxmlformats.org/officeDocument/2006/relationships" xmlns:p="http://schemas.openxmlformats.org/presentationml/2006/main" type="tx" showMasterSp="1" showMasterPhAnim="1">
+<p:sldLayout xmlns:a="http://schemas.openxmlformats.org/drawingml/2006/main" xmlns:r="http://schemas.openxmlformats.org/officeDocument/2006/relationships" xmlns:p="http://schemas.openxmlformats.org/presentationml/2006/main" type="tx">
   <p:cSld name="Title - Center">
     <p:bg>
       <p:bgPr>
         <a:solidFill>
           <a:srgbClr val="FFFFFF"/>
         </a:solidFill>
+        <a:effectLst/>
       </p:bgPr>
     </p:bg>
     <p:spTree>
@@ -1798,7 +1852,9 @@
       <p:sp>
         <p:nvSpPr>
           <p:cNvPr id="118" name="Title Text"/>
-          <p:cNvSpPr/>
+          <p:cNvSpPr>
+            <a:spLocks noGrp="1"/>
+          </p:cNvSpPr>
           <p:nvPr>
             <p:ph type="title"/>
           </p:nvPr>
@@ -1824,7 +1880,6 @@
             </a:lvl1pPr>
           </a:lstStyle>
           <a:p>
-            <a:pPr/>
             <a:r>
               <a:t>Title Text</a:t>
             </a:r>
@@ -1834,7 +1889,9 @@
       <p:sp>
         <p:nvSpPr>
           <p:cNvPr id="119" name="Slide Number"/>
-          <p:cNvSpPr/>
+          <p:cNvSpPr>
+            <a:spLocks noGrp="1"/>
+          </p:cNvSpPr>
           <p:nvPr>
             <p:ph type="sldNum" sz="quarter" idx="2"/>
           </p:nvPr>
@@ -1852,8 +1909,10 @@
           <a:bodyPr/>
           <a:lstStyle/>
           <a:p>
-            <a:pPr/>
-            <a:fld id="{86CB4B4D-7CA3-9044-876B-883B54F8677D}" type="slidenum"/>
+            <a:fld id="{86CB4B4D-7CA3-9044-876B-883B54F8677D}" type="slidenum">
+              <a:t>‹#›</a:t>
+            </a:fld>
+            <a:endParaRPr/>
           </a:p>
         </p:txBody>
       </p:sp>
@@ -1862,18 +1921,19 @@
   <p:clrMapOvr>
     <a:masterClrMapping/>
   </p:clrMapOvr>
-  <p:transition xmlns:p14="http://schemas.microsoft.com/office/powerpoint/2010/main" spd="med" advClick="1"/>
+  <p:transition xmlns:p14="http://schemas.microsoft.com/office/powerpoint/2010/main" spd="med"/>
 </p:sldLayout>
 </file>
 
 <file path=ppt/slideLayouts/slideLayout14.xml><?xml version="1.0" encoding="utf-8"?>
-<p:sldLayout xmlns:a="http://schemas.openxmlformats.org/drawingml/2006/main" xmlns:r="http://schemas.openxmlformats.org/officeDocument/2006/relationships" xmlns:p="http://schemas.openxmlformats.org/presentationml/2006/main" type="tx" showMasterSp="1" showMasterPhAnim="1">
+<p:sldLayout xmlns:a="http://schemas.openxmlformats.org/drawingml/2006/main" xmlns:r="http://schemas.openxmlformats.org/officeDocument/2006/relationships" xmlns:p="http://schemas.openxmlformats.org/presentationml/2006/main" type="tx">
   <p:cSld name="regular slide 3 copy">
     <p:bg>
       <p:bgPr>
         <a:solidFill>
           <a:srgbClr val="FFFFFF"/>
         </a:solidFill>
+        <a:effectLst/>
       </p:bgPr>
     </p:bg>
     <p:spTree>
@@ -1903,7 +1963,7 @@
             <a:alphaModFix amt="64999"/>
             <a:extLst/>
           </a:blip>
-          <a:srcRect l="0" t="0" r="0" b="56534"/>
+          <a:srcRect b="56534"/>
           <a:stretch>
             <a:fillRect/>
           </a:stretch>
@@ -1949,7 +2009,9 @@
       <p:sp>
         <p:nvSpPr>
           <p:cNvPr id="128" name="Slide Number"/>
-          <p:cNvSpPr/>
+          <p:cNvSpPr>
+            <a:spLocks noGrp="1"/>
+          </p:cNvSpPr>
           <p:nvPr>
             <p:ph type="sldNum" sz="quarter" idx="2"/>
           </p:nvPr>
@@ -1984,8 +2046,10 @@
             </a:lvl1pPr>
           </a:lstStyle>
           <a:p>
-            <a:pPr/>
-            <a:fld id="{86CB4B4D-7CA3-9044-876B-883B54F8677D}" type="slidenum"/>
+            <a:fld id="{86CB4B4D-7CA3-9044-876B-883B54F8677D}" type="slidenum">
+              <a:t>‹#›</a:t>
+            </a:fld>
+            <a:endParaRPr/>
           </a:p>
         </p:txBody>
       </p:sp>
@@ -1994,18 +2058,19 @@
   <p:clrMapOvr>
     <a:masterClrMapping/>
   </p:clrMapOvr>
-  <p:transition xmlns:p14="http://schemas.microsoft.com/office/powerpoint/2010/main" spd="med" advClick="1"/>
+  <p:transition xmlns:p14="http://schemas.microsoft.com/office/powerpoint/2010/main" spd="med"/>
 </p:sldLayout>
 </file>
 
 <file path=ppt/slideLayouts/slideLayout15.xml><?xml version="1.0" encoding="utf-8"?>
-<p:sldLayout xmlns:a="http://schemas.openxmlformats.org/drawingml/2006/main" xmlns:r="http://schemas.openxmlformats.org/officeDocument/2006/relationships" xmlns:p="http://schemas.openxmlformats.org/presentationml/2006/main" type="tx" showMasterSp="1" showMasterPhAnim="1">
+<p:sldLayout xmlns:a="http://schemas.openxmlformats.org/drawingml/2006/main" xmlns:r="http://schemas.openxmlformats.org/officeDocument/2006/relationships" xmlns:p="http://schemas.openxmlformats.org/presentationml/2006/main" type="tx">
   <p:cSld name="title 2">
     <p:bg>
       <p:bgPr>
         <a:solidFill>
           <a:srgbClr val="FFFFFF"/>
         </a:solidFill>
+        <a:effectLst/>
       </p:bgPr>
     </p:bg>
     <p:spTree>
@@ -2051,7 +2116,7 @@
           </a:bodyPr>
           <a:lstStyle>
             <a:lvl1pPr marL="77065" marR="77065" algn="l" defTabSz="1733973">
-              <a:defRPr cap="all" sz="1800">
+              <a:defRPr sz="1800" cap="all">
                 <a:uFill>
                   <a:solidFill>
                     <a:srgbClr val="FFFFFF"/>
@@ -2065,7 +2130,6 @@
             </a:lvl1pPr>
           </a:lstStyle>
           <a:p>
-            <a:pPr/>
             <a:r>
               <a:t>building adaptive applications is hard</a:t>
             </a:r>
@@ -2124,7 +2188,6 @@
               <a:rPr b="1"/>
               <a:t> Cloud Foundry</a:t>
             </a:r>
-            <a:endParaRPr b="1"/>
           </a:p>
           <a:p>
             <a:pPr marL="77065" marR="77065" algn="l" defTabSz="1733973">
@@ -2180,7 +2243,7 @@
           <a:blip r:embed="rId2">
             <a:extLst/>
           </a:blip>
-          <a:srcRect l="0" t="0" r="0" b="56534"/>
+          <a:srcRect b="56534"/>
           <a:stretch>
             <a:fillRect/>
           </a:stretch>
@@ -2226,7 +2289,9 @@
       <p:sp>
         <p:nvSpPr>
           <p:cNvPr id="139" name="Slide Number"/>
-          <p:cNvSpPr/>
+          <p:cNvSpPr>
+            <a:spLocks noGrp="1"/>
+          </p:cNvSpPr>
           <p:nvPr>
             <p:ph type="sldNum" sz="quarter" idx="2"/>
           </p:nvPr>
@@ -2261,8 +2326,10 @@
             </a:lvl1pPr>
           </a:lstStyle>
           <a:p>
-            <a:pPr/>
-            <a:fld id="{86CB4B4D-7CA3-9044-876B-883B54F8677D}" type="slidenum"/>
+            <a:fld id="{86CB4B4D-7CA3-9044-876B-883B54F8677D}" type="slidenum">
+              <a:t>‹#›</a:t>
+            </a:fld>
+            <a:endParaRPr/>
           </a:p>
         </p:txBody>
       </p:sp>
@@ -2271,12 +2338,12 @@
   <p:clrMapOvr>
     <a:masterClrMapping/>
   </p:clrMapOvr>
-  <p:transition xmlns:p14="http://schemas.microsoft.com/office/powerpoint/2010/main" spd="med" advClick="1"/>
+  <p:transition xmlns:p14="http://schemas.microsoft.com/office/powerpoint/2010/main" spd="med"/>
 </p:sldLayout>
 </file>
 
 <file path=ppt/slideLayouts/slideLayout2.xml><?xml version="1.0" encoding="utf-8"?>
-<p:sldLayout xmlns:a="http://schemas.openxmlformats.org/drawingml/2006/main" xmlns:r="http://schemas.openxmlformats.org/officeDocument/2006/relationships" xmlns:p="http://schemas.openxmlformats.org/presentationml/2006/main" type="tx" showMasterSp="1" showMasterPhAnim="1">
+<p:sldLayout xmlns:a="http://schemas.openxmlformats.org/drawingml/2006/main" xmlns:r="http://schemas.openxmlformats.org/officeDocument/2006/relationships" xmlns:p="http://schemas.openxmlformats.org/presentationml/2006/main" type="tx">
   <p:cSld name="Photo - Horizontal">
     <p:spTree>
       <p:nvGrpSpPr>
@@ -2295,7 +2362,9 @@
       <p:sp>
         <p:nvSpPr>
           <p:cNvPr id="20" name="Image"/>
-          <p:cNvSpPr/>
+          <p:cNvSpPr>
+            <a:spLocks noGrp="1"/>
+          </p:cNvSpPr>
           <p:nvPr>
             <p:ph type="pic" idx="13"/>
           </p:nvPr>
@@ -2315,14 +2384,16 @@
           </a:bodyPr>
           <a:lstStyle/>
           <a:p>
-            <a:pPr/>
+            <a:endParaRPr/>
           </a:p>
         </p:txBody>
       </p:sp>
       <p:sp>
         <p:nvSpPr>
           <p:cNvPr id="21" name="Title Text"/>
-          <p:cNvSpPr/>
+          <p:cNvSpPr>
+            <a:spLocks noGrp="1"/>
+          </p:cNvSpPr>
           <p:nvPr>
             <p:ph type="title"/>
           </p:nvPr>
@@ -2340,7 +2411,6 @@
           <a:bodyPr/>
           <a:lstStyle/>
           <a:p>
-            <a:pPr/>
             <a:r>
               <a:t>Title Text</a:t>
             </a:r>
@@ -2350,7 +2420,9 @@
       <p:sp>
         <p:nvSpPr>
           <p:cNvPr id="22" name="Body Level One…"/>
-          <p:cNvSpPr/>
+          <p:cNvSpPr>
+            <a:spLocks noGrp="1"/>
+          </p:cNvSpPr>
           <p:nvPr>
             <p:ph type="body" sz="quarter" idx="1"/>
           </p:nvPr>
@@ -2409,7 +2481,6 @@
             </a:lvl5pPr>
           </a:lstStyle>
           <a:p>
-            <a:pPr/>
             <a:r>
               <a:t>Body Level One</a:t>
             </a:r>
@@ -2443,7 +2514,9 @@
       <p:sp>
         <p:nvSpPr>
           <p:cNvPr id="23" name="Slide Number"/>
-          <p:cNvSpPr/>
+          <p:cNvSpPr>
+            <a:spLocks noGrp="1"/>
+          </p:cNvSpPr>
           <p:nvPr>
             <p:ph type="sldNum" sz="quarter" idx="2"/>
           </p:nvPr>
@@ -2457,8 +2530,10 @@
           <a:bodyPr/>
           <a:lstStyle/>
           <a:p>
-            <a:pPr/>
-            <a:fld id="{86CB4B4D-7CA3-9044-876B-883B54F8677D}" type="slidenum"/>
+            <a:fld id="{86CB4B4D-7CA3-9044-876B-883B54F8677D}" type="slidenum">
+              <a:t>‹#›</a:t>
+            </a:fld>
+            <a:endParaRPr/>
           </a:p>
         </p:txBody>
       </p:sp>
@@ -2467,12 +2542,12 @@
   <p:clrMapOvr>
     <a:masterClrMapping/>
   </p:clrMapOvr>
-  <p:transition xmlns:p14="http://schemas.microsoft.com/office/powerpoint/2010/main" spd="med" advClick="1"/>
+  <p:transition xmlns:p14="http://schemas.microsoft.com/office/powerpoint/2010/main" spd="med"/>
 </p:sldLayout>
 </file>
 
 <file path=ppt/slideLayouts/slideLayout3.xml><?xml version="1.0" encoding="utf-8"?>
-<p:sldLayout xmlns:a="http://schemas.openxmlformats.org/drawingml/2006/main" xmlns:r="http://schemas.openxmlformats.org/officeDocument/2006/relationships" xmlns:p="http://schemas.openxmlformats.org/presentationml/2006/main" type="tx" showMasterSp="1" showMasterPhAnim="1">
+<p:sldLayout xmlns:a="http://schemas.openxmlformats.org/drawingml/2006/main" xmlns:r="http://schemas.openxmlformats.org/officeDocument/2006/relationships" xmlns:p="http://schemas.openxmlformats.org/presentationml/2006/main" type="tx">
   <p:cSld name="Title - Center">
     <p:spTree>
       <p:nvGrpSpPr>
@@ -2491,7 +2566,9 @@
       <p:sp>
         <p:nvSpPr>
           <p:cNvPr id="30" name="Title Text"/>
-          <p:cNvSpPr/>
+          <p:cNvSpPr>
+            <a:spLocks noGrp="1"/>
+          </p:cNvSpPr>
           <p:nvPr>
             <p:ph type="title"/>
           </p:nvPr>
@@ -2509,7 +2586,6 @@
           <a:bodyPr/>
           <a:lstStyle/>
           <a:p>
-            <a:pPr/>
             <a:r>
               <a:t>Title Text</a:t>
             </a:r>
@@ -2519,7 +2595,9 @@
       <p:sp>
         <p:nvSpPr>
           <p:cNvPr id="31" name="Slide Number"/>
-          <p:cNvSpPr/>
+          <p:cNvSpPr>
+            <a:spLocks noGrp="1"/>
+          </p:cNvSpPr>
           <p:nvPr>
             <p:ph type="sldNum" sz="quarter" idx="2"/>
           </p:nvPr>
@@ -2533,8 +2611,10 @@
           <a:bodyPr/>
           <a:lstStyle/>
           <a:p>
-            <a:pPr/>
-            <a:fld id="{86CB4B4D-7CA3-9044-876B-883B54F8677D}" type="slidenum"/>
+            <a:fld id="{86CB4B4D-7CA3-9044-876B-883B54F8677D}" type="slidenum">
+              <a:t>‹#›</a:t>
+            </a:fld>
+            <a:endParaRPr/>
           </a:p>
         </p:txBody>
       </p:sp>
@@ -2543,12 +2623,12 @@
   <p:clrMapOvr>
     <a:masterClrMapping/>
   </p:clrMapOvr>
-  <p:transition xmlns:p14="http://schemas.microsoft.com/office/powerpoint/2010/main" spd="med" advClick="1"/>
+  <p:transition xmlns:p14="http://schemas.microsoft.com/office/powerpoint/2010/main" spd="med"/>
 </p:sldLayout>
 </file>
 
 <file path=ppt/slideLayouts/slideLayout4.xml><?xml version="1.0" encoding="utf-8"?>
-<p:sldLayout xmlns:a="http://schemas.openxmlformats.org/drawingml/2006/main" xmlns:r="http://schemas.openxmlformats.org/officeDocument/2006/relationships" xmlns:p="http://schemas.openxmlformats.org/presentationml/2006/main" type="tx" showMasterSp="1" showMasterPhAnim="1">
+<p:sldLayout xmlns:a="http://schemas.openxmlformats.org/drawingml/2006/main" xmlns:r="http://schemas.openxmlformats.org/officeDocument/2006/relationships" xmlns:p="http://schemas.openxmlformats.org/presentationml/2006/main" type="tx">
   <p:cSld name="Photo - Vertical">
     <p:spTree>
       <p:nvGrpSpPr>
@@ -2567,7 +2647,9 @@
       <p:sp>
         <p:nvSpPr>
           <p:cNvPr id="38" name="Image"/>
-          <p:cNvSpPr/>
+          <p:cNvSpPr>
+            <a:spLocks noGrp="1"/>
+          </p:cNvSpPr>
           <p:nvPr>
             <p:ph type="pic" sz="half" idx="13"/>
           </p:nvPr>
@@ -2587,14 +2669,16 @@
           </a:bodyPr>
           <a:lstStyle/>
           <a:p>
-            <a:pPr/>
+            <a:endParaRPr/>
           </a:p>
         </p:txBody>
       </p:sp>
       <p:sp>
         <p:nvSpPr>
           <p:cNvPr id="39" name="Title Text"/>
-          <p:cNvSpPr/>
+          <p:cNvSpPr>
+            <a:spLocks noGrp="1"/>
+          </p:cNvSpPr>
           <p:nvPr>
             <p:ph type="title"/>
           </p:nvPr>
@@ -2616,7 +2700,6 @@
             </a:lvl1pPr>
           </a:lstStyle>
           <a:p>
-            <a:pPr/>
             <a:r>
               <a:t>Title Text</a:t>
             </a:r>
@@ -2626,7 +2709,9 @@
       <p:sp>
         <p:nvSpPr>
           <p:cNvPr id="40" name="Body Level One…"/>
-          <p:cNvSpPr/>
+          <p:cNvSpPr>
+            <a:spLocks noGrp="1"/>
+          </p:cNvSpPr>
           <p:nvPr>
             <p:ph type="body" sz="quarter" idx="1"/>
           </p:nvPr>
@@ -2685,7 +2770,6 @@
             </a:lvl5pPr>
           </a:lstStyle>
           <a:p>
-            <a:pPr/>
             <a:r>
               <a:t>Body Level One</a:t>
             </a:r>
@@ -2719,7 +2803,9 @@
       <p:sp>
         <p:nvSpPr>
           <p:cNvPr id="41" name="Slide Number"/>
-          <p:cNvSpPr/>
+          <p:cNvSpPr>
+            <a:spLocks noGrp="1"/>
+          </p:cNvSpPr>
           <p:nvPr>
             <p:ph type="sldNum" sz="quarter" idx="2"/>
           </p:nvPr>
@@ -2733,8 +2819,10 @@
           <a:bodyPr/>
           <a:lstStyle/>
           <a:p>
-            <a:pPr/>
-            <a:fld id="{86CB4B4D-7CA3-9044-876B-883B54F8677D}" type="slidenum"/>
+            <a:fld id="{86CB4B4D-7CA3-9044-876B-883B54F8677D}" type="slidenum">
+              <a:t>‹#›</a:t>
+            </a:fld>
+            <a:endParaRPr/>
           </a:p>
         </p:txBody>
       </p:sp>
@@ -2743,12 +2831,12 @@
   <p:clrMapOvr>
     <a:masterClrMapping/>
   </p:clrMapOvr>
-  <p:transition xmlns:p14="http://schemas.microsoft.com/office/powerpoint/2010/main" spd="med" advClick="1"/>
+  <p:transition xmlns:p14="http://schemas.microsoft.com/office/powerpoint/2010/main" spd="med"/>
 </p:sldLayout>
 </file>
 
 <file path=ppt/slideLayouts/slideLayout5.xml><?xml version="1.0" encoding="utf-8"?>
-<p:sldLayout xmlns:a="http://schemas.openxmlformats.org/drawingml/2006/main" xmlns:r="http://schemas.openxmlformats.org/officeDocument/2006/relationships" xmlns:p="http://schemas.openxmlformats.org/presentationml/2006/main" type="tx" showMasterSp="1" showMasterPhAnim="1">
+<p:sldLayout xmlns:a="http://schemas.openxmlformats.org/drawingml/2006/main" xmlns:r="http://schemas.openxmlformats.org/officeDocument/2006/relationships" xmlns:p="http://schemas.openxmlformats.org/presentationml/2006/main" type="tx">
   <p:cSld name="Title - Top">
     <p:spTree>
       <p:nvGrpSpPr>
@@ -2767,7 +2855,9 @@
       <p:sp>
         <p:nvSpPr>
           <p:cNvPr id="48" name="Title Text"/>
-          <p:cNvSpPr/>
+          <p:cNvSpPr>
+            <a:spLocks noGrp="1"/>
+          </p:cNvSpPr>
           <p:nvPr>
             <p:ph type="title"/>
           </p:nvPr>
@@ -2781,7 +2871,6 @@
           <a:bodyPr/>
           <a:lstStyle/>
           <a:p>
-            <a:pPr/>
             <a:r>
               <a:t>Title Text</a:t>
             </a:r>
@@ -2791,7 +2880,9 @@
       <p:sp>
         <p:nvSpPr>
           <p:cNvPr id="49" name="Slide Number"/>
-          <p:cNvSpPr/>
+          <p:cNvSpPr>
+            <a:spLocks noGrp="1"/>
+          </p:cNvSpPr>
           <p:nvPr>
             <p:ph type="sldNum" sz="quarter" idx="2"/>
           </p:nvPr>
@@ -2805,8 +2896,10 @@
           <a:bodyPr/>
           <a:lstStyle/>
           <a:p>
-            <a:pPr/>
-            <a:fld id="{86CB4B4D-7CA3-9044-876B-883B54F8677D}" type="slidenum"/>
+            <a:fld id="{86CB4B4D-7CA3-9044-876B-883B54F8677D}" type="slidenum">
+              <a:t>‹#›</a:t>
+            </a:fld>
+            <a:endParaRPr/>
           </a:p>
         </p:txBody>
       </p:sp>
@@ -2815,12 +2908,12 @@
   <p:clrMapOvr>
     <a:masterClrMapping/>
   </p:clrMapOvr>
-  <p:transition xmlns:p14="http://schemas.microsoft.com/office/powerpoint/2010/main" spd="med" advClick="1"/>
+  <p:transition xmlns:p14="http://schemas.microsoft.com/office/powerpoint/2010/main" spd="med"/>
 </p:sldLayout>
 </file>
 
 <file path=ppt/slideLayouts/slideLayout6.xml><?xml version="1.0" encoding="utf-8"?>
-<p:sldLayout xmlns:a="http://schemas.openxmlformats.org/drawingml/2006/main" xmlns:r="http://schemas.openxmlformats.org/officeDocument/2006/relationships" xmlns:p="http://schemas.openxmlformats.org/presentationml/2006/main" type="tx" showMasterSp="1" showMasterPhAnim="1">
+<p:sldLayout xmlns:a="http://schemas.openxmlformats.org/drawingml/2006/main" xmlns:r="http://schemas.openxmlformats.org/officeDocument/2006/relationships" xmlns:p="http://schemas.openxmlformats.org/presentationml/2006/main" type="tx">
   <p:cSld name="Title &amp; Bullets">
     <p:spTree>
       <p:nvGrpSpPr>
@@ -2839,7 +2932,9 @@
       <p:sp>
         <p:nvSpPr>
           <p:cNvPr id="56" name="Title Text"/>
-          <p:cNvSpPr/>
+          <p:cNvSpPr>
+            <a:spLocks noGrp="1"/>
+          </p:cNvSpPr>
           <p:nvPr>
             <p:ph type="title"/>
           </p:nvPr>
@@ -2853,7 +2948,6 @@
           <a:bodyPr/>
           <a:lstStyle/>
           <a:p>
-            <a:pPr/>
             <a:r>
               <a:t>Title Text</a:t>
             </a:r>
@@ -2863,7 +2957,9 @@
       <p:sp>
         <p:nvSpPr>
           <p:cNvPr id="57" name="Body Level One…"/>
-          <p:cNvSpPr/>
+          <p:cNvSpPr>
+            <a:spLocks noGrp="1"/>
+          </p:cNvSpPr>
           <p:nvPr>
             <p:ph type="body" idx="1"/>
           </p:nvPr>
@@ -2877,7 +2973,6 @@
           <a:bodyPr/>
           <a:lstStyle/>
           <a:p>
-            <a:pPr/>
             <a:r>
               <a:t>Body Level One</a:t>
             </a:r>
@@ -2911,7 +3006,9 @@
       <p:sp>
         <p:nvSpPr>
           <p:cNvPr id="58" name="Slide Number"/>
-          <p:cNvSpPr/>
+          <p:cNvSpPr>
+            <a:spLocks noGrp="1"/>
+          </p:cNvSpPr>
           <p:nvPr>
             <p:ph type="sldNum" sz="quarter" idx="2"/>
           </p:nvPr>
@@ -2925,8 +3022,10 @@
           <a:bodyPr/>
           <a:lstStyle/>
           <a:p>
-            <a:pPr/>
-            <a:fld id="{86CB4B4D-7CA3-9044-876B-883B54F8677D}" type="slidenum"/>
+            <a:fld id="{86CB4B4D-7CA3-9044-876B-883B54F8677D}" type="slidenum">
+              <a:t>‹#›</a:t>
+            </a:fld>
+            <a:endParaRPr/>
           </a:p>
         </p:txBody>
       </p:sp>
@@ -2935,12 +3034,12 @@
   <p:clrMapOvr>
     <a:masterClrMapping/>
   </p:clrMapOvr>
-  <p:transition xmlns:p14="http://schemas.microsoft.com/office/powerpoint/2010/main" spd="med" advClick="1"/>
+  <p:transition xmlns:p14="http://schemas.microsoft.com/office/powerpoint/2010/main" spd="med"/>
 </p:sldLayout>
 </file>
 
 <file path=ppt/slideLayouts/slideLayout7.xml><?xml version="1.0" encoding="utf-8"?>
-<p:sldLayout xmlns:a="http://schemas.openxmlformats.org/drawingml/2006/main" xmlns:r="http://schemas.openxmlformats.org/officeDocument/2006/relationships" xmlns:p="http://schemas.openxmlformats.org/presentationml/2006/main" type="tx" showMasterSp="1" showMasterPhAnim="1">
+<p:sldLayout xmlns:a="http://schemas.openxmlformats.org/drawingml/2006/main" xmlns:r="http://schemas.openxmlformats.org/officeDocument/2006/relationships" xmlns:p="http://schemas.openxmlformats.org/presentationml/2006/main" type="tx">
   <p:cSld name="Title, Bullets &amp; Photo">
     <p:spTree>
       <p:nvGrpSpPr>
@@ -2959,7 +3058,9 @@
       <p:sp>
         <p:nvSpPr>
           <p:cNvPr id="65" name="Image"/>
-          <p:cNvSpPr/>
+          <p:cNvSpPr>
+            <a:spLocks noGrp="1"/>
+          </p:cNvSpPr>
           <p:nvPr>
             <p:ph type="pic" sz="half" idx="13"/>
           </p:nvPr>
@@ -2979,14 +3080,16 @@
           </a:bodyPr>
           <a:lstStyle/>
           <a:p>
-            <a:pPr/>
+            <a:endParaRPr/>
           </a:p>
         </p:txBody>
       </p:sp>
       <p:sp>
         <p:nvSpPr>
           <p:cNvPr id="66" name="Title Text"/>
-          <p:cNvSpPr/>
+          <p:cNvSpPr>
+            <a:spLocks noGrp="1"/>
+          </p:cNvSpPr>
           <p:nvPr>
             <p:ph type="title"/>
           </p:nvPr>
@@ -3000,7 +3103,6 @@
           <a:bodyPr/>
           <a:lstStyle/>
           <a:p>
-            <a:pPr/>
             <a:r>
               <a:t>Title Text</a:t>
             </a:r>
@@ -3010,7 +3112,9 @@
       <p:sp>
         <p:nvSpPr>
           <p:cNvPr id="67" name="Body Level One…"/>
-          <p:cNvSpPr/>
+          <p:cNvSpPr>
+            <a:spLocks noGrp="1"/>
+          </p:cNvSpPr>
           <p:nvPr>
             <p:ph type="body" sz="half" idx="1"/>
           </p:nvPr>
@@ -3059,7 +3163,6 @@
             </a:lvl5pPr>
           </a:lstStyle>
           <a:p>
-            <a:pPr/>
             <a:r>
               <a:t>Body Level One</a:t>
             </a:r>
@@ -3093,7 +3196,9 @@
       <p:sp>
         <p:nvSpPr>
           <p:cNvPr id="68" name="Slide Number"/>
-          <p:cNvSpPr/>
+          <p:cNvSpPr>
+            <a:spLocks noGrp="1"/>
+          </p:cNvSpPr>
           <p:nvPr>
             <p:ph type="sldNum" sz="quarter" idx="2"/>
           </p:nvPr>
@@ -3107,8 +3212,10 @@
           <a:bodyPr/>
           <a:lstStyle/>
           <a:p>
-            <a:pPr/>
-            <a:fld id="{86CB4B4D-7CA3-9044-876B-883B54F8677D}" type="slidenum"/>
+            <a:fld id="{86CB4B4D-7CA3-9044-876B-883B54F8677D}" type="slidenum">
+              <a:t>‹#›</a:t>
+            </a:fld>
+            <a:endParaRPr/>
           </a:p>
         </p:txBody>
       </p:sp>
@@ -3117,12 +3224,12 @@
   <p:clrMapOvr>
     <a:masterClrMapping/>
   </p:clrMapOvr>
-  <p:transition xmlns:p14="http://schemas.microsoft.com/office/powerpoint/2010/main" spd="med" advClick="1"/>
+  <p:transition xmlns:p14="http://schemas.microsoft.com/office/powerpoint/2010/main" spd="med"/>
 </p:sldLayout>
 </file>
 
 <file path=ppt/slideLayouts/slideLayout8.xml><?xml version="1.0" encoding="utf-8"?>
-<p:sldLayout xmlns:a="http://schemas.openxmlformats.org/drawingml/2006/main" xmlns:r="http://schemas.openxmlformats.org/officeDocument/2006/relationships" xmlns:p="http://schemas.openxmlformats.org/presentationml/2006/main" type="tx" showMasterSp="1" showMasterPhAnim="1">
+<p:sldLayout xmlns:a="http://schemas.openxmlformats.org/drawingml/2006/main" xmlns:r="http://schemas.openxmlformats.org/officeDocument/2006/relationships" xmlns:p="http://schemas.openxmlformats.org/presentationml/2006/main" type="tx">
   <p:cSld name="Bullets">
     <p:spTree>
       <p:nvGrpSpPr>
@@ -3141,7 +3248,9 @@
       <p:sp>
         <p:nvSpPr>
           <p:cNvPr id="75" name="Body Level One…"/>
-          <p:cNvSpPr/>
+          <p:cNvSpPr>
+            <a:spLocks noGrp="1"/>
+          </p:cNvSpPr>
           <p:nvPr>
             <p:ph type="body" idx="1"/>
           </p:nvPr>
@@ -3159,7 +3268,6 @@
           <a:bodyPr/>
           <a:lstStyle/>
           <a:p>
-            <a:pPr/>
             <a:r>
               <a:t>Body Level One</a:t>
             </a:r>
@@ -3193,7 +3301,9 @@
       <p:sp>
         <p:nvSpPr>
           <p:cNvPr id="76" name="Slide Number"/>
-          <p:cNvSpPr/>
+          <p:cNvSpPr>
+            <a:spLocks noGrp="1"/>
+          </p:cNvSpPr>
           <p:nvPr>
             <p:ph type="sldNum" sz="quarter" idx="2"/>
           </p:nvPr>
@@ -3207,8 +3317,10 @@
           <a:bodyPr/>
           <a:lstStyle/>
           <a:p>
-            <a:pPr/>
-            <a:fld id="{86CB4B4D-7CA3-9044-876B-883B54F8677D}" type="slidenum"/>
+            <a:fld id="{86CB4B4D-7CA3-9044-876B-883B54F8677D}" type="slidenum">
+              <a:t>‹#›</a:t>
+            </a:fld>
+            <a:endParaRPr/>
           </a:p>
         </p:txBody>
       </p:sp>
@@ -3217,12 +3329,12 @@
   <p:clrMapOvr>
     <a:masterClrMapping/>
   </p:clrMapOvr>
-  <p:transition xmlns:p14="http://schemas.microsoft.com/office/powerpoint/2010/main" spd="med" advClick="1"/>
+  <p:transition xmlns:p14="http://schemas.microsoft.com/office/powerpoint/2010/main" spd="med"/>
 </p:sldLayout>
 </file>
 
 <file path=ppt/slideLayouts/slideLayout9.xml><?xml version="1.0" encoding="utf-8"?>
-<p:sldLayout xmlns:a="http://schemas.openxmlformats.org/drawingml/2006/main" xmlns:r="http://schemas.openxmlformats.org/officeDocument/2006/relationships" xmlns:p="http://schemas.openxmlformats.org/presentationml/2006/main" type="tx" showMasterSp="1" showMasterPhAnim="1">
+<p:sldLayout xmlns:a="http://schemas.openxmlformats.org/drawingml/2006/main" xmlns:r="http://schemas.openxmlformats.org/officeDocument/2006/relationships" xmlns:p="http://schemas.openxmlformats.org/presentationml/2006/main" type="tx">
   <p:cSld name="Photo - 3 Up">
     <p:spTree>
       <p:nvGrpSpPr>
@@ -3241,7 +3353,9 @@
       <p:sp>
         <p:nvSpPr>
           <p:cNvPr id="83" name="Image"/>
-          <p:cNvSpPr/>
+          <p:cNvSpPr>
+            <a:spLocks noGrp="1"/>
+          </p:cNvSpPr>
           <p:nvPr>
             <p:ph type="pic" sz="quarter" idx="13"/>
           </p:nvPr>
@@ -3261,14 +3375,16 @@
           </a:bodyPr>
           <a:lstStyle/>
           <a:p>
-            <a:pPr/>
+            <a:endParaRPr/>
           </a:p>
         </p:txBody>
       </p:sp>
       <p:sp>
         <p:nvSpPr>
           <p:cNvPr id="84" name="Image"/>
-          <p:cNvSpPr/>
+          <p:cNvSpPr>
+            <a:spLocks noGrp="1"/>
+          </p:cNvSpPr>
           <p:nvPr>
             <p:ph type="pic" sz="quarter" idx="14"/>
           </p:nvPr>
@@ -3288,14 +3404,16 @@
           </a:bodyPr>
           <a:lstStyle/>
           <a:p>
-            <a:pPr/>
+            <a:endParaRPr/>
           </a:p>
         </p:txBody>
       </p:sp>
       <p:sp>
         <p:nvSpPr>
           <p:cNvPr id="85" name="Image"/>
-          <p:cNvSpPr/>
+          <p:cNvSpPr>
+            <a:spLocks noGrp="1"/>
+          </p:cNvSpPr>
           <p:nvPr>
             <p:ph type="pic" sz="half" idx="15"/>
           </p:nvPr>
@@ -3315,14 +3433,16 @@
           </a:bodyPr>
           <a:lstStyle/>
           <a:p>
-            <a:pPr/>
+            <a:endParaRPr/>
           </a:p>
         </p:txBody>
       </p:sp>
       <p:sp>
         <p:nvSpPr>
           <p:cNvPr id="86" name="Slide Number"/>
-          <p:cNvSpPr/>
+          <p:cNvSpPr>
+            <a:spLocks noGrp="1"/>
+          </p:cNvSpPr>
           <p:nvPr>
             <p:ph type="sldNum" sz="quarter" idx="2"/>
           </p:nvPr>
@@ -3336,8 +3456,10 @@
           <a:bodyPr/>
           <a:lstStyle/>
           <a:p>
-            <a:pPr/>
-            <a:fld id="{86CB4B4D-7CA3-9044-876B-883B54F8677D}" type="slidenum"/>
+            <a:fld id="{86CB4B4D-7CA3-9044-876B-883B54F8677D}" type="slidenum">
+              <a:t>‹#›</a:t>
+            </a:fld>
+            <a:endParaRPr/>
           </a:p>
         </p:txBody>
       </p:sp>
@@ -3346,7 +3468,7 @@
   <p:clrMapOvr>
     <a:masterClrMapping/>
   </p:clrMapOvr>
-  <p:transition xmlns:p14="http://schemas.microsoft.com/office/powerpoint/2010/main" spd="med" advClick="1"/>
+  <p:transition xmlns:p14="http://schemas.microsoft.com/office/powerpoint/2010/main" spd="med"/>
 </p:sldLayout>
 </file>
 
@@ -3358,6 +3480,7 @@
         <a:solidFill>
           <a:srgbClr val="000000"/>
         </a:solidFill>
+        <a:effectLst/>
       </p:bgPr>
     </p:bg>
     <p:spTree>
@@ -3377,7 +3500,9 @@
       <p:sp>
         <p:nvSpPr>
           <p:cNvPr id="2" name="Title Text"/>
-          <p:cNvSpPr/>
+          <p:cNvSpPr>
+            <a:spLocks noGrp="1"/>
+          </p:cNvSpPr>
           <p:nvPr>
             <p:ph type="title"/>
           </p:nvPr>
@@ -3401,11 +3526,10 @@
         </p:spPr>
         <p:txBody>
           <a:bodyPr lIns="50800" tIns="50800" rIns="50800" bIns="50800" anchor="ctr">
-            <a:normAutofit fontScale="100000" lnSpcReduction="0"/>
+            <a:normAutofit/>
           </a:bodyPr>
           <a:lstStyle/>
           <a:p>
-            <a:pPr/>
             <a:r>
               <a:t>Title Text</a:t>
             </a:r>
@@ -3415,7 +3539,9 @@
       <p:sp>
         <p:nvSpPr>
           <p:cNvPr id="3" name="Slide Number"/>
-          <p:cNvSpPr/>
+          <p:cNvSpPr>
+            <a:spLocks noGrp="1"/>
+          </p:cNvSpPr>
           <p:nvPr>
             <p:ph type="sldNum" sz="quarter" idx="2"/>
           </p:nvPr>
@@ -3442,15 +3568,19 @@
             </a:lvl1pPr>
           </a:lstStyle>
           <a:p>
-            <a:pPr/>
-            <a:fld id="{86CB4B4D-7CA3-9044-876B-883B54F8677D}" type="slidenum"/>
+            <a:fld id="{86CB4B4D-7CA3-9044-876B-883B54F8677D}" type="slidenum">
+              <a:t>‹#›</a:t>
+            </a:fld>
+            <a:endParaRPr/>
           </a:p>
         </p:txBody>
       </p:sp>
       <p:sp>
         <p:nvSpPr>
           <p:cNvPr id="4" name="Body Level One…"/>
-          <p:cNvSpPr/>
+          <p:cNvSpPr>
+            <a:spLocks noGrp="1"/>
+          </p:cNvSpPr>
           <p:nvPr>
             <p:ph type="body" idx="1"/>
           </p:nvPr>
@@ -3474,11 +3604,10 @@
         </p:spPr>
         <p:txBody>
           <a:bodyPr lIns="50800" tIns="50800" rIns="50800" bIns="50800" anchor="ctr">
-            <a:normAutofit fontScale="100000" lnSpcReduction="0"/>
+            <a:normAutofit/>
           </a:bodyPr>
           <a:lstStyle/>
           <a:p>
-            <a:pPr/>
             <a:r>
               <a:t>Body Level One</a:t>
             </a:r>
@@ -3513,23 +3642,23 @@
   </p:cSld>
   <p:clrMap bg1="dk1" tx1="lt1" bg2="dk2" tx2="lt2" accent1="accent1" accent2="accent2" accent3="accent3" accent4="accent4" accent5="accent5" accent6="accent6" hlink="hlink" folHlink="folHlink"/>
   <p:sldLayoutIdLst>
-    <p:sldLayoutId id="2147483649" r:id="rId2"/>
-    <p:sldLayoutId id="2147483650" r:id="rId3"/>
-    <p:sldLayoutId id="2147483651" r:id="rId4"/>
-    <p:sldLayoutId id="2147483652" r:id="rId5"/>
-    <p:sldLayoutId id="2147483653" r:id="rId6"/>
-    <p:sldLayoutId id="2147483654" r:id="rId7"/>
-    <p:sldLayoutId id="2147483655" r:id="rId8"/>
-    <p:sldLayoutId id="2147483656" r:id="rId9"/>
-    <p:sldLayoutId id="2147483657" r:id="rId10"/>
-    <p:sldLayoutId id="2147483658" r:id="rId11"/>
-    <p:sldLayoutId id="2147483659" r:id="rId12"/>
-    <p:sldLayoutId id="2147483660" r:id="rId13"/>
-    <p:sldLayoutId id="2147483661" r:id="rId14"/>
-    <p:sldLayoutId id="2147483662" r:id="rId15"/>
-    <p:sldLayoutId id="2147483663" r:id="rId16"/>
+    <p:sldLayoutId id="2147483649" r:id="rId1"/>
+    <p:sldLayoutId id="2147483650" r:id="rId2"/>
+    <p:sldLayoutId id="2147483651" r:id="rId3"/>
+    <p:sldLayoutId id="2147483652" r:id="rId4"/>
+    <p:sldLayoutId id="2147483653" r:id="rId5"/>
+    <p:sldLayoutId id="2147483654" r:id="rId6"/>
+    <p:sldLayoutId id="2147483655" r:id="rId7"/>
+    <p:sldLayoutId id="2147483656" r:id="rId8"/>
+    <p:sldLayoutId id="2147483657" r:id="rId9"/>
+    <p:sldLayoutId id="2147483658" r:id="rId10"/>
+    <p:sldLayoutId id="2147483659" r:id="rId11"/>
+    <p:sldLayoutId id="2147483660" r:id="rId12"/>
+    <p:sldLayoutId id="2147483661" r:id="rId13"/>
+    <p:sldLayoutId id="2147483662" r:id="rId14"/>
+    <p:sldLayoutId id="2147483663" r:id="rId15"/>
   </p:sldLayoutIdLst>
-  <p:transition xmlns:p14="http://schemas.microsoft.com/office/powerpoint/2010/main" spd="med" advClick="1"/>
+  <p:transition xmlns:p14="http://schemas.microsoft.com/office/powerpoint/2010/main" spd="med"/>
   <p:txStyles>
     <p:titleStyle>
       <a:lvl1pPr marL="0" marR="0" indent="0" algn="ctr" defTabSz="584200" rtl="0" latinLnBrk="0">
@@ -3547,7 +3676,7 @@
         <a:buFontTx/>
         <a:buNone/>
         <a:tabLst/>
-        <a:defRPr b="0" baseline="0" cap="none" i="0" spc="0" strike="noStrike" sz="8000" u="none">
+        <a:defRPr sz="8000" b="0" i="0" u="none" strike="noStrike" cap="none" spc="0" baseline="0">
           <a:ln>
             <a:noFill/>
           </a:ln>
@@ -3576,7 +3705,7 @@
         <a:buFontTx/>
         <a:buNone/>
         <a:tabLst/>
-        <a:defRPr b="0" baseline="0" cap="none" i="0" spc="0" strike="noStrike" sz="8000" u="none">
+        <a:defRPr sz="8000" b="0" i="0" u="none" strike="noStrike" cap="none" spc="0" baseline="0">
           <a:ln>
             <a:noFill/>
           </a:ln>
@@ -3605,7 +3734,7 @@
         <a:buFontTx/>
         <a:buNone/>
         <a:tabLst/>
-        <a:defRPr b="0" baseline="0" cap="none" i="0" spc="0" strike="noStrike" sz="8000" u="none">
+        <a:defRPr sz="8000" b="0" i="0" u="none" strike="noStrike" cap="none" spc="0" baseline="0">
           <a:ln>
             <a:noFill/>
           </a:ln>
@@ -3634,7 +3763,7 @@
         <a:buFontTx/>
         <a:buNone/>
         <a:tabLst/>
-        <a:defRPr b="0" baseline="0" cap="none" i="0" spc="0" strike="noStrike" sz="8000" u="none">
+        <a:defRPr sz="8000" b="0" i="0" u="none" strike="noStrike" cap="none" spc="0" baseline="0">
           <a:ln>
             <a:noFill/>
           </a:ln>
@@ -3663,7 +3792,7 @@
         <a:buFontTx/>
         <a:buNone/>
         <a:tabLst/>
-        <a:defRPr b="0" baseline="0" cap="none" i="0" spc="0" strike="noStrike" sz="8000" u="none">
+        <a:defRPr sz="8000" b="0" i="0" u="none" strike="noStrike" cap="none" spc="0" baseline="0">
           <a:ln>
             <a:noFill/>
           </a:ln>
@@ -3692,7 +3821,7 @@
         <a:buFontTx/>
         <a:buNone/>
         <a:tabLst/>
-        <a:defRPr b="0" baseline="0" cap="none" i="0" spc="0" strike="noStrike" sz="8000" u="none">
+        <a:defRPr sz="8000" b="0" i="0" u="none" strike="noStrike" cap="none" spc="0" baseline="0">
           <a:ln>
             <a:noFill/>
           </a:ln>
@@ -3721,7 +3850,7 @@
         <a:buFontTx/>
         <a:buNone/>
         <a:tabLst/>
-        <a:defRPr b="0" baseline="0" cap="none" i="0" spc="0" strike="noStrike" sz="8000" u="none">
+        <a:defRPr sz="8000" b="0" i="0" u="none" strike="noStrike" cap="none" spc="0" baseline="0">
           <a:ln>
             <a:noFill/>
           </a:ln>
@@ -3750,7 +3879,7 @@
         <a:buFontTx/>
         <a:buNone/>
         <a:tabLst/>
-        <a:defRPr b="0" baseline="0" cap="none" i="0" spc="0" strike="noStrike" sz="8000" u="none">
+        <a:defRPr sz="8000" b="0" i="0" u="none" strike="noStrike" cap="none" spc="0" baseline="0">
           <a:ln>
             <a:noFill/>
           </a:ln>
@@ -3779,7 +3908,7 @@
         <a:buFontTx/>
         <a:buNone/>
         <a:tabLst/>
-        <a:defRPr b="0" baseline="0" cap="none" i="0" spc="0" strike="noStrike" sz="8000" u="none">
+        <a:defRPr sz="8000" b="0" i="0" u="none" strike="noStrike" cap="none" spc="0" baseline="0">
           <a:ln>
             <a:noFill/>
           </a:ln>
@@ -3810,7 +3939,7 @@
         <a:buFontTx/>
         <a:buChar char="•"/>
         <a:tabLst/>
-        <a:defRPr b="0" baseline="0" cap="none" i="0" spc="0" strike="noStrike" sz="3800" u="none">
+        <a:defRPr sz="3800" b="0" i="0" u="none" strike="noStrike" cap="none" spc="0" baseline="0">
           <a:ln>
             <a:noFill/>
           </a:ln>
@@ -3839,7 +3968,7 @@
         <a:buFontTx/>
         <a:buChar char="•"/>
         <a:tabLst/>
-        <a:defRPr b="0" baseline="0" cap="none" i="0" spc="0" strike="noStrike" sz="3800" u="none">
+        <a:defRPr sz="3800" b="0" i="0" u="none" strike="noStrike" cap="none" spc="0" baseline="0">
           <a:ln>
             <a:noFill/>
           </a:ln>
@@ -3868,7 +3997,7 @@
         <a:buFontTx/>
         <a:buChar char="•"/>
         <a:tabLst/>
-        <a:defRPr b="0" baseline="0" cap="none" i="0" spc="0" strike="noStrike" sz="3800" u="none">
+        <a:defRPr sz="3800" b="0" i="0" u="none" strike="noStrike" cap="none" spc="0" baseline="0">
           <a:ln>
             <a:noFill/>
           </a:ln>
@@ -3897,7 +4026,7 @@
         <a:buFontTx/>
         <a:buChar char="•"/>
         <a:tabLst/>
-        <a:defRPr b="0" baseline="0" cap="none" i="0" spc="0" strike="noStrike" sz="3800" u="none">
+        <a:defRPr sz="3800" b="0" i="0" u="none" strike="noStrike" cap="none" spc="0" baseline="0">
           <a:ln>
             <a:noFill/>
           </a:ln>
@@ -3926,7 +4055,7 @@
         <a:buFontTx/>
         <a:buChar char="•"/>
         <a:tabLst/>
-        <a:defRPr b="0" baseline="0" cap="none" i="0" spc="0" strike="noStrike" sz="3800" u="none">
+        <a:defRPr sz="3800" b="0" i="0" u="none" strike="noStrike" cap="none" spc="0" baseline="0">
           <a:ln>
             <a:noFill/>
           </a:ln>
@@ -3955,7 +4084,7 @@
         <a:buFontTx/>
         <a:buChar char="•"/>
         <a:tabLst/>
-        <a:defRPr b="0" baseline="0" cap="none" i="0" spc="0" strike="noStrike" sz="3800" u="none">
+        <a:defRPr sz="3800" b="0" i="0" u="none" strike="noStrike" cap="none" spc="0" baseline="0">
           <a:ln>
             <a:noFill/>
           </a:ln>
@@ -3984,7 +4113,7 @@
         <a:buFontTx/>
         <a:buChar char="•"/>
         <a:tabLst/>
-        <a:defRPr b="0" baseline="0" cap="none" i="0" spc="0" strike="noStrike" sz="3800" u="none">
+        <a:defRPr sz="3800" b="0" i="0" u="none" strike="noStrike" cap="none" spc="0" baseline="0">
           <a:ln>
             <a:noFill/>
           </a:ln>
@@ -4013,7 +4142,7 @@
         <a:buFontTx/>
         <a:buChar char="•"/>
         <a:tabLst/>
-        <a:defRPr b="0" baseline="0" cap="none" i="0" spc="0" strike="noStrike" sz="3800" u="none">
+        <a:defRPr sz="3800" b="0" i="0" u="none" strike="noStrike" cap="none" spc="0" baseline="0">
           <a:ln>
             <a:noFill/>
           </a:ln>
@@ -4042,7 +4171,7 @@
         <a:buFontTx/>
         <a:buChar char="•"/>
         <a:tabLst/>
-        <a:defRPr b="0" baseline="0" cap="none" i="0" spc="0" strike="noStrike" sz="3800" u="none">
+        <a:defRPr sz="3800" b="0" i="0" u="none" strike="noStrike" cap="none" spc="0" baseline="0">
           <a:ln>
             <a:noFill/>
           </a:ln>
@@ -4073,7 +4202,7 @@
         <a:buFontTx/>
         <a:buNone/>
         <a:tabLst/>
-        <a:defRPr b="0" baseline="0" cap="none" i="0" spc="0" strike="noStrike" sz="1800" u="none">
+        <a:defRPr sz="1800" b="0" i="0" u="none" strike="noStrike" cap="none" spc="0" baseline="0">
           <a:ln>
             <a:noFill/>
           </a:ln>
@@ -4102,7 +4231,7 @@
         <a:buFontTx/>
         <a:buNone/>
         <a:tabLst/>
-        <a:defRPr b="0" baseline="0" cap="none" i="0" spc="0" strike="noStrike" sz="1800" u="none">
+        <a:defRPr sz="1800" b="0" i="0" u="none" strike="noStrike" cap="none" spc="0" baseline="0">
           <a:ln>
             <a:noFill/>
           </a:ln>
@@ -4131,7 +4260,7 @@
         <a:buFontTx/>
         <a:buNone/>
         <a:tabLst/>
-        <a:defRPr b="0" baseline="0" cap="none" i="0" spc="0" strike="noStrike" sz="1800" u="none">
+        <a:defRPr sz="1800" b="0" i="0" u="none" strike="noStrike" cap="none" spc="0" baseline="0">
           <a:ln>
             <a:noFill/>
           </a:ln>
@@ -4160,7 +4289,7 @@
         <a:buFontTx/>
         <a:buNone/>
         <a:tabLst/>
-        <a:defRPr b="0" baseline="0" cap="none" i="0" spc="0" strike="noStrike" sz="1800" u="none">
+        <a:defRPr sz="1800" b="0" i="0" u="none" strike="noStrike" cap="none" spc="0" baseline="0">
           <a:ln>
             <a:noFill/>
           </a:ln>
@@ -4189,7 +4318,7 @@
         <a:buFontTx/>
         <a:buNone/>
         <a:tabLst/>
-        <a:defRPr b="0" baseline="0" cap="none" i="0" spc="0" strike="noStrike" sz="1800" u="none">
+        <a:defRPr sz="1800" b="0" i="0" u="none" strike="noStrike" cap="none" spc="0" baseline="0">
           <a:ln>
             <a:noFill/>
           </a:ln>
@@ -4218,7 +4347,7 @@
         <a:buFontTx/>
         <a:buNone/>
         <a:tabLst/>
-        <a:defRPr b="0" baseline="0" cap="none" i="0" spc="0" strike="noStrike" sz="1800" u="none">
+        <a:defRPr sz="1800" b="0" i="0" u="none" strike="noStrike" cap="none" spc="0" baseline="0">
           <a:ln>
             <a:noFill/>
           </a:ln>
@@ -4247,7 +4376,7 @@
         <a:buFontTx/>
         <a:buNone/>
         <a:tabLst/>
-        <a:defRPr b="0" baseline="0" cap="none" i="0" spc="0" strike="noStrike" sz="1800" u="none">
+        <a:defRPr sz="1800" b="0" i="0" u="none" strike="noStrike" cap="none" spc="0" baseline="0">
           <a:ln>
             <a:noFill/>
           </a:ln>
@@ -4276,7 +4405,7 @@
         <a:buFontTx/>
         <a:buNone/>
         <a:tabLst/>
-        <a:defRPr b="0" baseline="0" cap="none" i="0" spc="0" strike="noStrike" sz="1800" u="none">
+        <a:defRPr sz="1800" b="0" i="0" u="none" strike="noStrike" cap="none" spc="0" baseline="0">
           <a:ln>
             <a:noFill/>
           </a:ln>
@@ -4305,7 +4434,7 @@
         <a:buFontTx/>
         <a:buNone/>
         <a:tabLst/>
-        <a:defRPr b="0" baseline="0" cap="none" i="0" spc="0" strike="noStrike" sz="1800" u="none">
+        <a:defRPr sz="1800" b="0" i="0" u="none" strike="noStrike" cap="none" spc="0" baseline="0">
           <a:ln>
             <a:noFill/>
           </a:ln>
@@ -4325,7 +4454,7 @@
 </file>
 
 <file path=ppt/slides/slide1.xml><?xml version="1.0" encoding="utf-8"?>
-<p:sld xmlns:a="http://schemas.openxmlformats.org/drawingml/2006/main" xmlns:r="http://schemas.openxmlformats.org/officeDocument/2006/relationships" xmlns:p="http://schemas.openxmlformats.org/presentationml/2006/main" showMasterSp="1" showMasterPhAnim="1">
+<p:sld xmlns:a="http://schemas.openxmlformats.org/drawingml/2006/main" xmlns:r="http://schemas.openxmlformats.org/officeDocument/2006/relationships" xmlns:p="http://schemas.openxmlformats.org/presentationml/2006/main">
   <p:cSld>
     <p:spTree>
       <p:nvGrpSpPr>
@@ -4413,7 +4542,9 @@
       <p:sp>
         <p:nvSpPr>
           <p:cNvPr id="149" name="Slide Number"/>
-          <p:cNvSpPr/>
+          <p:cNvSpPr>
+            <a:spLocks noGrp="1"/>
+          </p:cNvSpPr>
           <p:nvPr>
             <p:ph type="sldNum" sz="quarter" idx="2"/>
           </p:nvPr>
@@ -4436,8 +4567,10 @@
           <a:bodyPr/>
           <a:lstStyle/>
           <a:p>
-            <a:pPr/>
-            <a:fld id="{86CB4B4D-7CA3-9044-876B-883B54F8677D}" type="slidenum"/>
+            <a:fld id="{86CB4B4D-7CA3-9044-876B-883B54F8677D}" type="slidenum">
+              <a:t>1</a:t>
+            </a:fld>
+            <a:endParaRPr/>
           </a:p>
         </p:txBody>
       </p:sp>
@@ -4446,12 +4579,19 @@
   <p:clrMapOvr>
     <a:masterClrMapping/>
   </p:clrMapOvr>
-  <p:transition xmlns:p14="http://schemas.microsoft.com/office/powerpoint/2010/main" spd="med" advClick="1"/>
+  <p:transition xmlns:p14="http://schemas.microsoft.com/office/powerpoint/2010/main" spd="med"/>
+  <p:timing>
+    <p:tnLst>
+      <p:par>
+        <p:cTn xmlns:p14="http://schemas.microsoft.com/office/powerpoint/2010/main" id="1" dur="indefinite" restart="never" nodeType="tmRoot"/>
+      </p:par>
+    </p:tnLst>
+  </p:timing>
 </p:sld>
 </file>
 
 <file path=ppt/slides/slide10.xml><?xml version="1.0" encoding="utf-8"?>
-<p:sld xmlns:a="http://schemas.openxmlformats.org/drawingml/2006/main" xmlns:r="http://schemas.openxmlformats.org/officeDocument/2006/relationships" xmlns:p="http://schemas.openxmlformats.org/presentationml/2006/main" showMasterSp="1" showMasterPhAnim="1">
+<p:sld xmlns:a="http://schemas.openxmlformats.org/drawingml/2006/main" xmlns:r="http://schemas.openxmlformats.org/officeDocument/2006/relationships" xmlns:p="http://schemas.openxmlformats.org/presentationml/2006/main">
   <p:cSld>
     <p:bg>
       <p:bgPr>
@@ -4468,6 +4608,7 @@
             <a:fillToRect l="50000" t="50000" r="50000" b="50000"/>
           </a:path>
         </a:gradFill>
+        <a:effectLst/>
       </p:bgPr>
     </p:bg>
     <p:spTree>
@@ -4522,7 +4663,6 @@
             </a:lvl1pPr>
           </a:lstStyle>
           <a:p>
-            <a:pPr/>
             <a:r>
               <a:t>Task/Batch Lifecycle Events</a:t>
             </a:r>
@@ -4537,12 +4677,12 @@
         </p:nvGraphicFramePr>
         <p:xfrm>
           <a:off x="1382455" y="2525703"/>
-          <a:ext cx="10252590" cy="5792778"/>
+          <a:ext cx="10239888" cy="5780075"/>
         </p:xfrm>
-        <a:graphic xmlns:a="http://schemas.openxmlformats.org/drawingml/2006/main">
+        <a:graphic>
           <a:graphicData uri="http://schemas.openxmlformats.org/drawingml/2006/table">
             <a:tbl>
-              <a:tblPr firstCol="0" firstRow="0" lastCol="0" lastRow="0" bandCol="0" bandRow="0" rtl="0">
+              <a:tblPr>
                 <a:tableStyleId>{4C3C2611-4C71-4FC5-86AE-919BDF0F9419}</a:tableStyleId>
               </a:tblPr>
               <a:tblGrid>
@@ -4563,7 +4703,7 @@
                         </a:defRPr>
                       </a:pPr>
                       <a:r>
-                        <a:rPr b="1" sz="2800">
+                        <a:rPr sz="2800" b="1">
                           <a:solidFill>
                             <a:srgbClr val="FFFFFF"/>
                           </a:solidFill>
@@ -4576,7 +4716,7 @@
                       </a:r>
                     </a:p>
                   </a:txBody>
-                  <a:tcPr marL="50800" marR="50800" marT="50800" marB="50800" anchor="ctr" anchorCtr="0" horzOverflow="overflow">
+                  <a:tcPr marL="50800" marR="50800" marT="50800" marB="50800" anchor="ctr" horzOverflow="overflow">
                     <a:lnL w="12700">
                       <a:miter lim="400000"/>
                     </a:lnL>
@@ -4598,7 +4738,7 @@
                         </a:defRPr>
                       </a:pPr>
                       <a:r>
-                        <a:rPr i="1" sz="2800">
+                        <a:rPr sz="2800" i="1">
                           <a:solidFill>
                             <a:srgbClr val="FFFFFF"/>
                           </a:solidFill>
@@ -4611,7 +4751,7 @@
                       </a:r>
                     </a:p>
                   </a:txBody>
-                  <a:tcPr marL="50800" marR="50800" marT="50800" marB="50800" anchor="ctr" anchorCtr="0" horzOverflow="overflow">
+                  <a:tcPr marL="50800" marR="50800" marT="50800" marB="50800" anchor="ctr" horzOverflow="overflow">
                     <a:lnR w="12700">
                       <a:miter lim="400000"/>
                     </a:lnR>
@@ -4635,7 +4775,7 @@
                         </a:defRPr>
                       </a:pPr>
                       <a:r>
-                        <a:rPr b="1" sz="2800">
+                        <a:rPr sz="2800" b="1">
                           <a:solidFill>
                             <a:srgbClr val="FFFFFF"/>
                           </a:solidFill>
@@ -4648,7 +4788,7 @@
                       </a:r>
                     </a:p>
                   </a:txBody>
-                  <a:tcPr marL="50800" marR="50800" marT="50800" marB="50800" anchor="ctr" anchorCtr="0" horzOverflow="overflow">
+                  <a:tcPr marL="50800" marR="50800" marT="50800" marB="50800" anchor="ctr" horzOverflow="overflow">
                     <a:lnL w="12700">
                       <a:miter lim="400000"/>
                     </a:lnL>
@@ -4667,7 +4807,7 @@
                         </a:defRPr>
                       </a:pPr>
                       <a:r>
-                        <a:rPr i="1" sz="2800">
+                        <a:rPr sz="2800" i="1">
                           <a:solidFill>
                             <a:srgbClr val="FFFFFF"/>
                           </a:solidFill>
@@ -4680,7 +4820,7 @@
                       </a:r>
                     </a:p>
                   </a:txBody>
-                  <a:tcPr marL="50800" marR="50800" marT="50800" marB="50800" anchor="ctr" anchorCtr="0" horzOverflow="overflow">
+                  <a:tcPr marL="50800" marR="50800" marT="50800" marB="50800" anchor="ctr" horzOverflow="overflow">
                     <a:lnR w="12700">
                       <a:miter lim="400000"/>
                     </a:lnR>
@@ -4701,7 +4841,7 @@
                         </a:defRPr>
                       </a:pPr>
                       <a:r>
-                        <a:rPr b="1" sz="2800">
+                        <a:rPr sz="2800" b="1">
                           <a:solidFill>
                             <a:srgbClr val="FFFFFF"/>
                           </a:solidFill>
@@ -4714,7 +4854,7 @@
                       </a:r>
                     </a:p>
                   </a:txBody>
-                  <a:tcPr marL="50800" marR="50800" marT="50800" marB="50800" anchor="ctr" anchorCtr="0" horzOverflow="overflow">
+                  <a:tcPr marL="50800" marR="50800" marT="50800" marB="50800" anchor="ctr" horzOverflow="overflow">
                     <a:lnL w="12700">
                       <a:miter lim="400000"/>
                     </a:lnL>
@@ -4733,7 +4873,7 @@
                         </a:defRPr>
                       </a:pPr>
                       <a:r>
-                        <a:rPr i="1" sz="2800">
+                        <a:rPr sz="2800" i="1">
                           <a:solidFill>
                             <a:srgbClr val="FFFFFF"/>
                           </a:solidFill>
@@ -4746,7 +4886,7 @@
                       </a:r>
                     </a:p>
                   </a:txBody>
-                  <a:tcPr marL="50800" marR="50800" marT="50800" marB="50800" anchor="ctr" anchorCtr="0" horzOverflow="overflow">
+                  <a:tcPr marL="50800" marR="50800" marT="50800" marB="50800" anchor="ctr" horzOverflow="overflow">
                     <a:lnR w="12700">
                       <a:miter lim="400000"/>
                     </a:lnR>
@@ -4767,7 +4907,7 @@
                         </a:defRPr>
                       </a:pPr>
                       <a:r>
-                        <a:rPr b="1" sz="2800">
+                        <a:rPr sz="2800" b="1">
                           <a:solidFill>
                             <a:srgbClr val="FFFFFF"/>
                           </a:solidFill>
@@ -4780,7 +4920,7 @@
                       </a:r>
                     </a:p>
                   </a:txBody>
-                  <a:tcPr marL="50800" marR="50800" marT="50800" marB="50800" anchor="ctr" anchorCtr="0" horzOverflow="overflow">
+                  <a:tcPr marL="50800" marR="50800" marT="50800" marB="50800" anchor="ctr" horzOverflow="overflow">
                     <a:lnL w="12700">
                       <a:miter lim="400000"/>
                     </a:lnL>
@@ -4799,7 +4939,7 @@
                         </a:defRPr>
                       </a:pPr>
                       <a:r>
-                        <a:rPr i="1" sz="2800">
+                        <a:rPr sz="2800" i="1">
                           <a:solidFill>
                             <a:srgbClr val="FFFFFF"/>
                           </a:solidFill>
@@ -4812,7 +4952,7 @@
                       </a:r>
                     </a:p>
                   </a:txBody>
-                  <a:tcPr marL="50800" marR="50800" marT="50800" marB="50800" anchor="ctr" anchorCtr="0" horzOverflow="overflow">
+                  <a:tcPr marL="50800" marR="50800" marT="50800" marB="50800" anchor="ctr" horzOverflow="overflow">
                     <a:lnR w="12700">
                       <a:miter lim="400000"/>
                     </a:lnR>
@@ -4833,7 +4973,7 @@
                         </a:defRPr>
                       </a:pPr>
                       <a:r>
-                        <a:rPr b="1" sz="2800">
+                        <a:rPr sz="2800" b="1">
                           <a:solidFill>
                             <a:srgbClr val="FFFFFF"/>
                           </a:solidFill>
@@ -4846,7 +4986,7 @@
                       </a:r>
                     </a:p>
                   </a:txBody>
-                  <a:tcPr marL="50800" marR="50800" marT="50800" marB="50800" anchor="ctr" anchorCtr="0" horzOverflow="overflow">
+                  <a:tcPr marL="50800" marR="50800" marT="50800" marB="50800" anchor="ctr" horzOverflow="overflow">
                     <a:lnL w="12700">
                       <a:miter lim="400000"/>
                     </a:lnL>
@@ -4865,7 +5005,7 @@
                         </a:defRPr>
                       </a:pPr>
                       <a:r>
-                        <a:rPr i="1" sz="2800">
+                        <a:rPr sz="2800" i="1">
                           <a:solidFill>
                             <a:srgbClr val="FFFFFF"/>
                           </a:solidFill>
@@ -4878,7 +5018,7 @@
                       </a:r>
                     </a:p>
                   </a:txBody>
-                  <a:tcPr marL="50800" marR="50800" marT="50800" marB="50800" anchor="ctr" anchorCtr="0" horzOverflow="overflow">
+                  <a:tcPr marL="50800" marR="50800" marT="50800" marB="50800" anchor="ctr" horzOverflow="overflow">
                     <a:lnR w="12700">
                       <a:miter lim="400000"/>
                     </a:lnR>
@@ -4899,7 +5039,7 @@
                         </a:defRPr>
                       </a:pPr>
                       <a:r>
-                        <a:rPr b="1" sz="2800">
+                        <a:rPr sz="2800" b="1">
                           <a:solidFill>
                             <a:srgbClr val="FFFFFF"/>
                           </a:solidFill>
@@ -4912,7 +5052,7 @@
                       </a:r>
                     </a:p>
                   </a:txBody>
-                  <a:tcPr marL="50800" marR="50800" marT="50800" marB="50800" anchor="ctr" anchorCtr="0" horzOverflow="overflow">
+                  <a:tcPr marL="50800" marR="50800" marT="50800" marB="50800" anchor="ctr" horzOverflow="overflow">
                     <a:lnL w="12700">
                       <a:miter lim="400000"/>
                     </a:lnL>
@@ -4931,7 +5071,7 @@
                         </a:defRPr>
                       </a:pPr>
                       <a:r>
-                        <a:rPr i="1" sz="2800">
+                        <a:rPr sz="2800" i="1">
                           <a:solidFill>
                             <a:srgbClr val="FFFFFF"/>
                           </a:solidFill>
@@ -4944,7 +5084,7 @@
                       </a:r>
                     </a:p>
                   </a:txBody>
-                  <a:tcPr marL="50800" marR="50800" marT="50800" marB="50800" anchor="ctr" anchorCtr="0" horzOverflow="overflow">
+                  <a:tcPr marL="50800" marR="50800" marT="50800" marB="50800" anchor="ctr" horzOverflow="overflow">
                     <a:lnR w="12700">
                       <a:miter lim="400000"/>
                     </a:lnR>
@@ -4965,7 +5105,7 @@
                         </a:defRPr>
                       </a:pPr>
                       <a:r>
-                        <a:rPr b="1" sz="2800">
+                        <a:rPr sz="2800" b="1">
                           <a:solidFill>
                             <a:srgbClr val="FFFFFF"/>
                           </a:solidFill>
@@ -4978,7 +5118,7 @@
                       </a:r>
                     </a:p>
                   </a:txBody>
-                  <a:tcPr marL="50800" marR="50800" marT="50800" marB="50800" anchor="ctr" anchorCtr="0" horzOverflow="overflow">
+                  <a:tcPr marL="50800" marR="50800" marT="50800" marB="50800" anchor="ctr" horzOverflow="overflow">
                     <a:lnL w="12700">
                       <a:miter lim="400000"/>
                     </a:lnL>
@@ -5000,7 +5140,7 @@
                         </a:defRPr>
                       </a:pPr>
                       <a:r>
-                        <a:rPr i="1" sz="2800">
+                        <a:rPr sz="2800" i="1">
                           <a:solidFill>
                             <a:srgbClr val="FFFFFF"/>
                           </a:solidFill>
@@ -5013,7 +5153,7 @@
                       </a:r>
                     </a:p>
                   </a:txBody>
-                  <a:tcPr marL="50800" marR="50800" marT="50800" marB="50800" anchor="ctr" anchorCtr="0" horzOverflow="overflow">
+                  <a:tcPr marL="50800" marR="50800" marT="50800" marB="50800" anchor="ctr" horzOverflow="overflow">
                     <a:lnR w="12700">
                       <a:miter lim="400000"/>
                     </a:lnR>
@@ -5030,7 +5170,9 @@
       <p:sp>
         <p:nvSpPr>
           <p:cNvPr id="223" name="Slide Number"/>
-          <p:cNvSpPr/>
+          <p:cNvSpPr>
+            <a:spLocks noGrp="1"/>
+          </p:cNvSpPr>
           <p:nvPr>
             <p:ph type="sldNum" sz="quarter" idx="2"/>
           </p:nvPr>
@@ -5049,8 +5191,10 @@
           <a:bodyPr/>
           <a:lstStyle/>
           <a:p>
-            <a:pPr/>
-            <a:fld id="{86CB4B4D-7CA3-9044-876B-883B54F8677D}" type="slidenum"/>
+            <a:fld id="{86CB4B4D-7CA3-9044-876B-883B54F8677D}" type="slidenum">
+              <a:t>10</a:t>
+            </a:fld>
+            <a:endParaRPr/>
           </a:p>
         </p:txBody>
       </p:sp>
@@ -5059,12 +5203,19 @@
   <p:clrMapOvr>
     <a:masterClrMapping/>
   </p:clrMapOvr>
-  <p:transition xmlns:p14="http://schemas.microsoft.com/office/powerpoint/2010/main" spd="med" advClick="1"/>
+  <p:transition xmlns:p14="http://schemas.microsoft.com/office/powerpoint/2010/main" spd="med"/>
+  <p:timing>
+    <p:tnLst>
+      <p:par>
+        <p:cTn xmlns:p14="http://schemas.microsoft.com/office/powerpoint/2010/main" id="1" dur="indefinite" restart="never" nodeType="tmRoot"/>
+      </p:par>
+    </p:tnLst>
+  </p:timing>
 </p:sld>
 </file>
 
 <file path=ppt/slides/slide11.xml><?xml version="1.0" encoding="utf-8"?>
-<p:sld xmlns:a="http://schemas.openxmlformats.org/drawingml/2006/main" xmlns:r="http://schemas.openxmlformats.org/officeDocument/2006/relationships" xmlns:p="http://schemas.openxmlformats.org/presentationml/2006/main" showMasterSp="1" showMasterPhAnim="1">
+<p:sld xmlns:a="http://schemas.openxmlformats.org/drawingml/2006/main" xmlns:r="http://schemas.openxmlformats.org/officeDocument/2006/relationships" xmlns:p="http://schemas.openxmlformats.org/presentationml/2006/main">
   <p:cSld>
     <p:bg>
       <p:bgPr>
@@ -5081,6 +5232,7 @@
             <a:fillToRect l="50000" t="50000" r="50000" b="50000"/>
           </a:path>
         </a:gradFill>
+        <a:effectLst/>
       </p:bgPr>
     </p:bg>
     <p:spTree>
@@ -5151,13 +5303,7 @@
               <a:t>foo</a:t>
             </a:r>
             <a:r>
-              <a:t> --definition “</a:t>
-            </a:r>
-            <a:r>
-              <a:t>batch-event</a:t>
-            </a:r>
-            <a:r>
-              <a:t>”</a:t>
+              <a:t> --definition “batch-event”</a:t>
             </a:r>
           </a:p>
         </p:txBody>
@@ -5226,7 +5372,7 @@
         </p:nvSpPr>
         <p:spPr>
           <a:xfrm>
-            <a:off x="4326" y="2242831"/>
+            <a:off x="215977" y="2242831"/>
             <a:ext cx="2048765" cy="573231"/>
           </a:xfrm>
           <a:prstGeom prst="rect">
@@ -5247,7 +5393,7 @@
           </a:bodyPr>
           <a:lstStyle>
             <a:lvl1pPr defTabSz="825500">
-              <a:defRPr i="1" sz="3200">
+              <a:defRPr sz="3200" i="1">
                 <a:latin typeface="Helvetica Neue"/>
                 <a:ea typeface="Helvetica Neue"/>
                 <a:cs typeface="Helvetica Neue"/>
@@ -5256,8 +5402,8 @@
             </a:lvl1pPr>
           </a:lstStyle>
           <a:p>
-            <a:pPr/>
-            <a:r>
+            <a:r>
+              <a:rPr dirty="0"/>
               <a:t>Simple Task</a:t>
             </a:r>
           </a:p>
@@ -5271,7 +5417,7 @@
         </p:nvSpPr>
         <p:spPr>
           <a:xfrm>
-            <a:off x="-349" y="3946761"/>
+            <a:off x="211302" y="3946761"/>
             <a:ext cx="2160931" cy="573231"/>
           </a:xfrm>
           <a:prstGeom prst="rect">
@@ -5292,7 +5438,7 @@
           </a:bodyPr>
           <a:lstStyle>
             <a:lvl1pPr defTabSz="825500">
-              <a:defRPr i="1" sz="3200">
+              <a:defRPr sz="3200" i="1">
                 <a:latin typeface="Helvetica Neue"/>
                 <a:ea typeface="Helvetica Neue"/>
                 <a:cs typeface="Helvetica Neue"/>
@@ -5301,7 +5447,6 @@
             </a:lvl1pPr>
           </a:lstStyle>
           <a:p>
-            <a:pPr/>
             <a:r>
               <a:t>Launch Task</a:t>
             </a:r>
@@ -5316,7 +5461,7 @@
         </p:nvSpPr>
         <p:spPr>
           <a:xfrm>
-            <a:off x="5038" y="5650690"/>
+            <a:off x="216689" y="5650690"/>
             <a:ext cx="4231133" cy="573231"/>
           </a:xfrm>
           <a:prstGeom prst="rect">
@@ -5337,7 +5482,7 @@
           </a:bodyPr>
           <a:lstStyle>
             <a:lvl1pPr defTabSz="825500">
-              <a:defRPr i="1" sz="3200">
+              <a:defRPr sz="3200" i="1">
                 <a:latin typeface="Helvetica Neue"/>
                 <a:ea typeface="Helvetica Neue"/>
                 <a:cs typeface="Helvetica Neue"/>
@@ -5346,7 +5491,6 @@
             </a:lvl1pPr>
           </a:lstStyle>
           <a:p>
-            <a:pPr/>
             <a:r>
               <a:t>TAP Task Events Channel</a:t>
             </a:r>
@@ -5454,7 +5598,6 @@
             </a:lvl1pPr>
           </a:lstStyle>
           <a:p>
-            <a:pPr/>
             <a:r>
               <a:t>Lifecycle Events Subscription</a:t>
             </a:r>
@@ -5464,7 +5607,9 @@
       <p:sp>
         <p:nvSpPr>
           <p:cNvPr id="234" name="Slide Number"/>
-          <p:cNvSpPr/>
+          <p:cNvSpPr>
+            <a:spLocks noGrp="1"/>
+          </p:cNvSpPr>
           <p:nvPr>
             <p:ph type="sldNum" sz="quarter" idx="2"/>
           </p:nvPr>
@@ -5483,8 +5628,10 @@
           <a:bodyPr/>
           <a:lstStyle/>
           <a:p>
-            <a:pPr/>
-            <a:fld id="{86CB4B4D-7CA3-9044-876B-883B54F8677D}" type="slidenum"/>
+            <a:fld id="{86CB4B4D-7CA3-9044-876B-883B54F8677D}" type="slidenum">
+              <a:t>11</a:t>
+            </a:fld>
+            <a:endParaRPr/>
           </a:p>
         </p:txBody>
       </p:sp>
@@ -5493,12 +5640,19 @@
   <p:clrMapOvr>
     <a:masterClrMapping/>
   </p:clrMapOvr>
-  <p:transition xmlns:p14="http://schemas.microsoft.com/office/powerpoint/2010/main" spd="slow" advClick="1"/>
+  <p:transition xmlns:p14="http://schemas.microsoft.com/office/powerpoint/2010/main" spd="slow"/>
+  <p:timing>
+    <p:tnLst>
+      <p:par>
+        <p:cTn xmlns:p14="http://schemas.microsoft.com/office/powerpoint/2010/main" id="1" dur="indefinite" restart="never" nodeType="tmRoot"/>
+      </p:par>
+    </p:tnLst>
+  </p:timing>
 </p:sld>
 </file>
 
 <file path=ppt/slides/slide12.xml><?xml version="1.0" encoding="utf-8"?>
-<p:sld xmlns:a="http://schemas.openxmlformats.org/drawingml/2006/main" xmlns:r="http://schemas.openxmlformats.org/officeDocument/2006/relationships" xmlns:p="http://schemas.openxmlformats.org/presentationml/2006/main" showMasterSp="1" showMasterPhAnim="1">
+<p:sld xmlns:a="http://schemas.openxmlformats.org/drawingml/2006/main" xmlns:r="http://schemas.openxmlformats.org/officeDocument/2006/relationships" xmlns:p="http://schemas.openxmlformats.org/presentationml/2006/main">
   <p:cSld>
     <p:bg>
       <p:bgPr>
@@ -5515,6 +5669,7 @@
             <a:fillToRect l="50000" t="50000" r="50000" b="50000"/>
           </a:path>
         </a:gradFill>
+        <a:effectLst/>
       </p:bgPr>
     </p:bg>
     <p:spTree>
@@ -5585,13 +5740,7 @@
               <a:t>foo</a:t>
             </a:r>
             <a:r>
-              <a:t> --definition “</a:t>
-            </a:r>
-            <a:r>
-              <a:t>batch-events</a:t>
-            </a:r>
-            <a:r>
-              <a:t>”</a:t>
+              <a:t> --definition “batch-events”</a:t>
             </a:r>
           </a:p>
         </p:txBody>
@@ -5685,7 +5834,7 @@
         </p:nvSpPr>
         <p:spPr>
           <a:xfrm>
-            <a:off x="4326" y="2242831"/>
+            <a:off x="180168" y="2242831"/>
             <a:ext cx="2048765" cy="573231"/>
           </a:xfrm>
           <a:prstGeom prst="rect">
@@ -5706,7 +5855,7 @@
           </a:bodyPr>
           <a:lstStyle>
             <a:lvl1pPr defTabSz="825500">
-              <a:defRPr i="1" sz="3200">
+              <a:defRPr sz="3200" i="1">
                 <a:latin typeface="Helvetica Neue"/>
                 <a:ea typeface="Helvetica Neue"/>
                 <a:cs typeface="Helvetica Neue"/>
@@ -5715,8 +5864,8 @@
             </a:lvl1pPr>
           </a:lstStyle>
           <a:p>
-            <a:pPr/>
-            <a:r>
+            <a:r>
+              <a:rPr dirty="0"/>
               <a:t>Simple Task</a:t>
             </a:r>
           </a:p>
@@ -5730,7 +5879,7 @@
         </p:nvSpPr>
         <p:spPr>
           <a:xfrm>
-            <a:off x="-349" y="3946761"/>
+            <a:off x="175493" y="3946761"/>
             <a:ext cx="2160931" cy="573231"/>
           </a:xfrm>
           <a:prstGeom prst="rect">
@@ -5751,7 +5900,7 @@
           </a:bodyPr>
           <a:lstStyle>
             <a:lvl1pPr defTabSz="825500">
-              <a:defRPr i="1" sz="3200">
+              <a:defRPr sz="3200" i="1">
                 <a:latin typeface="Helvetica Neue"/>
                 <a:ea typeface="Helvetica Neue"/>
                 <a:cs typeface="Helvetica Neue"/>
@@ -5760,7 +5909,6 @@
             </a:lvl1pPr>
           </a:lstStyle>
           <a:p>
-            <a:pPr/>
             <a:r>
               <a:t>Launch Task</a:t>
             </a:r>
@@ -5775,7 +5923,7 @@
         </p:nvSpPr>
         <p:spPr>
           <a:xfrm>
-            <a:off x="5038" y="5869708"/>
+            <a:off x="180880" y="5869708"/>
             <a:ext cx="4231133" cy="573231"/>
           </a:xfrm>
           <a:prstGeom prst="rect">
@@ -5796,7 +5944,7 @@
           </a:bodyPr>
           <a:lstStyle>
             <a:lvl1pPr defTabSz="825500">
-              <a:defRPr i="1" sz="3200">
+              <a:defRPr sz="3200" i="1">
                 <a:latin typeface="Helvetica Neue"/>
                 <a:ea typeface="Helvetica Neue"/>
                 <a:cs typeface="Helvetica Neue"/>
@@ -5805,7 +5953,6 @@
             </a:lvl1pPr>
           </a:lstStyle>
           <a:p>
-            <a:pPr/>
             <a:r>
               <a:t>TAP Task Events Channel</a:t>
             </a:r>
@@ -5913,7 +6060,6 @@
             </a:lvl1pPr>
           </a:lstStyle>
           <a:p>
-            <a:pPr/>
             <a:r>
               <a:t>Task Channel Destinations</a:t>
             </a:r>
@@ -5923,7 +6069,9 @@
       <p:sp>
         <p:nvSpPr>
           <p:cNvPr id="245" name="Slide Number"/>
-          <p:cNvSpPr/>
+          <p:cNvSpPr>
+            <a:spLocks noGrp="1"/>
+          </p:cNvSpPr>
           <p:nvPr>
             <p:ph type="sldNum" sz="quarter" idx="2"/>
           </p:nvPr>
@@ -5942,8 +6090,10 @@
           <a:bodyPr/>
           <a:lstStyle/>
           <a:p>
-            <a:pPr/>
-            <a:fld id="{86CB4B4D-7CA3-9044-876B-883B54F8677D}" type="slidenum"/>
+            <a:fld id="{86CB4B4D-7CA3-9044-876B-883B54F8677D}" type="slidenum">
+              <a:t>12</a:t>
+            </a:fld>
+            <a:endParaRPr/>
           </a:p>
         </p:txBody>
       </p:sp>
@@ -5952,12 +6102,19 @@
   <p:clrMapOvr>
     <a:masterClrMapping/>
   </p:clrMapOvr>
-  <p:transition xmlns:p14="http://schemas.microsoft.com/office/powerpoint/2010/main" spd="slow" advClick="1"/>
+  <p:transition xmlns:p14="http://schemas.microsoft.com/office/powerpoint/2010/main" spd="slow"/>
+  <p:timing>
+    <p:tnLst>
+      <p:par>
+        <p:cTn xmlns:p14="http://schemas.microsoft.com/office/powerpoint/2010/main" id="1" dur="indefinite" restart="never" nodeType="tmRoot"/>
+      </p:par>
+    </p:tnLst>
+  </p:timing>
 </p:sld>
 </file>
 
 <file path=ppt/slides/slide13.xml><?xml version="1.0" encoding="utf-8"?>
-<p:sld xmlns:a="http://schemas.openxmlformats.org/drawingml/2006/main" xmlns:r="http://schemas.openxmlformats.org/officeDocument/2006/relationships" xmlns:p="http://schemas.openxmlformats.org/presentationml/2006/main" showMasterSp="1" showMasterPhAnim="1">
+<p:sld xmlns:a="http://schemas.openxmlformats.org/drawingml/2006/main" xmlns:r="http://schemas.openxmlformats.org/officeDocument/2006/relationships" xmlns:p="http://schemas.openxmlformats.org/presentationml/2006/main">
   <p:cSld>
     <p:spTree>
       <p:nvGrpSpPr>
@@ -6002,7 +6159,7 @@
           </a:bodyPr>
           <a:lstStyle>
             <a:lvl1pPr>
-              <a:defRPr i="1" sz="6000">
+              <a:defRPr sz="6000" i="1">
                 <a:latin typeface="Helvetica Neue"/>
                 <a:ea typeface="Helvetica Neue"/>
                 <a:cs typeface="Helvetica Neue"/>
@@ -6011,7 +6168,6 @@
             </a:lvl1pPr>
           </a:lstStyle>
           <a:p>
-            <a:pPr/>
             <a:r>
               <a:t>Demo: Lifecycle Events</a:t>
             </a:r>
@@ -6021,7 +6177,9 @@
       <p:sp>
         <p:nvSpPr>
           <p:cNvPr id="250" name="Slide Number"/>
-          <p:cNvSpPr/>
+          <p:cNvSpPr>
+            <a:spLocks noGrp="1"/>
+          </p:cNvSpPr>
           <p:nvPr>
             <p:ph type="sldNum" sz="quarter" idx="2"/>
           </p:nvPr>
@@ -6040,8 +6198,10 @@
           <a:bodyPr/>
           <a:lstStyle/>
           <a:p>
-            <a:pPr/>
-            <a:fld id="{86CB4B4D-7CA3-9044-876B-883B54F8677D}" type="slidenum"/>
+            <a:fld id="{86CB4B4D-7CA3-9044-876B-883B54F8677D}" type="slidenum">
+              <a:t>13</a:t>
+            </a:fld>
+            <a:endParaRPr/>
           </a:p>
         </p:txBody>
       </p:sp>
@@ -6050,12 +6210,19 @@
   <p:clrMapOvr>
     <a:masterClrMapping/>
   </p:clrMapOvr>
-  <p:transition xmlns:p14="http://schemas.microsoft.com/office/powerpoint/2010/main" spd="slow" advClick="1"/>
+  <p:transition xmlns:p14="http://schemas.microsoft.com/office/powerpoint/2010/main" spd="slow"/>
+  <p:timing>
+    <p:tnLst>
+      <p:par>
+        <p:cTn xmlns:p14="http://schemas.microsoft.com/office/powerpoint/2010/main" id="1" dur="indefinite" restart="never" nodeType="tmRoot"/>
+      </p:par>
+    </p:tnLst>
+  </p:timing>
 </p:sld>
 </file>
 
 <file path=ppt/slides/slide14.xml><?xml version="1.0" encoding="utf-8"?>
-<p:sld xmlns:a="http://schemas.openxmlformats.org/drawingml/2006/main" xmlns:r="http://schemas.openxmlformats.org/officeDocument/2006/relationships" xmlns:p="http://schemas.openxmlformats.org/presentationml/2006/main" showMasterSp="1" showMasterPhAnim="1">
+<p:sld xmlns:a="http://schemas.openxmlformats.org/drawingml/2006/main" xmlns:r="http://schemas.openxmlformats.org/officeDocument/2006/relationships" xmlns:p="http://schemas.openxmlformats.org/presentationml/2006/main">
   <p:cSld>
     <p:bg>
       <p:bgPr>
@@ -6072,6 +6239,7 @@
             <a:fillToRect l="50000" t="50000" r="50000" b="50000"/>
           </a:path>
         </a:gradFill>
+        <a:effectLst/>
       </p:bgPr>
     </p:bg>
     <p:spTree>
@@ -6148,7 +6316,7 @@
         </p:nvSpPr>
         <p:spPr>
           <a:xfrm>
-            <a:off x="15412" y="2886577"/>
+            <a:off x="269406" y="2906114"/>
             <a:ext cx="2319833" cy="573231"/>
           </a:xfrm>
           <a:prstGeom prst="rect">
@@ -6169,7 +6337,7 @@
           </a:bodyPr>
           <a:lstStyle>
             <a:lvl1pPr defTabSz="825500">
-              <a:defRPr i="1" sz="3200">
+              <a:defRPr sz="3200" i="1">
                 <a:latin typeface="Helvetica Neue"/>
                 <a:ea typeface="Helvetica Neue"/>
                 <a:cs typeface="Helvetica Neue"/>
@@ -6178,8 +6346,8 @@
             </a:lvl1pPr>
           </a:lstStyle>
           <a:p>
-            <a:pPr/>
-            <a:r>
+            <a:r>
+              <a:rPr dirty="0"/>
               <a:t>Trigger a Task</a:t>
             </a:r>
           </a:p>
@@ -6193,7 +6361,7 @@
         </p:nvSpPr>
         <p:spPr>
           <a:xfrm>
-            <a:off x="9042" y="5338843"/>
+            <a:off x="263036" y="5358380"/>
             <a:ext cx="4457092" cy="573231"/>
           </a:xfrm>
           <a:prstGeom prst="rect">
@@ -6214,7 +6382,7 @@
           </a:bodyPr>
           <a:lstStyle>
             <a:lvl1pPr defTabSz="825500">
-              <a:defRPr i="1" sz="3200">
+              <a:defRPr sz="3200" i="1">
                 <a:latin typeface="Helvetica Neue"/>
                 <a:ea typeface="Helvetica Neue"/>
                 <a:cs typeface="Helvetica Neue"/>
@@ -6223,8 +6391,8 @@
             </a:lvl1pPr>
           </a:lstStyle>
           <a:p>
-            <a:pPr/>
-            <a:r>
+            <a:r>
+              <a:rPr dirty="0"/>
               <a:t>Customize Task Launching</a:t>
             </a:r>
           </a:p>
@@ -6268,7 +6436,6 @@
             </a:lvl1pPr>
           </a:lstStyle>
           <a:p>
-            <a:pPr/>
             <a:r>
               <a:t>Stream and Batch Connectivity</a:t>
             </a:r>
@@ -6355,7 +6522,9 @@
       <p:sp>
         <p:nvSpPr>
           <p:cNvPr id="257" name="Slide Number"/>
-          <p:cNvSpPr/>
+          <p:cNvSpPr>
+            <a:spLocks noGrp="1"/>
+          </p:cNvSpPr>
           <p:nvPr>
             <p:ph type="sldNum" sz="quarter" idx="2"/>
           </p:nvPr>
@@ -6374,8 +6543,10 @@
           <a:bodyPr/>
           <a:lstStyle/>
           <a:p>
-            <a:pPr/>
-            <a:fld id="{86CB4B4D-7CA3-9044-876B-883B54F8677D}" type="slidenum"/>
+            <a:fld id="{86CB4B4D-7CA3-9044-876B-883B54F8677D}" type="slidenum">
+              <a:t>14</a:t>
+            </a:fld>
+            <a:endParaRPr/>
           </a:p>
         </p:txBody>
       </p:sp>
@@ -6384,12 +6555,19 @@
   <p:clrMapOvr>
     <a:masterClrMapping/>
   </p:clrMapOvr>
-  <p:transition xmlns:p14="http://schemas.microsoft.com/office/powerpoint/2010/main" spd="med" advClick="1"/>
+  <p:transition xmlns:p14="http://schemas.microsoft.com/office/powerpoint/2010/main" spd="med"/>
+  <p:timing>
+    <p:tnLst>
+      <p:par>
+        <p:cTn xmlns:p14="http://schemas.microsoft.com/office/powerpoint/2010/main" id="1" dur="indefinite" restart="never" nodeType="tmRoot"/>
+      </p:par>
+    </p:tnLst>
+  </p:timing>
 </p:sld>
 </file>
 
 <file path=ppt/slides/slide15.xml><?xml version="1.0" encoding="utf-8"?>
-<p:sld xmlns:a="http://schemas.openxmlformats.org/drawingml/2006/main" xmlns:r="http://schemas.openxmlformats.org/officeDocument/2006/relationships" xmlns:p="http://schemas.openxmlformats.org/presentationml/2006/main" showMasterSp="1" showMasterPhAnim="1">
+<p:sld xmlns:a="http://schemas.openxmlformats.org/drawingml/2006/main" xmlns:r="http://schemas.openxmlformats.org/officeDocument/2006/relationships" xmlns:p="http://schemas.openxmlformats.org/presentationml/2006/main">
   <p:cSld>
     <p:spTree>
       <p:nvGrpSpPr>
@@ -6434,7 +6612,7 @@
           </a:bodyPr>
           <a:lstStyle>
             <a:lvl1pPr>
-              <a:defRPr i="1" sz="6000">
+              <a:defRPr sz="6000" i="1">
                 <a:latin typeface="Helvetica Neue"/>
                 <a:ea typeface="Helvetica Neue"/>
                 <a:cs typeface="Helvetica Neue"/>
@@ -6443,7 +6621,6 @@
             </a:lvl1pPr>
           </a:lstStyle>
           <a:p>
-            <a:pPr/>
             <a:r>
               <a:t>Demo: Stream and Batch</a:t>
             </a:r>
@@ -6453,7 +6630,9 @@
       <p:sp>
         <p:nvSpPr>
           <p:cNvPr id="262" name="Slide Number"/>
-          <p:cNvSpPr/>
+          <p:cNvSpPr>
+            <a:spLocks noGrp="1"/>
+          </p:cNvSpPr>
           <p:nvPr>
             <p:ph type="sldNum" sz="quarter" idx="2"/>
           </p:nvPr>
@@ -6472,8 +6651,10 @@
           <a:bodyPr/>
           <a:lstStyle/>
           <a:p>
-            <a:pPr/>
-            <a:fld id="{86CB4B4D-7CA3-9044-876B-883B54F8677D}" type="slidenum"/>
+            <a:fld id="{86CB4B4D-7CA3-9044-876B-883B54F8677D}" type="slidenum">
+              <a:t>15</a:t>
+            </a:fld>
+            <a:endParaRPr/>
           </a:p>
         </p:txBody>
       </p:sp>
@@ -6482,12 +6663,19 @@
   <p:clrMapOvr>
     <a:masterClrMapping/>
   </p:clrMapOvr>
-  <p:transition xmlns:p14="http://schemas.microsoft.com/office/powerpoint/2010/main" spd="slow" advClick="1"/>
+  <p:transition xmlns:p14="http://schemas.microsoft.com/office/powerpoint/2010/main" spd="slow"/>
+  <p:timing>
+    <p:tnLst>
+      <p:par>
+        <p:cTn xmlns:p14="http://schemas.microsoft.com/office/powerpoint/2010/main" id="1" dur="indefinite" restart="never" nodeType="tmRoot"/>
+      </p:par>
+    </p:tnLst>
+  </p:timing>
 </p:sld>
 </file>
 
 <file path=ppt/slides/slide16.xml><?xml version="1.0" encoding="utf-8"?>
-<p:sld xmlns:a="http://schemas.openxmlformats.org/drawingml/2006/main" xmlns:r="http://schemas.openxmlformats.org/officeDocument/2006/relationships" xmlns:p="http://schemas.openxmlformats.org/presentationml/2006/main" showMasterSp="1" showMasterPhAnim="1">
+<p:sld xmlns:a="http://schemas.openxmlformats.org/drawingml/2006/main" xmlns:r="http://schemas.openxmlformats.org/officeDocument/2006/relationships" xmlns:p="http://schemas.openxmlformats.org/presentationml/2006/main">
   <p:cSld>
     <p:spTree>
       <p:nvGrpSpPr>
@@ -6533,7 +6721,7 @@
           <a:lstStyle/>
           <a:p>
             <a:pPr>
-              <a:defRPr i="1" sz="6000">
+              <a:defRPr sz="6000" i="1">
                 <a:latin typeface="Helvetica Neue"/>
                 <a:ea typeface="Helvetica Neue"/>
                 <a:cs typeface="Helvetica Neue"/>
@@ -6546,7 +6734,7 @@
           </a:p>
           <a:p>
             <a:pPr>
-              <a:defRPr i="1" sz="5000">
+              <a:defRPr sz="5000" i="1">
                 <a:latin typeface="Helvetica Neue"/>
                 <a:ea typeface="Helvetica Neue"/>
                 <a:cs typeface="Helvetica Neue"/>
@@ -6559,7 +6747,7 @@
           </a:p>
           <a:p>
             <a:pPr>
-              <a:defRPr i="1" sz="5000">
+              <a:defRPr sz="5000" i="1">
                 <a:latin typeface="Helvetica Neue"/>
                 <a:ea typeface="Helvetica Neue"/>
                 <a:cs typeface="Helvetica Neue"/>
@@ -6575,7 +6763,9 @@
       <p:sp>
         <p:nvSpPr>
           <p:cNvPr id="265" name="Slide Number"/>
-          <p:cNvSpPr/>
+          <p:cNvSpPr>
+            <a:spLocks noGrp="1"/>
+          </p:cNvSpPr>
           <p:nvPr>
             <p:ph type="sldNum" sz="quarter" idx="2"/>
           </p:nvPr>
@@ -6594,8 +6784,10 @@
           <a:bodyPr/>
           <a:lstStyle/>
           <a:p>
-            <a:pPr/>
-            <a:fld id="{86CB4B4D-7CA3-9044-876B-883B54F8677D}" type="slidenum"/>
+            <a:fld id="{86CB4B4D-7CA3-9044-876B-883B54F8677D}" type="slidenum">
+              <a:t>16</a:t>
+            </a:fld>
+            <a:endParaRPr/>
           </a:p>
         </p:txBody>
       </p:sp>
@@ -6604,12 +6796,12 @@
   <p:clrMapOvr>
     <a:masterClrMapping/>
   </p:clrMapOvr>
-  <p:transition xmlns:p14="http://schemas.microsoft.com/office/powerpoint/2010/main" spd="med" advClick="1"/>
+  <p:transition xmlns:p14="http://schemas.microsoft.com/office/powerpoint/2010/main" spd="med"/>
 </p:sld>
 </file>
 
 <file path=ppt/slides/slide2.xml><?xml version="1.0" encoding="utf-8"?>
-<p:sld xmlns:a="http://schemas.openxmlformats.org/drawingml/2006/main" xmlns:r="http://schemas.openxmlformats.org/officeDocument/2006/relationships" xmlns:p="http://schemas.openxmlformats.org/presentationml/2006/main" showMasterSp="1" showMasterPhAnim="1">
+<p:sld xmlns:a="http://schemas.openxmlformats.org/drawingml/2006/main" xmlns:r="http://schemas.openxmlformats.org/officeDocument/2006/relationships" xmlns:p="http://schemas.openxmlformats.org/presentationml/2006/main">
   <p:cSld>
     <p:bg>
       <p:bgPr>
@@ -6626,6 +6818,7 @@
             <a:fillToRect l="50000" t="50000" r="50000" b="50000"/>
           </a:path>
         </a:gradFill>
+        <a:effectLst/>
       </p:bgPr>
     </p:bg>
     <p:spTree>
@@ -6667,7 +6860,7 @@
             <a:miter lim="400000"/>
           </a:ln>
           <a:effectLst>
-            <a:outerShdw sx="100000" sy="100000" kx="0" ky="0" algn="b" rotWithShape="0" blurRad="63500" dist="25400" dir="5400000">
+            <a:outerShdw blurRad="63500" dist="25400" dir="5400000" rotWithShape="0">
               <a:srgbClr val="000000">
                 <a:alpha val="50000"/>
               </a:srgbClr>
@@ -6687,7 +6880,6 @@
             </a:lvl1pPr>
           </a:lstStyle>
           <a:p>
-            <a:pPr/>
             <a:r>
               <a:t>Spring Integration</a:t>
             </a:r>
@@ -6717,7 +6909,7 @@
             <a:miter lim="400000"/>
           </a:ln>
           <a:effectLst>
-            <a:outerShdw sx="100000" sy="100000" kx="0" ky="0" algn="b" rotWithShape="0" blurRad="63500" dist="25400" dir="5400000">
+            <a:outerShdw blurRad="63500" dist="25400" dir="5400000" rotWithShape="0">
               <a:srgbClr val="000000">
                 <a:alpha val="50000"/>
               </a:srgbClr>
@@ -6737,7 +6929,6 @@
             </a:lvl1pPr>
           </a:lstStyle>
           <a:p>
-            <a:pPr/>
             <a:r>
               <a:t>Spring Boot</a:t>
             </a:r>
@@ -6767,7 +6958,7 @@
             <a:miter lim="400000"/>
           </a:ln>
           <a:effectLst>
-            <a:outerShdw sx="100000" sy="100000" kx="0" ky="0" algn="b" rotWithShape="0" blurRad="63500" dist="25400" dir="5400000">
+            <a:outerShdw blurRad="63500" dist="25400" dir="5400000" rotWithShape="0">
               <a:srgbClr val="000000">
                 <a:alpha val="50000"/>
               </a:srgbClr>
@@ -6787,7 +6978,6 @@
             </a:lvl1pPr>
           </a:lstStyle>
           <a:p>
-            <a:pPr/>
             <a:r>
               <a:t>Spring Batch</a:t>
             </a:r>
@@ -6817,7 +7007,7 @@
             <a:miter lim="400000"/>
           </a:ln>
           <a:effectLst>
-            <a:outerShdw sx="100000" sy="100000" kx="0" ky="0" algn="b" rotWithShape="0" blurRad="63500" dist="25400" dir="5400000">
+            <a:outerShdw blurRad="63500" dist="25400" dir="5400000" rotWithShape="0">
               <a:srgbClr val="000000">
                 <a:alpha val="50000"/>
               </a:srgbClr>
@@ -6837,7 +7027,6 @@
             </a:lvl1pPr>
           </a:lstStyle>
           <a:p>
-            <a:pPr/>
             <a:r>
               <a:t>Spring Cloud Task</a:t>
             </a:r>
@@ -6869,7 +7058,7 @@
             <a:miter lim="400000"/>
           </a:ln>
           <a:effectLst>
-            <a:outerShdw sx="100000" sy="100000" kx="0" ky="0" algn="b" rotWithShape="0" blurRad="63500" dist="25400" dir="5400000">
+            <a:outerShdw blurRad="63500" dist="25400" dir="5400000" rotWithShape="0">
               <a:srgbClr val="000000">
                 <a:alpha val="50000"/>
               </a:srgbClr>
@@ -6889,7 +7078,6 @@
             </a:lvl1pPr>
           </a:lstStyle>
           <a:p>
-            <a:pPr/>
             <a:r>
               <a:t>Spring Cloud Stream</a:t>
             </a:r>
@@ -6919,7 +7107,7 @@
             <a:miter lim="400000"/>
           </a:ln>
           <a:effectLst>
-            <a:outerShdw sx="100000" sy="100000" kx="0" ky="0" algn="b" rotWithShape="0" blurRad="63500" dist="25400" dir="5400000">
+            <a:outerShdw blurRad="63500" dist="25400" dir="5400000" rotWithShape="0">
               <a:srgbClr val="000000">
                 <a:alpha val="50000"/>
               </a:srgbClr>
@@ -6938,20 +7126,23 @@
             <a:pPr>
               <a:defRPr sz="2600"/>
             </a:pPr>
+            <a:endParaRPr/>
           </a:p>
           <a:p>
             <a:pPr>
               <a:defRPr sz="2600"/>
             </a:pPr>
+            <a:endParaRPr/>
           </a:p>
           <a:p>
             <a:pPr>
               <a:defRPr sz="2600"/>
             </a:pPr>
+            <a:endParaRPr/>
           </a:p>
           <a:p>
             <a:pPr>
-              <a:defRPr b="1" sz="2600">
+              <a:defRPr sz="2600" b="1">
                 <a:latin typeface="Helvetica"/>
                 <a:ea typeface="Helvetica"/>
                 <a:cs typeface="Helvetica"/>
@@ -6987,7 +7178,7 @@
             <a:miter lim="400000"/>
           </a:ln>
           <a:effectLst>
-            <a:outerShdw sx="100000" sy="100000" kx="0" ky="0" algn="b" rotWithShape="0" blurRad="63500" dist="25400" dir="5400000">
+            <a:outerShdw blurRad="63500" dist="25400" dir="5400000" rotWithShape="0">
               <a:srgbClr val="000000">
                 <a:alpha val="50000"/>
               </a:srgbClr>
@@ -7007,7 +7198,6 @@
             </a:lvl1pPr>
           </a:lstStyle>
           <a:p>
-            <a:pPr/>
             <a:r>
               <a:t>DSL/Shell</a:t>
             </a:r>
@@ -7037,7 +7227,7 @@
             <a:miter lim="400000"/>
           </a:ln>
           <a:effectLst>
-            <a:outerShdw sx="100000" sy="100000" kx="0" ky="0" algn="b" rotWithShape="0" blurRad="63500" dist="25400" dir="5400000">
+            <a:outerShdw blurRad="63500" dist="25400" dir="5400000" rotWithShape="0">
               <a:srgbClr val="000000">
                 <a:alpha val="50000"/>
               </a:srgbClr>
@@ -7057,7 +7247,6 @@
             </a:lvl1pPr>
           </a:lstStyle>
           <a:p>
-            <a:pPr/>
             <a:r>
               <a:t>RES-API/Dashboard</a:t>
             </a:r>
@@ -7087,7 +7276,7 @@
             <a:miter lim="400000"/>
           </a:ln>
           <a:effectLst>
-            <a:outerShdw sx="100000" sy="100000" kx="0" ky="0" algn="b" rotWithShape="0" blurRad="63500" dist="25400" dir="5400000">
+            <a:outerShdw blurRad="63500" dist="25400" dir="5400000" rotWithShape="0">
               <a:srgbClr val="000000">
                 <a:alpha val="50000"/>
               </a:srgbClr>
@@ -7107,7 +7296,6 @@
             </a:lvl1pPr>
           </a:lstStyle>
           <a:p>
-            <a:pPr/>
             <a:r>
               <a:t>Flo Visual Designer</a:t>
             </a:r>
@@ -7117,7 +7305,9 @@
       <p:sp>
         <p:nvSpPr>
           <p:cNvPr id="160" name="Slide Number"/>
-          <p:cNvSpPr/>
+          <p:cNvSpPr>
+            <a:spLocks noGrp="1"/>
+          </p:cNvSpPr>
           <p:nvPr>
             <p:ph type="sldNum" sz="quarter" idx="2"/>
           </p:nvPr>
@@ -7140,8 +7330,10 @@
           <a:bodyPr/>
           <a:lstStyle/>
           <a:p>
-            <a:pPr/>
-            <a:fld id="{86CB4B4D-7CA3-9044-876B-883B54F8677D}" type="slidenum"/>
+            <a:fld id="{86CB4B4D-7CA3-9044-876B-883B54F8677D}" type="slidenum">
+              <a:t>2</a:t>
+            </a:fld>
+            <a:endParaRPr/>
           </a:p>
         </p:txBody>
       </p:sp>
@@ -7150,12 +7342,19 @@
   <p:clrMapOvr>
     <a:masterClrMapping/>
   </p:clrMapOvr>
-  <p:transition xmlns:p14="http://schemas.microsoft.com/office/powerpoint/2010/main" spd="med" advClick="1"/>
+  <p:transition xmlns:p14="http://schemas.microsoft.com/office/powerpoint/2010/main" spd="med"/>
+  <p:timing>
+    <p:tnLst>
+      <p:par>
+        <p:cTn xmlns:p14="http://schemas.microsoft.com/office/powerpoint/2010/main" id="1" dur="indefinite" restart="never" nodeType="tmRoot"/>
+      </p:par>
+    </p:tnLst>
+  </p:timing>
 </p:sld>
 </file>
 
 <file path=ppt/slides/slide3.xml><?xml version="1.0" encoding="utf-8"?>
-<p:sld xmlns:a="http://schemas.openxmlformats.org/drawingml/2006/main" xmlns:r="http://schemas.openxmlformats.org/officeDocument/2006/relationships" xmlns:p="http://schemas.openxmlformats.org/presentationml/2006/main" showMasterSp="1" showMasterPhAnim="1">
+<p:sld xmlns:a="http://schemas.openxmlformats.org/drawingml/2006/main" xmlns:r="http://schemas.openxmlformats.org/officeDocument/2006/relationships" xmlns:p="http://schemas.openxmlformats.org/presentationml/2006/main">
   <p:cSld>
     <p:bg>
       <p:bgPr>
@@ -7172,6 +7371,7 @@
             <a:fillToRect l="50000" t="50000" r="50000" b="50000"/>
           </a:path>
         </a:gradFill>
+        <a:effectLst/>
       </p:bgPr>
     </p:bg>
     <p:spTree>
@@ -7226,7 +7426,6 @@
             </a:lvl1pPr>
           </a:lstStyle>
           <a:p>
-            <a:pPr/>
             <a:r>
               <a:t>Batch Processing</a:t>
             </a:r>
@@ -7241,12 +7440,12 @@
         </p:nvGraphicFramePr>
         <p:xfrm>
           <a:off x="1129473" y="2780615"/>
-          <a:ext cx="10745854" cy="5334001"/>
+          <a:ext cx="10745852" cy="5334000"/>
         </p:xfrm>
-        <a:graphic xmlns:a="http://schemas.openxmlformats.org/drawingml/2006/main">
+        <a:graphic>
           <a:graphicData uri="http://schemas.openxmlformats.org/drawingml/2006/table">
             <a:tbl>
-              <a:tblPr firstCol="0" firstRow="0" lastCol="0" lastRow="0" bandCol="0" bandRow="0" rtl="0">
+              <a:tblPr>
                 <a:tableStyleId>{4C3C2611-4C71-4FC5-86AE-919BDF0F9419}</a:tableStyleId>
               </a:tblPr>
               <a:tblGrid>
@@ -7282,7 +7481,7 @@
                       </a:r>
                     </a:p>
                   </a:txBody>
-                  <a:tcPr marL="50800" marR="50800" marT="50800" marB="50800" anchor="ctr" anchorCtr="0" horzOverflow="overflow">
+                  <a:tcPr marL="50800" marR="50800" marT="50800" marB="50800" anchor="ctr" horzOverflow="overflow">
                     <a:lnL w="12700">
                       <a:miter lim="400000"/>
                     </a:lnL>
@@ -7320,7 +7519,7 @@
                       </a:r>
                     </a:p>
                   </a:txBody>
-                  <a:tcPr marL="50800" marR="50800" marT="50800" marB="50800" anchor="ctr" anchorCtr="0" horzOverflow="overflow">
+                  <a:tcPr marL="50800" marR="50800" marT="50800" marB="50800" anchor="ctr" horzOverflow="overflow">
                     <a:lnT w="12700">
                       <a:miter lim="400000"/>
                     </a:lnT>
@@ -7355,7 +7554,7 @@
                       </a:r>
                     </a:p>
                   </a:txBody>
-                  <a:tcPr marL="50800" marR="50800" marT="50800" marB="50800" anchor="ctr" anchorCtr="0" horzOverflow="overflow">
+                  <a:tcPr marL="50800" marR="50800" marT="50800" marB="50800" anchor="ctr" horzOverflow="overflow">
                     <a:lnT w="12700">
                       <a:miter lim="400000"/>
                     </a:lnT>
@@ -7390,7 +7589,7 @@
                       </a:r>
                     </a:p>
                   </a:txBody>
-                  <a:tcPr marL="50800" marR="50800" marT="50800" marB="50800" anchor="ctr" anchorCtr="0" horzOverflow="overflow">
+                  <a:tcPr marL="50800" marR="50800" marT="50800" marB="50800" anchor="ctr" horzOverflow="overflow">
                     <a:lnR w="12700">
                       <a:miter lim="400000"/>
                     </a:lnR>
@@ -7430,7 +7629,7 @@
                       </a:r>
                     </a:p>
                   </a:txBody>
-                  <a:tcPr marL="50800" marR="50800" marT="50800" marB="50800" anchor="ctr" anchorCtr="0" horzOverflow="overflow">
+                  <a:tcPr marL="50800" marR="50800" marT="50800" marB="50800" anchor="ctr" horzOverflow="overflow">
                     <a:lnL w="12700">
                       <a:miter lim="400000"/>
                     </a:lnL>
@@ -7468,7 +7667,7 @@
                       </a:r>
                     </a:p>
                   </a:txBody>
-                  <a:tcPr marL="50800" marR="50800" marT="50800" marB="50800" anchor="ctr" anchorCtr="0" horzOverflow="overflow">
+                  <a:tcPr marL="50800" marR="50800" marT="50800" marB="50800" anchor="ctr" horzOverflow="overflow">
                     <a:lnT w="12700">
                       <a:miter lim="400000"/>
                     </a:lnT>
@@ -7503,7 +7702,7 @@
                       </a:r>
                     </a:p>
                   </a:txBody>
-                  <a:tcPr marL="50800" marR="50800" marT="50800" marB="50800" anchor="ctr" anchorCtr="0" horzOverflow="overflow">
+                  <a:tcPr marL="50800" marR="50800" marT="50800" marB="50800" anchor="ctr" horzOverflow="overflow">
                     <a:lnT w="12700">
                       <a:miter lim="400000"/>
                     </a:lnT>
@@ -7538,7 +7737,7 @@
                       </a:r>
                     </a:p>
                   </a:txBody>
-                  <a:tcPr marL="50800" marR="50800" marT="50800" marB="50800" anchor="ctr" anchorCtr="0" horzOverflow="overflow">
+                  <a:tcPr marL="50800" marR="50800" marT="50800" marB="50800" anchor="ctr" horzOverflow="overflow">
                     <a:lnR w="12700">
                       <a:miter lim="400000"/>
                     </a:lnR>
@@ -7565,9 +7764,10 @@
                           <a:sym typeface="Helvetica Neue Thin"/>
                         </a:defRPr>
                       </a:pPr>
+                      <a:endParaRPr/>
                     </a:p>
                   </a:txBody>
-                  <a:tcPr marL="50800" marR="50800" marT="50800" marB="50800" anchor="ctr" anchorCtr="0" horzOverflow="overflow">
+                  <a:tcPr marL="50800" marR="50800" marT="50800" marB="50800" anchor="ctr" horzOverflow="overflow">
                     <a:lnL w="12700">
                       <a:miter lim="400000"/>
                     </a:lnL>
@@ -7605,7 +7805,7 @@
                       </a:r>
                     </a:p>
                   </a:txBody>
-                  <a:tcPr marL="50800" marR="50800" marT="50800" marB="50800" anchor="ctr" anchorCtr="0" horzOverflow="overflow">
+                  <a:tcPr marL="50800" marR="50800" marT="50800" marB="50800" anchor="ctr" horzOverflow="overflow">
                     <a:lnT w="12700">
                       <a:miter lim="400000"/>
                     </a:lnT>
@@ -7627,9 +7827,10 @@
                           <a:sym typeface="Helvetica Neue Thin"/>
                         </a:defRPr>
                       </a:pPr>
+                      <a:endParaRPr/>
                     </a:p>
                   </a:txBody>
-                  <a:tcPr marL="50800" marR="50800" marT="50800" marB="50800" anchor="ctr" anchorCtr="0" horzOverflow="overflow">
+                  <a:tcPr marL="50800" marR="50800" marT="50800" marB="50800" anchor="ctr" horzOverflow="overflow">
                     <a:lnT w="12700">
                       <a:miter lim="400000"/>
                     </a:lnT>
@@ -7651,9 +7852,10 @@
                           <a:sym typeface="Helvetica Neue Thin"/>
                         </a:defRPr>
                       </a:pPr>
+                      <a:endParaRPr/>
                     </a:p>
                   </a:txBody>
-                  <a:tcPr marL="50800" marR="50800" marT="50800" marB="50800" anchor="ctr" anchorCtr="0" horzOverflow="overflow">
+                  <a:tcPr marL="50800" marR="50800" marT="50800" marB="50800" anchor="ctr" horzOverflow="overflow">
                     <a:lnR w="12700">
                       <a:miter lim="400000"/>
                     </a:lnR>
@@ -7680,9 +7882,10 @@
                           <a:sym typeface="Helvetica Neue Thin"/>
                         </a:defRPr>
                       </a:pPr>
+                      <a:endParaRPr/>
                     </a:p>
                   </a:txBody>
-                  <a:tcPr marL="50800" marR="50800" marT="50800" marB="50800" anchor="ctr" anchorCtr="0" horzOverflow="overflow">
+                  <a:tcPr marL="50800" marR="50800" marT="50800" marB="50800" anchor="ctr" horzOverflow="overflow">
                     <a:lnL w="12700">
                       <a:miter lim="400000"/>
                     </a:lnL>
@@ -7707,9 +7910,10 @@
                           <a:sym typeface="Helvetica Neue Thin"/>
                         </a:defRPr>
                       </a:pPr>
+                      <a:endParaRPr/>
                     </a:p>
                   </a:txBody>
-                  <a:tcPr marL="50800" marR="50800" marT="50800" marB="50800" anchor="ctr" anchorCtr="0" horzOverflow="overflow">
+                  <a:tcPr marL="50800" marR="50800" marT="50800" marB="50800" anchor="ctr" horzOverflow="overflow">
                     <a:lnT w="12700">
                       <a:miter lim="400000"/>
                     </a:lnT>
@@ -7731,9 +7935,10 @@
                           <a:sym typeface="Helvetica Neue Thin"/>
                         </a:defRPr>
                       </a:pPr>
+                      <a:endParaRPr/>
                     </a:p>
                   </a:txBody>
-                  <a:tcPr marL="50800" marR="50800" marT="50800" marB="50800" anchor="ctr" anchorCtr="0" horzOverflow="overflow">
+                  <a:tcPr marL="50800" marR="50800" marT="50800" marB="50800" anchor="ctr" horzOverflow="overflow">
                     <a:lnT w="12700">
                       <a:miter lim="400000"/>
                     </a:lnT>
@@ -7755,9 +7960,10 @@
                           <a:sym typeface="Helvetica Neue Thin"/>
                         </a:defRPr>
                       </a:pPr>
+                      <a:endParaRPr/>
                     </a:p>
                   </a:txBody>
-                  <a:tcPr marL="50800" marR="50800" marT="50800" marB="50800" anchor="ctr" anchorCtr="0" horzOverflow="overflow">
+                  <a:tcPr marL="50800" marR="50800" marT="50800" marB="50800" anchor="ctr" horzOverflow="overflow">
                     <a:lnR w="12700">
                       <a:miter lim="400000"/>
                     </a:lnR>
@@ -7777,7 +7983,9 @@
       <p:sp>
         <p:nvSpPr>
           <p:cNvPr id="164" name="Slide Number"/>
-          <p:cNvSpPr/>
+          <p:cNvSpPr>
+            <a:spLocks noGrp="1"/>
+          </p:cNvSpPr>
           <p:nvPr>
             <p:ph type="sldNum" sz="quarter" idx="2"/>
           </p:nvPr>
@@ -7800,8 +8008,10 @@
           <a:bodyPr/>
           <a:lstStyle/>
           <a:p>
-            <a:pPr/>
-            <a:fld id="{86CB4B4D-7CA3-9044-876B-883B54F8677D}" type="slidenum"/>
+            <a:fld id="{86CB4B4D-7CA3-9044-876B-883B54F8677D}" type="slidenum">
+              <a:t>3</a:t>
+            </a:fld>
+            <a:endParaRPr/>
           </a:p>
         </p:txBody>
       </p:sp>
@@ -7810,12 +8020,19 @@
   <p:clrMapOvr>
     <a:masterClrMapping/>
   </p:clrMapOvr>
-  <p:transition xmlns:p14="http://schemas.microsoft.com/office/powerpoint/2010/main" spd="slow" advClick="1"/>
+  <p:transition xmlns:p14="http://schemas.microsoft.com/office/powerpoint/2010/main" spd="slow"/>
+  <p:timing>
+    <p:tnLst>
+      <p:par>
+        <p:cTn xmlns:p14="http://schemas.microsoft.com/office/powerpoint/2010/main" id="1" dur="indefinite" restart="never" nodeType="tmRoot"/>
+      </p:par>
+    </p:tnLst>
+  </p:timing>
 </p:sld>
 </file>
 
 <file path=ppt/slides/slide4.xml><?xml version="1.0" encoding="utf-8"?>
-<p:sld xmlns:a="http://schemas.openxmlformats.org/drawingml/2006/main" xmlns:r="http://schemas.openxmlformats.org/officeDocument/2006/relationships" xmlns:p="http://schemas.openxmlformats.org/presentationml/2006/main" showMasterSp="1" showMasterPhAnim="1">
+<p:sld xmlns:a="http://schemas.openxmlformats.org/drawingml/2006/main" xmlns:r="http://schemas.openxmlformats.org/officeDocument/2006/relationships" xmlns:p="http://schemas.openxmlformats.org/presentationml/2006/main">
   <p:cSld>
     <p:bg>
       <p:bgPr>
@@ -7832,6 +8049,7 @@
             <a:fillToRect l="50000" t="50000" r="50000" b="50000"/>
           </a:path>
         </a:gradFill>
+        <a:effectLst/>
       </p:bgPr>
     </p:bg>
     <p:spTree>
@@ -7886,7 +8104,6 @@
             </a:lvl1pPr>
           </a:lstStyle>
           <a:p>
-            <a:pPr/>
             <a:r>
               <a:t>Task = Short Lived</a:t>
             </a:r>
@@ -7936,7 +8153,7 @@
           </a:p>
           <a:p>
             <a:pPr algn="r" defTabSz="825500">
-              <a:defRPr i="1" sz="4000">
+              <a:defRPr sz="4000" i="1">
                 <a:latin typeface="Helvetica Neue UltraLight"/>
                 <a:ea typeface="Helvetica Neue UltraLight"/>
                 <a:cs typeface="Helvetica Neue UltraLight"/>
@@ -7949,7 +8166,7 @@
           </a:p>
           <a:p>
             <a:pPr algn="r" defTabSz="825500">
-              <a:defRPr i="1" sz="4000">
+              <a:defRPr sz="4000" i="1">
                 <a:latin typeface="Helvetica Neue UltraLight"/>
                 <a:ea typeface="Helvetica Neue UltraLight"/>
                 <a:cs typeface="Helvetica Neue UltraLight"/>
@@ -8050,7 +8267,7 @@
                 </a:p>
                 <a:p>
                   <a:pPr algn="l" defTabSz="825500">
-                    <a:defRPr i="1" sz="4000">
+                    <a:defRPr sz="4000" i="1">
                       <a:latin typeface="Helvetica Neue UltraLight"/>
                       <a:ea typeface="Helvetica Neue UltraLight"/>
                       <a:cs typeface="Helvetica Neue UltraLight"/>
@@ -8164,7 +8381,7 @@
                 <a:lnSpc>
                   <a:spcPct val="150000"/>
                 </a:lnSpc>
-                <a:defRPr b="1" sz="2500">
+                <a:defRPr sz="2500" b="1">
                   <a:latin typeface="Consolas"/>
                   <a:ea typeface="Consolas"/>
                   <a:cs typeface="Consolas"/>
@@ -8197,7 +8414,9 @@
       <p:sp>
         <p:nvSpPr>
           <p:cNvPr id="177" name="Slide Number"/>
-          <p:cNvSpPr/>
+          <p:cNvSpPr>
+            <a:spLocks noGrp="1"/>
+          </p:cNvSpPr>
           <p:nvPr>
             <p:ph type="sldNum" sz="quarter" idx="2"/>
           </p:nvPr>
@@ -8220,8 +8439,10 @@
           <a:bodyPr/>
           <a:lstStyle/>
           <a:p>
-            <a:pPr/>
-            <a:fld id="{86CB4B4D-7CA3-9044-876B-883B54F8677D}" type="slidenum"/>
+            <a:fld id="{86CB4B4D-7CA3-9044-876B-883B54F8677D}" type="slidenum">
+              <a:t>4</a:t>
+            </a:fld>
+            <a:endParaRPr/>
           </a:p>
         </p:txBody>
       </p:sp>
@@ -8237,7 +8458,7 @@
           <a:blip r:embed="rId4">
             <a:extLst/>
           </a:blip>
-          <a:srcRect l="0" t="0" r="0" b="0"/>
+          <a:srcRect/>
           <a:stretch>
             <a:fillRect/>
           </a:stretch>
@@ -8260,14 +8481,14 @@
   <p:clrMapOvr>
     <a:masterClrMapping/>
   </p:clrMapOvr>
-  <p:transition xmlns:p14="http://schemas.microsoft.com/office/powerpoint/2010/main" spd="slow" advClick="1"/>
+  <p:transition xmlns:p14="http://schemas.microsoft.com/office/powerpoint/2010/main" spd="slow"/>
   <p:timing>
     <p:tnLst>
       <p:par>
-        <p:cTn id="1" nodeType="tmRoot" restart="never" dur="indefinite" fill="hold">
+        <p:cTn xmlns:p14="http://schemas.microsoft.com/office/powerpoint/2010/main" id="1" dur="indefinite" restart="never" fill="hold" nodeType="tmRoot">
           <p:childTnLst>
             <p:seq concurrent="1" prevAc="none" nextAc="seek">
-              <p:cTn id="2" nodeType="mainSeq" dur="indefinite" fill="hold">
+              <p:cTn id="2" dur="indefinite" fill="hold" nodeType="mainSeq">
                 <p:childTnLst>
                   <p:par>
                     <p:cTn id="3" fill="hold">
@@ -8282,11 +8503,11 @@
                             </p:stCondLst>
                             <p:childTnLst>
                               <p:par>
-                                <p:cTn id="5" presetClass="entr" nodeType="clickEffect" presetSubtype="1" presetID="2" grpId="1" fill="hold">
+                                <p:cTn id="5" presetID="2" presetClass="entr" presetSubtype="1" fill="hold" grpId="1" nodeType="clickEffect">
                                   <p:stCondLst>
                                     <p:cond delay="0"/>
                                   </p:stCondLst>
-                                  <p:iterate type="el" backwards="0">
+                                  <p:iterate>
                                     <p:tmAbs val="0"/>
                                   </p:iterate>
                                   <p:childTnLst>
@@ -8362,14 +8583,14 @@
                 </p:childTnLst>
               </p:cTn>
               <p:prevCondLst>
-                <p:cond evt="onPrev">
+                <p:cond evt="onPrev" delay="0">
                   <p:tgtEl>
                     <p:sldTgt/>
                   </p:tgtEl>
                 </p:cond>
               </p:prevCondLst>
               <p:nextCondLst>
-                <p:cond evt="onNext">
+                <p:cond evt="onNext" delay="0">
                   <p:tgtEl>
                     <p:sldTgt/>
                   </p:tgtEl>
@@ -8381,14 +8602,14 @@
       </p:par>
     </p:tnLst>
     <p:bldLst>
-      <p:bldP build="whole" bldLvl="1" animBg="1" rev="0" advAuto="0" spid="176" grpId="1"/>
+      <p:bldP spid="176" grpId="1" animBg="1" advAuto="0"/>
     </p:bldLst>
   </p:timing>
 </p:sld>
 </file>
 
 <file path=ppt/slides/slide5.xml><?xml version="1.0" encoding="utf-8"?>
-<p:sld xmlns:a="http://schemas.openxmlformats.org/drawingml/2006/main" xmlns:r="http://schemas.openxmlformats.org/officeDocument/2006/relationships" xmlns:p="http://schemas.openxmlformats.org/presentationml/2006/main" showMasterSp="1" showMasterPhAnim="1">
+<p:sld xmlns:a="http://schemas.openxmlformats.org/drawingml/2006/main" xmlns:r="http://schemas.openxmlformats.org/officeDocument/2006/relationships" xmlns:p="http://schemas.openxmlformats.org/presentationml/2006/main">
   <p:cSld>
     <p:bg>
       <p:bgPr>
@@ -8405,6 +8626,7 @@
             <a:fillToRect l="50000" t="50000" r="50000" b="50000"/>
           </a:path>
         </a:gradFill>
+        <a:effectLst/>
       </p:bgPr>
     </p:bg>
     <p:spTree>
@@ -8459,7 +8681,6 @@
             </a:lvl1pPr>
           </a:lstStyle>
           <a:p>
-            <a:pPr/>
             <a:r>
               <a:t>Batch Processing in Spring Cloud Data Flow</a:t>
             </a:r>
@@ -8526,7 +8747,7 @@
         </p:nvSpPr>
         <p:spPr>
           <a:xfrm>
-            <a:off x="19464" y="2242831"/>
+            <a:off x="442766" y="2242831"/>
             <a:ext cx="3923488" cy="573231"/>
           </a:xfrm>
           <a:prstGeom prst="rect">
@@ -8547,7 +8768,7 @@
           </a:bodyPr>
           <a:lstStyle>
             <a:lvl1pPr defTabSz="825500">
-              <a:defRPr i="1" sz="3200">
+              <a:defRPr sz="3200" i="1">
                 <a:latin typeface="Helvetica Neue"/>
                 <a:ea typeface="Helvetica Neue"/>
                 <a:cs typeface="Helvetica Neue"/>
@@ -8556,8 +8777,8 @@
             </a:lvl1pPr>
           </a:lstStyle>
           <a:p>
-            <a:pPr/>
-            <a:r>
+            <a:r>
+              <a:rPr dirty="0"/>
               <a:t>Register you application</a:t>
             </a:r>
           </a:p>
@@ -8566,7 +8787,9 @@
       <p:sp>
         <p:nvSpPr>
           <p:cNvPr id="183" name="Slide Number"/>
-          <p:cNvSpPr/>
+          <p:cNvSpPr>
+            <a:spLocks noGrp="1"/>
+          </p:cNvSpPr>
           <p:nvPr>
             <p:ph type="sldNum" sz="quarter" idx="2"/>
           </p:nvPr>
@@ -8589,8 +8812,10 @@
           <a:bodyPr/>
           <a:lstStyle/>
           <a:p>
-            <a:pPr/>
-            <a:fld id="{86CB4B4D-7CA3-9044-876B-883B54F8677D}" type="slidenum"/>
+            <a:fld id="{86CB4B4D-7CA3-9044-876B-883B54F8677D}" type="slidenum">
+              <a:t>5</a:t>
+            </a:fld>
+            <a:endParaRPr/>
           </a:p>
         </p:txBody>
       </p:sp>
@@ -8599,12 +8824,19 @@
   <p:clrMapOvr>
     <a:masterClrMapping/>
   </p:clrMapOvr>
-  <p:transition xmlns:p14="http://schemas.microsoft.com/office/powerpoint/2010/main" spd="slow" advClick="1"/>
+  <p:transition xmlns:p14="http://schemas.microsoft.com/office/powerpoint/2010/main" spd="slow"/>
+  <p:timing>
+    <p:tnLst>
+      <p:par>
+        <p:cTn xmlns:p14="http://schemas.microsoft.com/office/powerpoint/2010/main" id="1" dur="indefinite" restart="never" nodeType="tmRoot"/>
+      </p:par>
+    </p:tnLst>
+  </p:timing>
 </p:sld>
 </file>
 
 <file path=ppt/slides/slide6.xml><?xml version="1.0" encoding="utf-8"?>
-<p:sld xmlns:a="http://schemas.openxmlformats.org/drawingml/2006/main" xmlns:r="http://schemas.openxmlformats.org/officeDocument/2006/relationships" xmlns:p="http://schemas.openxmlformats.org/presentationml/2006/main" showMasterSp="1" showMasterPhAnim="1">
+<p:sld xmlns:a="http://schemas.openxmlformats.org/drawingml/2006/main" xmlns:r="http://schemas.openxmlformats.org/officeDocument/2006/relationships" xmlns:p="http://schemas.openxmlformats.org/presentationml/2006/main">
   <p:cSld>
     <p:bg>
       <p:bgPr>
@@ -8621,6 +8853,7 @@
             <a:fillToRect l="50000" t="50000" r="50000" b="50000"/>
           </a:path>
         </a:gradFill>
+        <a:effectLst/>
       </p:bgPr>
     </p:bg>
     <p:spTree>
@@ -8675,7 +8908,6 @@
             </a:lvl1pPr>
           </a:lstStyle>
           <a:p>
-            <a:pPr/>
             <a:r>
               <a:t>Batch Processing in Spring Cloud Data Flow</a:t>
             </a:r>
@@ -8841,7 +9073,7 @@
         </p:nvSpPr>
         <p:spPr>
           <a:xfrm>
-            <a:off x="4326" y="2242831"/>
+            <a:off x="196736" y="2242831"/>
             <a:ext cx="2048765" cy="573231"/>
           </a:xfrm>
           <a:prstGeom prst="rect">
@@ -8862,7 +9094,7 @@
           </a:bodyPr>
           <a:lstStyle>
             <a:lvl1pPr defTabSz="825500">
-              <a:defRPr i="1" sz="3200">
+              <a:defRPr sz="3200" i="1">
                 <a:latin typeface="Helvetica Neue"/>
                 <a:ea typeface="Helvetica Neue"/>
                 <a:cs typeface="Helvetica Neue"/>
@@ -8871,8 +9103,8 @@
             </a:lvl1pPr>
           </a:lstStyle>
           <a:p>
-            <a:pPr/>
-            <a:r>
+            <a:r>
+              <a:rPr dirty="0"/>
               <a:t>Simple Task</a:t>
             </a:r>
           </a:p>
@@ -8886,7 +9118,7 @@
         </p:nvSpPr>
         <p:spPr>
           <a:xfrm>
-            <a:off x="-349" y="3946761"/>
+            <a:off x="115097" y="3946761"/>
             <a:ext cx="2160931" cy="573231"/>
           </a:xfrm>
           <a:prstGeom prst="rect">
@@ -8907,7 +9139,7 @@
           </a:bodyPr>
           <a:lstStyle>
             <a:lvl1pPr defTabSz="825500">
-              <a:defRPr i="1" sz="3200">
+              <a:defRPr sz="3200" i="1">
                 <a:latin typeface="Helvetica Neue"/>
                 <a:ea typeface="Helvetica Neue"/>
                 <a:cs typeface="Helvetica Neue"/>
@@ -8916,8 +9148,8 @@
             </a:lvl1pPr>
           </a:lstStyle>
           <a:p>
-            <a:pPr/>
-            <a:r>
+            <a:r>
+              <a:rPr dirty="0"/>
               <a:t>Launch Task</a:t>
             </a:r>
           </a:p>
@@ -8931,7 +9163,7 @@
         </p:nvSpPr>
         <p:spPr>
           <a:xfrm>
-            <a:off x="17126" y="5650690"/>
+            <a:off x="132572" y="5650690"/>
             <a:ext cx="2176781" cy="573231"/>
           </a:xfrm>
           <a:prstGeom prst="rect">
@@ -8952,7 +9184,7 @@
           </a:bodyPr>
           <a:lstStyle>
             <a:lvl1pPr defTabSz="825500">
-              <a:defRPr i="1" sz="3200">
+              <a:defRPr sz="3200" i="1">
                 <a:latin typeface="Helvetica Neue"/>
                 <a:ea typeface="Helvetica Neue"/>
                 <a:cs typeface="Helvetica Neue"/>
@@ -8961,8 +9193,8 @@
             </a:lvl1pPr>
           </a:lstStyle>
           <a:p>
-            <a:pPr/>
-            <a:r>
+            <a:r>
+              <a:rPr dirty="0"/>
               <a:t>Review Logs</a:t>
             </a:r>
           </a:p>
@@ -8971,7 +9203,9 @@
       <p:sp>
         <p:nvSpPr>
           <p:cNvPr id="194" name="Slide Number"/>
-          <p:cNvSpPr/>
+          <p:cNvSpPr>
+            <a:spLocks noGrp="1"/>
+          </p:cNvSpPr>
           <p:nvPr>
             <p:ph type="sldNum" sz="quarter" idx="2"/>
           </p:nvPr>
@@ -8994,8 +9228,10 @@
           <a:bodyPr/>
           <a:lstStyle/>
           <a:p>
-            <a:pPr/>
-            <a:fld id="{86CB4B4D-7CA3-9044-876B-883B54F8677D}" type="slidenum"/>
+            <a:fld id="{86CB4B4D-7CA3-9044-876B-883B54F8677D}" type="slidenum">
+              <a:t>6</a:t>
+            </a:fld>
+            <a:endParaRPr/>
           </a:p>
         </p:txBody>
       </p:sp>
@@ -9004,12 +9240,19 @@
   <p:clrMapOvr>
     <a:masterClrMapping/>
   </p:clrMapOvr>
-  <p:transition xmlns:p14="http://schemas.microsoft.com/office/powerpoint/2010/main" spd="slow" advClick="1"/>
+  <p:transition xmlns:p14="http://schemas.microsoft.com/office/powerpoint/2010/main" spd="slow"/>
+  <p:timing>
+    <p:tnLst>
+      <p:par>
+        <p:cTn xmlns:p14="http://schemas.microsoft.com/office/powerpoint/2010/main" id="1" dur="indefinite" restart="never" nodeType="tmRoot"/>
+      </p:par>
+    </p:tnLst>
+  </p:timing>
 </p:sld>
 </file>
 
 <file path=ppt/slides/slide7.xml><?xml version="1.0" encoding="utf-8"?>
-<p:sld xmlns:a="http://schemas.openxmlformats.org/drawingml/2006/main" xmlns:r="http://schemas.openxmlformats.org/officeDocument/2006/relationships" xmlns:p="http://schemas.openxmlformats.org/presentationml/2006/main" showMasterSp="1" showMasterPhAnim="1">
+<p:sld xmlns:a="http://schemas.openxmlformats.org/drawingml/2006/main" xmlns:r="http://schemas.openxmlformats.org/officeDocument/2006/relationships" xmlns:p="http://schemas.openxmlformats.org/presentationml/2006/main">
   <p:cSld>
     <p:bg>
       <p:bgPr>
@@ -9026,6 +9269,7 @@
             <a:fillToRect l="50000" t="50000" r="50000" b="50000"/>
           </a:path>
         </a:gradFill>
+        <a:effectLst/>
       </p:bgPr>
     </p:bg>
     <p:spTree>
@@ -9080,7 +9324,6 @@
             </a:lvl1pPr>
           </a:lstStyle>
           <a:p>
-            <a:pPr/>
             <a:r>
               <a:t>Batch Processing in Spring Cloud Data Flow</a:t>
             </a:r>
@@ -9213,7 +9456,7 @@
         </p:nvSpPr>
         <p:spPr>
           <a:xfrm>
-            <a:off x="30257" y="2242831"/>
+            <a:off x="569017" y="2242831"/>
             <a:ext cx="5075226" cy="573231"/>
           </a:xfrm>
           <a:prstGeom prst="rect">
@@ -9234,7 +9477,7 @@
           </a:bodyPr>
           <a:lstStyle>
             <a:lvl1pPr defTabSz="825500">
-              <a:defRPr i="1" sz="3200">
+              <a:defRPr sz="3200" i="1">
                 <a:latin typeface="Helvetica Neue"/>
                 <a:ea typeface="Helvetica Neue"/>
                 <a:cs typeface="Helvetica Neue"/>
@@ -9243,8 +9486,8 @@
             </a:lvl1pPr>
           </a:lstStyle>
           <a:p>
-            <a:pPr/>
-            <a:r>
+            <a:r>
+              <a:rPr dirty="0"/>
               <a:t>Set Properties at definition time</a:t>
             </a:r>
           </a:p>
@@ -9258,8 +9501,8 @@
         </p:nvSpPr>
         <p:spPr>
           <a:xfrm>
-            <a:off x="10953" y="4020831"/>
-            <a:ext cx="7123571" cy="573231"/>
+            <a:off x="-198951" y="3958352"/>
+            <a:ext cx="8628448" cy="595035"/>
           </a:xfrm>
           <a:prstGeom prst="rect">
             <a:avLst/>
@@ -9274,12 +9517,12 @@
           </a:extLst>
         </p:spPr>
         <p:txBody>
-          <a:bodyPr lIns="50800" tIns="50800" rIns="50800" bIns="50800" anchor="ctr">
+          <a:bodyPr wrap="square" lIns="50800" tIns="50800" rIns="50800" bIns="50800" anchor="ctr">
             <a:spAutoFit/>
           </a:bodyPr>
           <a:lstStyle>
             <a:lvl1pPr defTabSz="825500">
-              <a:defRPr i="1" sz="3200">
+              <a:defRPr sz="3200" i="1">
                 <a:latin typeface="Helvetica Neue"/>
                 <a:ea typeface="Helvetica Neue"/>
                 <a:cs typeface="Helvetica Neue"/>
@@ -9288,8 +9531,8 @@
             </a:lvl1pPr>
           </a:lstStyle>
           <a:p>
-            <a:pPr/>
-            <a:r>
+            <a:r>
+              <a:rPr dirty="0"/>
               <a:t>Set Properties via arguments at launch time</a:t>
             </a:r>
           </a:p>
@@ -9355,7 +9598,7 @@
         </p:nvSpPr>
         <p:spPr>
           <a:xfrm>
-            <a:off x="44989" y="5697231"/>
+            <a:off x="583749" y="5697231"/>
             <a:ext cx="7001561" cy="573231"/>
           </a:xfrm>
           <a:prstGeom prst="rect">
@@ -9376,7 +9619,7 @@
           </a:bodyPr>
           <a:lstStyle>
             <a:lvl1pPr defTabSz="825500">
-              <a:defRPr i="1" sz="3200">
+              <a:defRPr sz="3200" i="1">
                 <a:latin typeface="Helvetica Neue"/>
                 <a:ea typeface="Helvetica Neue"/>
                 <a:cs typeface="Helvetica Neue"/>
@@ -9385,7 +9628,6 @@
             </a:lvl1pPr>
           </a:lstStyle>
           <a:p>
-            <a:pPr/>
             <a:r>
               <a:t>Set Properties via properties at launch time</a:t>
             </a:r>
@@ -9395,7 +9637,9 @@
       <p:sp>
         <p:nvSpPr>
           <p:cNvPr id="205" name="Slide Number"/>
-          <p:cNvSpPr/>
+          <p:cNvSpPr>
+            <a:spLocks noGrp="1"/>
+          </p:cNvSpPr>
           <p:nvPr>
             <p:ph type="sldNum" sz="quarter" idx="2"/>
           </p:nvPr>
@@ -9418,8 +9662,10 @@
           <a:bodyPr/>
           <a:lstStyle/>
           <a:p>
-            <a:pPr/>
-            <a:fld id="{86CB4B4D-7CA3-9044-876B-883B54F8677D}" type="slidenum"/>
+            <a:fld id="{86CB4B4D-7CA3-9044-876B-883B54F8677D}" type="slidenum">
+              <a:t>7</a:t>
+            </a:fld>
+            <a:endParaRPr/>
           </a:p>
         </p:txBody>
       </p:sp>
@@ -9428,12 +9674,19 @@
   <p:clrMapOvr>
     <a:masterClrMapping/>
   </p:clrMapOvr>
-  <p:transition xmlns:p14="http://schemas.microsoft.com/office/powerpoint/2010/main" spd="slow" advClick="1"/>
+  <p:transition xmlns:p14="http://schemas.microsoft.com/office/powerpoint/2010/main" spd="slow"/>
+  <p:timing>
+    <p:tnLst>
+      <p:par>
+        <p:cTn xmlns:p14="http://schemas.microsoft.com/office/powerpoint/2010/main" id="1" dur="indefinite" restart="never" nodeType="tmRoot"/>
+      </p:par>
+    </p:tnLst>
+  </p:timing>
 </p:sld>
 </file>
 
 <file path=ppt/slides/slide8.xml><?xml version="1.0" encoding="utf-8"?>
-<p:sld xmlns:a="http://schemas.openxmlformats.org/drawingml/2006/main" xmlns:r="http://schemas.openxmlformats.org/officeDocument/2006/relationships" xmlns:p="http://schemas.openxmlformats.org/presentationml/2006/main" showMasterSp="1" showMasterPhAnim="1">
+<p:sld xmlns:a="http://schemas.openxmlformats.org/drawingml/2006/main" xmlns:r="http://schemas.openxmlformats.org/officeDocument/2006/relationships" xmlns:p="http://schemas.openxmlformats.org/presentationml/2006/main">
   <p:cSld>
     <p:bg>
       <p:bgPr>
@@ -9450,6 +9703,7 @@
             <a:fillToRect l="50000" t="50000" r="50000" b="50000"/>
           </a:path>
         </a:gradFill>
+        <a:effectLst/>
       </p:bgPr>
     </p:bg>
     <p:spTree>
@@ -9504,7 +9758,6 @@
             </a:lvl1pPr>
           </a:lstStyle>
           <a:p>
-            <a:pPr/>
             <a:r>
               <a:t>Getting the Info</a:t>
             </a:r>
@@ -9623,7 +9876,7 @@
         </p:nvSpPr>
         <p:spPr>
           <a:xfrm>
-            <a:off x="77399" y="2242831"/>
+            <a:off x="629335" y="2275370"/>
             <a:ext cx="6504941" cy="573231"/>
           </a:xfrm>
           <a:prstGeom prst="rect">
@@ -9644,7 +9897,7 @@
           </a:bodyPr>
           <a:lstStyle>
             <a:lvl1pPr defTabSz="825500">
-              <a:defRPr i="1" sz="3200">
+              <a:defRPr sz="3200" i="1">
                 <a:latin typeface="Helvetica Neue"/>
                 <a:ea typeface="Helvetica Neue"/>
                 <a:cs typeface="Helvetica Neue"/>
@@ -9653,8 +9906,8 @@
             </a:lvl1pPr>
           </a:lstStyle>
           <a:p>
-            <a:pPr/>
-            <a:r>
+            <a:r>
+              <a:rPr dirty="0"/>
               <a:t>Receive a list of available task definitions</a:t>
             </a:r>
           </a:p>
@@ -9668,8 +9921,8 @@
         </p:nvSpPr>
         <p:spPr>
           <a:xfrm>
-            <a:off x="10953" y="4020831"/>
-            <a:ext cx="6781520" cy="573231"/>
+            <a:off x="-187510" y="4061711"/>
+            <a:ext cx="8224378" cy="595035"/>
           </a:xfrm>
           <a:prstGeom prst="rect">
             <a:avLst/>
@@ -9684,12 +9937,12 @@
           </a:extLst>
         </p:spPr>
         <p:txBody>
-          <a:bodyPr lIns="50800" tIns="50800" rIns="50800" bIns="50800" anchor="ctr">
+          <a:bodyPr wrap="square" lIns="50800" tIns="50800" rIns="50800" bIns="50800" anchor="ctr">
             <a:spAutoFit/>
           </a:bodyPr>
           <a:lstStyle>
             <a:lvl1pPr defTabSz="825500">
-              <a:defRPr i="1" sz="3200">
+              <a:defRPr sz="3200" i="1">
                 <a:latin typeface="Helvetica Neue"/>
                 <a:ea typeface="Helvetica Neue"/>
                 <a:cs typeface="Helvetica Neue"/>
@@ -9698,8 +9951,8 @@
             </a:lvl1pPr>
           </a:lstStyle>
           <a:p>
-            <a:pPr/>
-            <a:r>
+            <a:r>
+              <a:rPr dirty="0"/>
               <a:t>Receive a list of previous task executions</a:t>
             </a:r>
           </a:p>
@@ -9765,7 +10018,7 @@
         </p:nvSpPr>
         <p:spPr>
           <a:xfrm>
-            <a:off x="46513" y="5697231"/>
+            <a:off x="598449" y="5729770"/>
             <a:ext cx="6414313" cy="573231"/>
           </a:xfrm>
           <a:prstGeom prst="rect">
@@ -9786,7 +10039,7 @@
           </a:bodyPr>
           <a:lstStyle>
             <a:lvl1pPr defTabSz="825500">
-              <a:defRPr i="1" sz="3200">
+              <a:defRPr sz="3200" i="1">
                 <a:latin typeface="Helvetica Neue"/>
                 <a:ea typeface="Helvetica Neue"/>
                 <a:cs typeface="Helvetica Neue"/>
@@ -9795,8 +10048,8 @@
             </a:lvl1pPr>
           </a:lstStyle>
           <a:p>
-            <a:pPr/>
-            <a:r>
+            <a:r>
+              <a:rPr dirty="0"/>
               <a:t>Get details on a specific task execution</a:t>
             </a:r>
           </a:p>
@@ -9805,7 +10058,9 @@
       <p:sp>
         <p:nvSpPr>
           <p:cNvPr id="216" name="Slide Number"/>
-          <p:cNvSpPr/>
+          <p:cNvSpPr>
+            <a:spLocks noGrp="1"/>
+          </p:cNvSpPr>
           <p:nvPr>
             <p:ph type="sldNum" sz="quarter" idx="2"/>
           </p:nvPr>
@@ -9828,8 +10083,10 @@
           <a:bodyPr/>
           <a:lstStyle/>
           <a:p>
-            <a:pPr/>
-            <a:fld id="{86CB4B4D-7CA3-9044-876B-883B54F8677D}" type="slidenum"/>
+            <a:fld id="{86CB4B4D-7CA3-9044-876B-883B54F8677D}" type="slidenum">
+              <a:t>8</a:t>
+            </a:fld>
+            <a:endParaRPr/>
           </a:p>
         </p:txBody>
       </p:sp>
@@ -9838,12 +10095,19 @@
   <p:clrMapOvr>
     <a:masterClrMapping/>
   </p:clrMapOvr>
-  <p:transition xmlns:p14="http://schemas.microsoft.com/office/powerpoint/2010/main" spd="slow" advClick="1"/>
+  <p:transition xmlns:p14="http://schemas.microsoft.com/office/powerpoint/2010/main" spd="slow"/>
+  <p:timing>
+    <p:tnLst>
+      <p:par>
+        <p:cTn xmlns:p14="http://schemas.microsoft.com/office/powerpoint/2010/main" id="1" dur="indefinite" restart="never" nodeType="tmRoot"/>
+      </p:par>
+    </p:tnLst>
+  </p:timing>
 </p:sld>
 </file>
 
 <file path=ppt/slides/slide9.xml><?xml version="1.0" encoding="utf-8"?>
-<p:sld xmlns:a="http://schemas.openxmlformats.org/drawingml/2006/main" xmlns:r="http://schemas.openxmlformats.org/officeDocument/2006/relationships" xmlns:p="http://schemas.openxmlformats.org/presentationml/2006/main" showMasterSp="1" showMasterPhAnim="1">
+<p:sld xmlns:a="http://schemas.openxmlformats.org/drawingml/2006/main" xmlns:r="http://schemas.openxmlformats.org/officeDocument/2006/relationships" xmlns:p="http://schemas.openxmlformats.org/presentationml/2006/main">
   <p:cSld>
     <p:spTree>
       <p:nvGrpSpPr>
@@ -9888,7 +10152,7 @@
           </a:bodyPr>
           <a:lstStyle>
             <a:lvl1pPr>
-              <a:defRPr i="1" sz="6000">
+              <a:defRPr sz="6000" i="1">
                 <a:latin typeface="Helvetica Neue"/>
                 <a:ea typeface="Helvetica Neue"/>
                 <a:cs typeface="Helvetica Neue"/>
@@ -9897,7 +10161,6 @@
             </a:lvl1pPr>
           </a:lstStyle>
           <a:p>
-            <a:pPr/>
             <a:r>
               <a:t>Demo: timestamp()</a:t>
             </a:r>
@@ -9907,7 +10170,9 @@
       <p:sp>
         <p:nvSpPr>
           <p:cNvPr id="219" name="Slide Number"/>
-          <p:cNvSpPr/>
+          <p:cNvSpPr>
+            <a:spLocks noGrp="1"/>
+          </p:cNvSpPr>
           <p:nvPr>
             <p:ph type="sldNum" sz="quarter" idx="2"/>
           </p:nvPr>
@@ -9930,8 +10195,10 @@
           <a:bodyPr/>
           <a:lstStyle/>
           <a:p>
-            <a:pPr/>
-            <a:fld id="{86CB4B4D-7CA3-9044-876B-883B54F8677D}" type="slidenum"/>
+            <a:fld id="{86CB4B4D-7CA3-9044-876B-883B54F8677D}" type="slidenum">
+              <a:t>9</a:t>
+            </a:fld>
+            <a:endParaRPr/>
           </a:p>
         </p:txBody>
       </p:sp>
@@ -9940,12 +10207,19 @@
   <p:clrMapOvr>
     <a:masterClrMapping/>
   </p:clrMapOvr>
-  <p:transition xmlns:p14="http://schemas.microsoft.com/office/powerpoint/2010/main" spd="slow" advClick="1"/>
+  <p:transition xmlns:p14="http://schemas.microsoft.com/office/powerpoint/2010/main" spd="slow"/>
+  <p:timing>
+    <p:tnLst>
+      <p:par>
+        <p:cTn xmlns:p14="http://schemas.microsoft.com/office/powerpoint/2010/main" id="1" dur="indefinite" restart="never" nodeType="tmRoot"/>
+      </p:par>
+    </p:tnLst>
+  </p:timing>
 </p:sld>
 </file>
 
 <file path=ppt/theme/theme1.xml><?xml version="1.0" encoding="utf-8"?>
-<a:theme xmlns:a="http://schemas.openxmlformats.org/drawingml/2006/main" xmlns:r="http://schemas.openxmlformats.org/officeDocument/2006/relationships" name="Black">
+<a:theme xmlns:a="http://schemas.openxmlformats.org/drawingml/2006/main" name="Black">
   <a:themeElements>
     <a:clrScheme name="Black">
       <a:dk1>
@@ -10135,8 +10409,8 @@
     <a:spDef>
       <a:spPr>
         <a:blipFill rotWithShape="1">
-          <a:blip r:embed="rId1"/>
-          <a:srcRect l="0" t="0" r="0" b="0"/>
+          <a:blip xmlns:r="http://schemas.openxmlformats.org/officeDocument/2006/relationships" r:embed="rId1"/>
+          <a:srcRect/>
           <a:tile tx="0" ty="0" sx="100000" sy="100000" flip="none" algn="tl"/>
         </a:blipFill>
         <a:ln w="12700" cap="flat">
@@ -10146,7 +10420,7 @@
         <a:effectLst/>
         <a:sp3d/>
       </a:spPr>
-      <a:bodyPr rot="0" spcFirstLastPara="1" vertOverflow="overflow" horzOverflow="overflow" vert="horz" wrap="square" lIns="50800" tIns="50800" rIns="50800" bIns="50800" numCol="1" spcCol="38100" rtlCol="0" anchor="ctr" upright="0">
+      <a:bodyPr rot="0" spcFirstLastPara="1" vertOverflow="overflow" horzOverflow="overflow" vert="horz" wrap="square" lIns="50800" tIns="50800" rIns="50800" bIns="50800" numCol="1" spcCol="38100" rtlCol="0" anchor="ctr">
         <a:spAutoFit/>
       </a:bodyPr>
       <a:lstStyle>
@@ -10165,7 +10439,7 @@
           <a:buFontTx/>
           <a:buNone/>
           <a:tabLst/>
-          <a:defRPr b="0" baseline="0" cap="none" i="0" spc="0" strike="noStrike" sz="2600" u="none" kumimoji="0" normalizeH="0">
+          <a:defRPr kumimoji="0" sz="2600" b="0" i="0" u="none" strike="noStrike" cap="none" spc="0" normalizeH="0" baseline="0">
             <a:ln>
               <a:noFill/>
             </a:ln>
@@ -10195,7 +10469,7 @@
           <a:buFontTx/>
           <a:buNone/>
           <a:tabLst/>
-          <a:defRPr b="0" baseline="0" cap="none" i="0" spc="0" strike="noStrike" sz="1800" u="none" kumimoji="0" normalizeH="0">
+          <a:defRPr kumimoji="0" sz="1800" b="0" i="0" u="none" strike="noStrike" cap="none" spc="0" normalizeH="0" baseline="0">
             <a:ln>
               <a:noFill/>
             </a:ln>
@@ -10221,7 +10495,7 @@
           <a:buFontTx/>
           <a:buNone/>
           <a:tabLst/>
-          <a:defRPr b="0" baseline="0" cap="none" i="0" spc="0" strike="noStrike" sz="1800" u="none" kumimoji="0" normalizeH="0">
+          <a:defRPr kumimoji="0" sz="1800" b="0" i="0" u="none" strike="noStrike" cap="none" spc="0" normalizeH="0" baseline="0">
             <a:ln>
               <a:noFill/>
             </a:ln>
@@ -10247,7 +10521,7 @@
           <a:buFontTx/>
           <a:buNone/>
           <a:tabLst/>
-          <a:defRPr b="0" baseline="0" cap="none" i="0" spc="0" strike="noStrike" sz="1800" u="none" kumimoji="0" normalizeH="0">
+          <a:defRPr kumimoji="0" sz="1800" b="0" i="0" u="none" strike="noStrike" cap="none" spc="0" normalizeH="0" baseline="0">
             <a:ln>
               <a:noFill/>
             </a:ln>
@@ -10273,7 +10547,7 @@
           <a:buFontTx/>
           <a:buNone/>
           <a:tabLst/>
-          <a:defRPr b="0" baseline="0" cap="none" i="0" spc="0" strike="noStrike" sz="1800" u="none" kumimoji="0" normalizeH="0">
+          <a:defRPr kumimoji="0" sz="1800" b="0" i="0" u="none" strike="noStrike" cap="none" spc="0" normalizeH="0" baseline="0">
             <a:ln>
               <a:noFill/>
             </a:ln>
@@ -10299,7 +10573,7 @@
           <a:buFontTx/>
           <a:buNone/>
           <a:tabLst/>
-          <a:defRPr b="0" baseline="0" cap="none" i="0" spc="0" strike="noStrike" sz="1800" u="none" kumimoji="0" normalizeH="0">
+          <a:defRPr kumimoji="0" sz="1800" b="0" i="0" u="none" strike="noStrike" cap="none" spc="0" normalizeH="0" baseline="0">
             <a:ln>
               <a:noFill/>
             </a:ln>
@@ -10325,7 +10599,7 @@
           <a:buFontTx/>
           <a:buNone/>
           <a:tabLst/>
-          <a:defRPr b="0" baseline="0" cap="none" i="0" spc="0" strike="noStrike" sz="1800" u="none" kumimoji="0" normalizeH="0">
+          <a:defRPr kumimoji="0" sz="1800" b="0" i="0" u="none" strike="noStrike" cap="none" spc="0" normalizeH="0" baseline="0">
             <a:ln>
               <a:noFill/>
             </a:ln>
@@ -10351,7 +10625,7 @@
           <a:buFontTx/>
           <a:buNone/>
           <a:tabLst/>
-          <a:defRPr b="0" baseline="0" cap="none" i="0" spc="0" strike="noStrike" sz="1800" u="none" kumimoji="0" normalizeH="0">
+          <a:defRPr kumimoji="0" sz="1800" b="0" i="0" u="none" strike="noStrike" cap="none" spc="0" normalizeH="0" baseline="0">
             <a:ln>
               <a:noFill/>
             </a:ln>
@@ -10377,7 +10651,7 @@
           <a:buFontTx/>
           <a:buNone/>
           <a:tabLst/>
-          <a:defRPr b="0" baseline="0" cap="none" i="0" spc="0" strike="noStrike" sz="1800" u="none" kumimoji="0" normalizeH="0">
+          <a:defRPr kumimoji="0" sz="1800" b="0" i="0" u="none" strike="noStrike" cap="none" spc="0" normalizeH="0" baseline="0">
             <a:ln>
               <a:noFill/>
             </a:ln>
@@ -10403,7 +10677,7 @@
           <a:buFontTx/>
           <a:buNone/>
           <a:tabLst/>
-          <a:defRPr b="0" baseline="0" cap="none" i="0" spc="0" strike="noStrike" sz="1800" u="none" kumimoji="0" normalizeH="0">
+          <a:defRPr kumimoji="0" sz="1800" b="0" i="0" u="none" strike="noStrike" cap="none" spc="0" normalizeH="0" baseline="0">
             <a:ln>
               <a:noFill/>
             </a:ln>
@@ -10416,9 +10690,15 @@
         </a:lvl9pPr>
       </a:lstStyle>
       <a:style>
-        <a:lnRef idx="0"/>
-        <a:fillRef idx="0"/>
-        <a:effectRef idx="0"/>
+        <a:lnRef idx="0">
+          <a:scrgbClr r="0" g="0" b="0"/>
+        </a:lnRef>
+        <a:fillRef idx="0">
+          <a:scrgbClr r="0" g="0" b="0"/>
+        </a:fillRef>
+        <a:effectRef idx="0">
+          <a:scrgbClr r="0" g="0" b="0"/>
+        </a:effectRef>
         <a:fontRef idx="none"/>
       </a:style>
     </a:spDef>
@@ -10435,7 +10715,7 @@
         <a:effectLst/>
         <a:sp3d/>
       </a:spPr>
-      <a:bodyPr rot="0" spcFirstLastPara="1" vertOverflow="overflow" horzOverflow="overflow" vert="horz" wrap="square" lIns="91439" tIns="45719" rIns="91439" bIns="45719" numCol="1" spcCol="38100" rtlCol="0" anchor="t" upright="0">
+      <a:bodyPr rot="0" spcFirstLastPara="1" vertOverflow="overflow" horzOverflow="overflow" vert="horz" wrap="square" lIns="91439" tIns="45719" rIns="91439" bIns="45719" numCol="1" spcCol="38100" rtlCol="0" anchor="t">
         <a:noAutofit/>
       </a:bodyPr>
       <a:lstStyle>
@@ -10454,7 +10734,7 @@
           <a:buFontTx/>
           <a:buNone/>
           <a:tabLst/>
-          <a:defRPr b="0" baseline="0" cap="none" i="0" spc="0" strike="noStrike" sz="1800" u="none" kumimoji="0" normalizeH="0">
+          <a:defRPr kumimoji="0" sz="1800" b="0" i="0" u="none" strike="noStrike" cap="none" spc="0" normalizeH="0" baseline="0">
             <a:ln>
               <a:noFill/>
             </a:ln>
@@ -10480,7 +10760,7 @@
           <a:buFontTx/>
           <a:buNone/>
           <a:tabLst/>
-          <a:defRPr b="0" baseline="0" cap="none" i="0" spc="0" strike="noStrike" sz="1800" u="none" kumimoji="0" normalizeH="0">
+          <a:defRPr kumimoji="0" sz="1800" b="0" i="0" u="none" strike="noStrike" cap="none" spc="0" normalizeH="0" baseline="0">
             <a:ln>
               <a:noFill/>
             </a:ln>
@@ -10506,7 +10786,7 @@
           <a:buFontTx/>
           <a:buNone/>
           <a:tabLst/>
-          <a:defRPr b="0" baseline="0" cap="none" i="0" spc="0" strike="noStrike" sz="1800" u="none" kumimoji="0" normalizeH="0">
+          <a:defRPr kumimoji="0" sz="1800" b="0" i="0" u="none" strike="noStrike" cap="none" spc="0" normalizeH="0" baseline="0">
             <a:ln>
               <a:noFill/>
             </a:ln>
@@ -10532,7 +10812,7 @@
           <a:buFontTx/>
           <a:buNone/>
           <a:tabLst/>
-          <a:defRPr b="0" baseline="0" cap="none" i="0" spc="0" strike="noStrike" sz="1800" u="none" kumimoji="0" normalizeH="0">
+          <a:defRPr kumimoji="0" sz="1800" b="0" i="0" u="none" strike="noStrike" cap="none" spc="0" normalizeH="0" baseline="0">
             <a:ln>
               <a:noFill/>
             </a:ln>
@@ -10558,7 +10838,7 @@
           <a:buFontTx/>
           <a:buNone/>
           <a:tabLst/>
-          <a:defRPr b="0" baseline="0" cap="none" i="0" spc="0" strike="noStrike" sz="1800" u="none" kumimoji="0" normalizeH="0">
+          <a:defRPr kumimoji="0" sz="1800" b="0" i="0" u="none" strike="noStrike" cap="none" spc="0" normalizeH="0" baseline="0">
             <a:ln>
               <a:noFill/>
             </a:ln>
@@ -10584,7 +10864,7 @@
           <a:buFontTx/>
           <a:buNone/>
           <a:tabLst/>
-          <a:defRPr b="0" baseline="0" cap="none" i="0" spc="0" strike="noStrike" sz="1800" u="none" kumimoji="0" normalizeH="0">
+          <a:defRPr kumimoji="0" sz="1800" b="0" i="0" u="none" strike="noStrike" cap="none" spc="0" normalizeH="0" baseline="0">
             <a:ln>
               <a:noFill/>
             </a:ln>
@@ -10610,7 +10890,7 @@
           <a:buFontTx/>
           <a:buNone/>
           <a:tabLst/>
-          <a:defRPr b="0" baseline="0" cap="none" i="0" spc="0" strike="noStrike" sz="1800" u="none" kumimoji="0" normalizeH="0">
+          <a:defRPr kumimoji="0" sz="1800" b="0" i="0" u="none" strike="noStrike" cap="none" spc="0" normalizeH="0" baseline="0">
             <a:ln>
               <a:noFill/>
             </a:ln>
@@ -10636,7 +10916,7 @@
           <a:buFontTx/>
           <a:buNone/>
           <a:tabLst/>
-          <a:defRPr b="0" baseline="0" cap="none" i="0" spc="0" strike="noStrike" sz="1800" u="none" kumimoji="0" normalizeH="0">
+          <a:defRPr kumimoji="0" sz="1800" b="0" i="0" u="none" strike="noStrike" cap="none" spc="0" normalizeH="0" baseline="0">
             <a:ln>
               <a:noFill/>
             </a:ln>
@@ -10662,7 +10942,7 @@
           <a:buFontTx/>
           <a:buNone/>
           <a:tabLst/>
-          <a:defRPr b="0" baseline="0" cap="none" i="0" spc="0" strike="noStrike" sz="1800" u="none" kumimoji="0" normalizeH="0">
+          <a:defRPr kumimoji="0" sz="1800" b="0" i="0" u="none" strike="noStrike" cap="none" spc="0" normalizeH="0" baseline="0">
             <a:ln>
               <a:noFill/>
             </a:ln>
@@ -10688,7 +10968,7 @@
           <a:buFontTx/>
           <a:buNone/>
           <a:tabLst/>
-          <a:defRPr b="0" baseline="0" cap="none" i="0" spc="0" strike="noStrike" sz="1800" u="none" kumimoji="0" normalizeH="0">
+          <a:defRPr kumimoji="0" sz="1800" b="0" i="0" u="none" strike="noStrike" cap="none" spc="0" normalizeH="0" baseline="0">
             <a:ln>
               <a:noFill/>
             </a:ln>
@@ -10701,9 +10981,15 @@
         </a:lvl9pPr>
       </a:lstStyle>
       <a:style>
-        <a:lnRef idx="0"/>
-        <a:fillRef idx="0"/>
-        <a:effectRef idx="0"/>
+        <a:lnRef idx="0">
+          <a:scrgbClr r="0" g="0" b="0"/>
+        </a:lnRef>
+        <a:fillRef idx="0">
+          <a:scrgbClr r="0" g="0" b="0"/>
+        </a:fillRef>
+        <a:effectRef idx="0">
+          <a:scrgbClr r="0" g="0" b="0"/>
+        </a:effectRef>
         <a:fontRef idx="none"/>
       </a:style>
     </a:lnDef>
@@ -10717,7 +11003,7 @@
         <a:effectLst/>
         <a:sp3d/>
       </a:spPr>
-      <a:bodyPr rot="0" spcFirstLastPara="1" vertOverflow="overflow" horzOverflow="overflow" vert="horz" wrap="square" lIns="50800" tIns="50800" rIns="50800" bIns="50800" numCol="1" spcCol="38100" rtlCol="0" anchor="ctr" upright="0">
+      <a:bodyPr rot="0" spcFirstLastPara="1" vertOverflow="overflow" horzOverflow="overflow" vert="horz" wrap="square" lIns="50800" tIns="50800" rIns="50800" bIns="50800" numCol="1" spcCol="38100" rtlCol="0" anchor="ctr">
         <a:spAutoFit/>
       </a:bodyPr>
       <a:lstStyle>
@@ -10736,7 +11022,7 @@
           <a:buFontTx/>
           <a:buNone/>
           <a:tabLst/>
-          <a:defRPr b="0" baseline="0" cap="none" i="0" spc="0" strike="noStrike" sz="3600" u="none" kumimoji="0" normalizeH="0">
+          <a:defRPr kumimoji="0" sz="3600" b="0" i="0" u="none" strike="noStrike" cap="none" spc="0" normalizeH="0" baseline="0">
             <a:ln>
               <a:noFill/>
             </a:ln>
@@ -10766,7 +11052,7 @@
           <a:buFontTx/>
           <a:buNone/>
           <a:tabLst/>
-          <a:defRPr b="0" baseline="0" cap="none" i="0" spc="0" strike="noStrike" sz="1800" u="none" kumimoji="0" normalizeH="0">
+          <a:defRPr kumimoji="0" sz="1800" b="0" i="0" u="none" strike="noStrike" cap="none" spc="0" normalizeH="0" baseline="0">
             <a:ln>
               <a:noFill/>
             </a:ln>
@@ -10792,7 +11078,7 @@
           <a:buFontTx/>
           <a:buNone/>
           <a:tabLst/>
-          <a:defRPr b="0" baseline="0" cap="none" i="0" spc="0" strike="noStrike" sz="1800" u="none" kumimoji="0" normalizeH="0">
+          <a:defRPr kumimoji="0" sz="1800" b="0" i="0" u="none" strike="noStrike" cap="none" spc="0" normalizeH="0" baseline="0">
             <a:ln>
               <a:noFill/>
             </a:ln>
@@ -10818,7 +11104,7 @@
           <a:buFontTx/>
           <a:buNone/>
           <a:tabLst/>
-          <a:defRPr b="0" baseline="0" cap="none" i="0" spc="0" strike="noStrike" sz="1800" u="none" kumimoji="0" normalizeH="0">
+          <a:defRPr kumimoji="0" sz="1800" b="0" i="0" u="none" strike="noStrike" cap="none" spc="0" normalizeH="0" baseline="0">
             <a:ln>
               <a:noFill/>
             </a:ln>
@@ -10844,7 +11130,7 @@
           <a:buFontTx/>
           <a:buNone/>
           <a:tabLst/>
-          <a:defRPr b="0" baseline="0" cap="none" i="0" spc="0" strike="noStrike" sz="1800" u="none" kumimoji="0" normalizeH="0">
+          <a:defRPr kumimoji="0" sz="1800" b="0" i="0" u="none" strike="noStrike" cap="none" spc="0" normalizeH="0" baseline="0">
             <a:ln>
               <a:noFill/>
             </a:ln>
@@ -10870,7 +11156,7 @@
           <a:buFontTx/>
           <a:buNone/>
           <a:tabLst/>
-          <a:defRPr b="0" baseline="0" cap="none" i="0" spc="0" strike="noStrike" sz="1800" u="none" kumimoji="0" normalizeH="0">
+          <a:defRPr kumimoji="0" sz="1800" b="0" i="0" u="none" strike="noStrike" cap="none" spc="0" normalizeH="0" baseline="0">
             <a:ln>
               <a:noFill/>
             </a:ln>
@@ -10896,7 +11182,7 @@
           <a:buFontTx/>
           <a:buNone/>
           <a:tabLst/>
-          <a:defRPr b="0" baseline="0" cap="none" i="0" spc="0" strike="noStrike" sz="1800" u="none" kumimoji="0" normalizeH="0">
+          <a:defRPr kumimoji="0" sz="1800" b="0" i="0" u="none" strike="noStrike" cap="none" spc="0" normalizeH="0" baseline="0">
             <a:ln>
               <a:noFill/>
             </a:ln>
@@ -10922,7 +11208,7 @@
           <a:buFontTx/>
           <a:buNone/>
           <a:tabLst/>
-          <a:defRPr b="0" baseline="0" cap="none" i="0" spc="0" strike="noStrike" sz="1800" u="none" kumimoji="0" normalizeH="0">
+          <a:defRPr kumimoji="0" sz="1800" b="0" i="0" u="none" strike="noStrike" cap="none" spc="0" normalizeH="0" baseline="0">
             <a:ln>
               <a:noFill/>
             </a:ln>
@@ -10948,7 +11234,7 @@
           <a:buFontTx/>
           <a:buNone/>
           <a:tabLst/>
-          <a:defRPr b="0" baseline="0" cap="none" i="0" spc="0" strike="noStrike" sz="1800" u="none" kumimoji="0" normalizeH="0">
+          <a:defRPr kumimoji="0" sz="1800" b="0" i="0" u="none" strike="noStrike" cap="none" spc="0" normalizeH="0" baseline="0">
             <a:ln>
               <a:noFill/>
             </a:ln>
@@ -10974,7 +11260,7 @@
           <a:buFontTx/>
           <a:buNone/>
           <a:tabLst/>
-          <a:defRPr b="0" baseline="0" cap="none" i="0" spc="0" strike="noStrike" sz="1800" u="none" kumimoji="0" normalizeH="0">
+          <a:defRPr kumimoji="0" sz="1800" b="0" i="0" u="none" strike="noStrike" cap="none" spc="0" normalizeH="0" baseline="0">
             <a:ln>
               <a:noFill/>
             </a:ln>
@@ -10987,18 +11273,25 @@
         </a:lvl9pPr>
       </a:lstStyle>
       <a:style>
-        <a:lnRef idx="0"/>
-        <a:fillRef idx="0"/>
-        <a:effectRef idx="0"/>
+        <a:lnRef idx="0">
+          <a:scrgbClr r="0" g="0" b="0"/>
+        </a:lnRef>
+        <a:fillRef idx="0">
+          <a:scrgbClr r="0" g="0" b="0"/>
+        </a:fillRef>
+        <a:effectRef idx="0">
+          <a:scrgbClr r="0" g="0" b="0"/>
+        </a:effectRef>
         <a:fontRef idx="none"/>
       </a:style>
     </a:txDef>
   </a:objectDefaults>
+  <a:extraClrSchemeLst/>
 </a:theme>
 </file>
 
 <file path=ppt/theme/theme2.xml><?xml version="1.0" encoding="utf-8"?>
-<a:theme xmlns:a="http://schemas.openxmlformats.org/drawingml/2006/main" xmlns:r="http://schemas.openxmlformats.org/officeDocument/2006/relationships" name="Black">
+<a:theme xmlns:a="http://schemas.openxmlformats.org/drawingml/2006/main" name="Black">
   <a:themeElements>
     <a:clrScheme name="Black">
       <a:dk1>
@@ -11188,8 +11481,8 @@
     <a:spDef>
       <a:spPr>
         <a:blipFill rotWithShape="1">
-          <a:blip r:embed="rId1"/>
-          <a:srcRect l="0" t="0" r="0" b="0"/>
+          <a:blip xmlns:r="http://schemas.openxmlformats.org/officeDocument/2006/relationships" r:embed="rId1"/>
+          <a:srcRect/>
           <a:tile tx="0" ty="0" sx="100000" sy="100000" flip="none" algn="tl"/>
         </a:blipFill>
         <a:ln w="12700" cap="flat">
@@ -11199,7 +11492,7 @@
         <a:effectLst/>
         <a:sp3d/>
       </a:spPr>
-      <a:bodyPr rot="0" spcFirstLastPara="1" vertOverflow="overflow" horzOverflow="overflow" vert="horz" wrap="square" lIns="50800" tIns="50800" rIns="50800" bIns="50800" numCol="1" spcCol="38100" rtlCol="0" anchor="ctr" upright="0">
+      <a:bodyPr rot="0" spcFirstLastPara="1" vertOverflow="overflow" horzOverflow="overflow" vert="horz" wrap="square" lIns="50800" tIns="50800" rIns="50800" bIns="50800" numCol="1" spcCol="38100" rtlCol="0" anchor="ctr">
         <a:spAutoFit/>
       </a:bodyPr>
       <a:lstStyle>
@@ -11218,7 +11511,7 @@
           <a:buFontTx/>
           <a:buNone/>
           <a:tabLst/>
-          <a:defRPr b="0" baseline="0" cap="none" i="0" spc="0" strike="noStrike" sz="2600" u="none" kumimoji="0" normalizeH="0">
+          <a:defRPr kumimoji="0" sz="2600" b="0" i="0" u="none" strike="noStrike" cap="none" spc="0" normalizeH="0" baseline="0">
             <a:ln>
               <a:noFill/>
             </a:ln>
@@ -11248,7 +11541,7 @@
           <a:buFontTx/>
           <a:buNone/>
           <a:tabLst/>
-          <a:defRPr b="0" baseline="0" cap="none" i="0" spc="0" strike="noStrike" sz="1800" u="none" kumimoji="0" normalizeH="0">
+          <a:defRPr kumimoji="0" sz="1800" b="0" i="0" u="none" strike="noStrike" cap="none" spc="0" normalizeH="0" baseline="0">
             <a:ln>
               <a:noFill/>
             </a:ln>
@@ -11274,7 +11567,7 @@
           <a:buFontTx/>
           <a:buNone/>
           <a:tabLst/>
-          <a:defRPr b="0" baseline="0" cap="none" i="0" spc="0" strike="noStrike" sz="1800" u="none" kumimoji="0" normalizeH="0">
+          <a:defRPr kumimoji="0" sz="1800" b="0" i="0" u="none" strike="noStrike" cap="none" spc="0" normalizeH="0" baseline="0">
             <a:ln>
               <a:noFill/>
             </a:ln>
@@ -11300,7 +11593,7 @@
           <a:buFontTx/>
           <a:buNone/>
           <a:tabLst/>
-          <a:defRPr b="0" baseline="0" cap="none" i="0" spc="0" strike="noStrike" sz="1800" u="none" kumimoji="0" normalizeH="0">
+          <a:defRPr kumimoji="0" sz="1800" b="0" i="0" u="none" strike="noStrike" cap="none" spc="0" normalizeH="0" baseline="0">
             <a:ln>
               <a:noFill/>
             </a:ln>
@@ -11326,7 +11619,7 @@
           <a:buFontTx/>
           <a:buNone/>
           <a:tabLst/>
-          <a:defRPr b="0" baseline="0" cap="none" i="0" spc="0" strike="noStrike" sz="1800" u="none" kumimoji="0" normalizeH="0">
+          <a:defRPr kumimoji="0" sz="1800" b="0" i="0" u="none" strike="noStrike" cap="none" spc="0" normalizeH="0" baseline="0">
             <a:ln>
               <a:noFill/>
             </a:ln>
@@ -11352,7 +11645,7 @@
           <a:buFontTx/>
           <a:buNone/>
           <a:tabLst/>
-          <a:defRPr b="0" baseline="0" cap="none" i="0" spc="0" strike="noStrike" sz="1800" u="none" kumimoji="0" normalizeH="0">
+          <a:defRPr kumimoji="0" sz="1800" b="0" i="0" u="none" strike="noStrike" cap="none" spc="0" normalizeH="0" baseline="0">
             <a:ln>
               <a:noFill/>
             </a:ln>
@@ -11378,7 +11671,7 @@
           <a:buFontTx/>
           <a:buNone/>
           <a:tabLst/>
-          <a:defRPr b="0" baseline="0" cap="none" i="0" spc="0" strike="noStrike" sz="1800" u="none" kumimoji="0" normalizeH="0">
+          <a:defRPr kumimoji="0" sz="1800" b="0" i="0" u="none" strike="noStrike" cap="none" spc="0" normalizeH="0" baseline="0">
             <a:ln>
               <a:noFill/>
             </a:ln>
@@ -11404,7 +11697,7 @@
           <a:buFontTx/>
           <a:buNone/>
           <a:tabLst/>
-          <a:defRPr b="0" baseline="0" cap="none" i="0" spc="0" strike="noStrike" sz="1800" u="none" kumimoji="0" normalizeH="0">
+          <a:defRPr kumimoji="0" sz="1800" b="0" i="0" u="none" strike="noStrike" cap="none" spc="0" normalizeH="0" baseline="0">
             <a:ln>
               <a:noFill/>
             </a:ln>
@@ -11430,7 +11723,7 @@
           <a:buFontTx/>
           <a:buNone/>
           <a:tabLst/>
-          <a:defRPr b="0" baseline="0" cap="none" i="0" spc="0" strike="noStrike" sz="1800" u="none" kumimoji="0" normalizeH="0">
+          <a:defRPr kumimoji="0" sz="1800" b="0" i="0" u="none" strike="noStrike" cap="none" spc="0" normalizeH="0" baseline="0">
             <a:ln>
               <a:noFill/>
             </a:ln>
@@ -11456,7 +11749,7 @@
           <a:buFontTx/>
           <a:buNone/>
           <a:tabLst/>
-          <a:defRPr b="0" baseline="0" cap="none" i="0" spc="0" strike="noStrike" sz="1800" u="none" kumimoji="0" normalizeH="0">
+          <a:defRPr kumimoji="0" sz="1800" b="0" i="0" u="none" strike="noStrike" cap="none" spc="0" normalizeH="0" baseline="0">
             <a:ln>
               <a:noFill/>
             </a:ln>
@@ -11469,9 +11762,15 @@
         </a:lvl9pPr>
       </a:lstStyle>
       <a:style>
-        <a:lnRef idx="0"/>
-        <a:fillRef idx="0"/>
-        <a:effectRef idx="0"/>
+        <a:lnRef idx="0">
+          <a:scrgbClr r="0" g="0" b="0"/>
+        </a:lnRef>
+        <a:fillRef idx="0">
+          <a:scrgbClr r="0" g="0" b="0"/>
+        </a:fillRef>
+        <a:effectRef idx="0">
+          <a:scrgbClr r="0" g="0" b="0"/>
+        </a:effectRef>
         <a:fontRef idx="none"/>
       </a:style>
     </a:spDef>
@@ -11488,7 +11787,7 @@
         <a:effectLst/>
         <a:sp3d/>
       </a:spPr>
-      <a:bodyPr rot="0" spcFirstLastPara="1" vertOverflow="overflow" horzOverflow="overflow" vert="horz" wrap="square" lIns="91439" tIns="45719" rIns="91439" bIns="45719" numCol="1" spcCol="38100" rtlCol="0" anchor="t" upright="0">
+      <a:bodyPr rot="0" spcFirstLastPara="1" vertOverflow="overflow" horzOverflow="overflow" vert="horz" wrap="square" lIns="91439" tIns="45719" rIns="91439" bIns="45719" numCol="1" spcCol="38100" rtlCol="0" anchor="t">
         <a:noAutofit/>
       </a:bodyPr>
       <a:lstStyle>
@@ -11507,7 +11806,7 @@
           <a:buFontTx/>
           <a:buNone/>
           <a:tabLst/>
-          <a:defRPr b="0" baseline="0" cap="none" i="0" spc="0" strike="noStrike" sz="1800" u="none" kumimoji="0" normalizeH="0">
+          <a:defRPr kumimoji="0" sz="1800" b="0" i="0" u="none" strike="noStrike" cap="none" spc="0" normalizeH="0" baseline="0">
             <a:ln>
               <a:noFill/>
             </a:ln>
@@ -11533,7 +11832,7 @@
           <a:buFontTx/>
           <a:buNone/>
           <a:tabLst/>
-          <a:defRPr b="0" baseline="0" cap="none" i="0" spc="0" strike="noStrike" sz="1800" u="none" kumimoji="0" normalizeH="0">
+          <a:defRPr kumimoji="0" sz="1800" b="0" i="0" u="none" strike="noStrike" cap="none" spc="0" normalizeH="0" baseline="0">
             <a:ln>
               <a:noFill/>
             </a:ln>
@@ -11559,7 +11858,7 @@
           <a:buFontTx/>
           <a:buNone/>
           <a:tabLst/>
-          <a:defRPr b="0" baseline="0" cap="none" i="0" spc="0" strike="noStrike" sz="1800" u="none" kumimoji="0" normalizeH="0">
+          <a:defRPr kumimoji="0" sz="1800" b="0" i="0" u="none" strike="noStrike" cap="none" spc="0" normalizeH="0" baseline="0">
             <a:ln>
               <a:noFill/>
             </a:ln>
@@ -11585,7 +11884,7 @@
           <a:buFontTx/>
           <a:buNone/>
           <a:tabLst/>
-          <a:defRPr b="0" baseline="0" cap="none" i="0" spc="0" strike="noStrike" sz="1800" u="none" kumimoji="0" normalizeH="0">
+          <a:defRPr kumimoji="0" sz="1800" b="0" i="0" u="none" strike="noStrike" cap="none" spc="0" normalizeH="0" baseline="0">
             <a:ln>
               <a:noFill/>
             </a:ln>
@@ -11611,7 +11910,7 @@
           <a:buFontTx/>
           <a:buNone/>
           <a:tabLst/>
-          <a:defRPr b="0" baseline="0" cap="none" i="0" spc="0" strike="noStrike" sz="1800" u="none" kumimoji="0" normalizeH="0">
+          <a:defRPr kumimoji="0" sz="1800" b="0" i="0" u="none" strike="noStrike" cap="none" spc="0" normalizeH="0" baseline="0">
             <a:ln>
               <a:noFill/>
             </a:ln>
@@ -11637,7 +11936,7 @@
           <a:buFontTx/>
           <a:buNone/>
           <a:tabLst/>
-          <a:defRPr b="0" baseline="0" cap="none" i="0" spc="0" strike="noStrike" sz="1800" u="none" kumimoji="0" normalizeH="0">
+          <a:defRPr kumimoji="0" sz="1800" b="0" i="0" u="none" strike="noStrike" cap="none" spc="0" normalizeH="0" baseline="0">
             <a:ln>
               <a:noFill/>
             </a:ln>
@@ -11663,7 +11962,7 @@
           <a:buFontTx/>
           <a:buNone/>
           <a:tabLst/>
-          <a:defRPr b="0" baseline="0" cap="none" i="0" spc="0" strike="noStrike" sz="1800" u="none" kumimoji="0" normalizeH="0">
+          <a:defRPr kumimoji="0" sz="1800" b="0" i="0" u="none" strike="noStrike" cap="none" spc="0" normalizeH="0" baseline="0">
             <a:ln>
               <a:noFill/>
             </a:ln>
@@ -11689,7 +11988,7 @@
           <a:buFontTx/>
           <a:buNone/>
           <a:tabLst/>
-          <a:defRPr b="0" baseline="0" cap="none" i="0" spc="0" strike="noStrike" sz="1800" u="none" kumimoji="0" normalizeH="0">
+          <a:defRPr kumimoji="0" sz="1800" b="0" i="0" u="none" strike="noStrike" cap="none" spc="0" normalizeH="0" baseline="0">
             <a:ln>
               <a:noFill/>
             </a:ln>
@@ -11715,7 +12014,7 @@
           <a:buFontTx/>
           <a:buNone/>
           <a:tabLst/>
-          <a:defRPr b="0" baseline="0" cap="none" i="0" spc="0" strike="noStrike" sz="1800" u="none" kumimoji="0" normalizeH="0">
+          <a:defRPr kumimoji="0" sz="1800" b="0" i="0" u="none" strike="noStrike" cap="none" spc="0" normalizeH="0" baseline="0">
             <a:ln>
               <a:noFill/>
             </a:ln>
@@ -11741,7 +12040,7 @@
           <a:buFontTx/>
           <a:buNone/>
           <a:tabLst/>
-          <a:defRPr b="0" baseline="0" cap="none" i="0" spc="0" strike="noStrike" sz="1800" u="none" kumimoji="0" normalizeH="0">
+          <a:defRPr kumimoji="0" sz="1800" b="0" i="0" u="none" strike="noStrike" cap="none" spc="0" normalizeH="0" baseline="0">
             <a:ln>
               <a:noFill/>
             </a:ln>
@@ -11754,9 +12053,15 @@
         </a:lvl9pPr>
       </a:lstStyle>
       <a:style>
-        <a:lnRef idx="0"/>
-        <a:fillRef idx="0"/>
-        <a:effectRef idx="0"/>
+        <a:lnRef idx="0">
+          <a:scrgbClr r="0" g="0" b="0"/>
+        </a:lnRef>
+        <a:fillRef idx="0">
+          <a:scrgbClr r="0" g="0" b="0"/>
+        </a:fillRef>
+        <a:effectRef idx="0">
+          <a:scrgbClr r="0" g="0" b="0"/>
+        </a:effectRef>
         <a:fontRef idx="none"/>
       </a:style>
     </a:lnDef>
@@ -11770,7 +12075,7 @@
         <a:effectLst/>
         <a:sp3d/>
       </a:spPr>
-      <a:bodyPr rot="0" spcFirstLastPara="1" vertOverflow="overflow" horzOverflow="overflow" vert="horz" wrap="square" lIns="50800" tIns="50800" rIns="50800" bIns="50800" numCol="1" spcCol="38100" rtlCol="0" anchor="ctr" upright="0">
+      <a:bodyPr rot="0" spcFirstLastPara="1" vertOverflow="overflow" horzOverflow="overflow" vert="horz" wrap="square" lIns="50800" tIns="50800" rIns="50800" bIns="50800" numCol="1" spcCol="38100" rtlCol="0" anchor="ctr">
         <a:spAutoFit/>
       </a:bodyPr>
       <a:lstStyle>
@@ -11789,7 +12094,7 @@
           <a:buFontTx/>
           <a:buNone/>
           <a:tabLst/>
-          <a:defRPr b="0" baseline="0" cap="none" i="0" spc="0" strike="noStrike" sz="3600" u="none" kumimoji="0" normalizeH="0">
+          <a:defRPr kumimoji="0" sz="3600" b="0" i="0" u="none" strike="noStrike" cap="none" spc="0" normalizeH="0" baseline="0">
             <a:ln>
               <a:noFill/>
             </a:ln>
@@ -11819,7 +12124,7 @@
           <a:buFontTx/>
           <a:buNone/>
           <a:tabLst/>
-          <a:defRPr b="0" baseline="0" cap="none" i="0" spc="0" strike="noStrike" sz="1800" u="none" kumimoji="0" normalizeH="0">
+          <a:defRPr kumimoji="0" sz="1800" b="0" i="0" u="none" strike="noStrike" cap="none" spc="0" normalizeH="0" baseline="0">
             <a:ln>
               <a:noFill/>
             </a:ln>
@@ -11845,7 +12150,7 @@
           <a:buFontTx/>
           <a:buNone/>
           <a:tabLst/>
-          <a:defRPr b="0" baseline="0" cap="none" i="0" spc="0" strike="noStrike" sz="1800" u="none" kumimoji="0" normalizeH="0">
+          <a:defRPr kumimoji="0" sz="1800" b="0" i="0" u="none" strike="noStrike" cap="none" spc="0" normalizeH="0" baseline="0">
             <a:ln>
               <a:noFill/>
             </a:ln>
@@ -11871,7 +12176,7 @@
           <a:buFontTx/>
           <a:buNone/>
           <a:tabLst/>
-          <a:defRPr b="0" baseline="0" cap="none" i="0" spc="0" strike="noStrike" sz="1800" u="none" kumimoji="0" normalizeH="0">
+          <a:defRPr kumimoji="0" sz="1800" b="0" i="0" u="none" strike="noStrike" cap="none" spc="0" normalizeH="0" baseline="0">
             <a:ln>
               <a:noFill/>
             </a:ln>
@@ -11897,7 +12202,7 @@
           <a:buFontTx/>
           <a:buNone/>
           <a:tabLst/>
-          <a:defRPr b="0" baseline="0" cap="none" i="0" spc="0" strike="noStrike" sz="1800" u="none" kumimoji="0" normalizeH="0">
+          <a:defRPr kumimoji="0" sz="1800" b="0" i="0" u="none" strike="noStrike" cap="none" spc="0" normalizeH="0" baseline="0">
             <a:ln>
               <a:noFill/>
             </a:ln>
@@ -11923,7 +12228,7 @@
           <a:buFontTx/>
           <a:buNone/>
           <a:tabLst/>
-          <a:defRPr b="0" baseline="0" cap="none" i="0" spc="0" strike="noStrike" sz="1800" u="none" kumimoji="0" normalizeH="0">
+          <a:defRPr kumimoji="0" sz="1800" b="0" i="0" u="none" strike="noStrike" cap="none" spc="0" normalizeH="0" baseline="0">
             <a:ln>
               <a:noFill/>
             </a:ln>
@@ -11949,7 +12254,7 @@
           <a:buFontTx/>
           <a:buNone/>
           <a:tabLst/>
-          <a:defRPr b="0" baseline="0" cap="none" i="0" spc="0" strike="noStrike" sz="1800" u="none" kumimoji="0" normalizeH="0">
+          <a:defRPr kumimoji="0" sz="1800" b="0" i="0" u="none" strike="noStrike" cap="none" spc="0" normalizeH="0" baseline="0">
             <a:ln>
               <a:noFill/>
             </a:ln>
@@ -11975,7 +12280,7 @@
           <a:buFontTx/>
           <a:buNone/>
           <a:tabLst/>
-          <a:defRPr b="0" baseline="0" cap="none" i="0" spc="0" strike="noStrike" sz="1800" u="none" kumimoji="0" normalizeH="0">
+          <a:defRPr kumimoji="0" sz="1800" b="0" i="0" u="none" strike="noStrike" cap="none" spc="0" normalizeH="0" baseline="0">
             <a:ln>
               <a:noFill/>
             </a:ln>
@@ -12001,7 +12306,7 @@
           <a:buFontTx/>
           <a:buNone/>
           <a:tabLst/>
-          <a:defRPr b="0" baseline="0" cap="none" i="0" spc="0" strike="noStrike" sz="1800" u="none" kumimoji="0" normalizeH="0">
+          <a:defRPr kumimoji="0" sz="1800" b="0" i="0" u="none" strike="noStrike" cap="none" spc="0" normalizeH="0" baseline="0">
             <a:ln>
               <a:noFill/>
             </a:ln>
@@ -12027,7 +12332,7 @@
           <a:buFontTx/>
           <a:buNone/>
           <a:tabLst/>
-          <a:defRPr b="0" baseline="0" cap="none" i="0" spc="0" strike="noStrike" sz="1800" u="none" kumimoji="0" normalizeH="0">
+          <a:defRPr kumimoji="0" sz="1800" b="0" i="0" u="none" strike="noStrike" cap="none" spc="0" normalizeH="0" baseline="0">
             <a:ln>
               <a:noFill/>
             </a:ln>
@@ -12040,12 +12345,19 @@
         </a:lvl9pPr>
       </a:lstStyle>
       <a:style>
-        <a:lnRef idx="0"/>
-        <a:fillRef idx="0"/>
-        <a:effectRef idx="0"/>
+        <a:lnRef idx="0">
+          <a:scrgbClr r="0" g="0" b="0"/>
+        </a:lnRef>
+        <a:fillRef idx="0">
+          <a:scrgbClr r="0" g="0" b="0"/>
+        </a:fillRef>
+        <a:effectRef idx="0">
+          <a:scrgbClr r="0" g="0" b="0"/>
+        </a:effectRef>
         <a:fontRef idx="none"/>
       </a:style>
     </a:txDef>
   </a:objectDefaults>
+  <a:extraClrSchemeLst/>
 </a:theme>
 </file>